--- a/Project 2/Part3/CS554_EuroTeam_Project2_OP6.pptx
+++ b/Project 2/Part3/CS554_EuroTeam_Project2_OP6.pptx
@@ -5,17 +5,31 @@
     <p:sldMasterId id="2147483660" r:id="rId2"/>
   </p:sldMasterIdLst>
   <p:notesMasterIdLst>
-    <p:notesMasterId r:id="rId8"/>
+    <p:notesMasterId r:id="rId22"/>
   </p:notesMasterIdLst>
   <p:handoutMasterIdLst>
-    <p:handoutMasterId r:id="rId9"/>
+    <p:handoutMasterId r:id="rId23"/>
   </p:handoutMasterIdLst>
   <p:sldIdLst>
     <p:sldId id="256" r:id="rId3"/>
-    <p:sldId id="261" r:id="rId4"/>
-    <p:sldId id="288" r:id="rId5"/>
+    <p:sldId id="292" r:id="rId4"/>
+    <p:sldId id="261" r:id="rId5"/>
     <p:sldId id="287" r:id="rId6"/>
-    <p:sldId id="286" r:id="rId7"/>
+    <p:sldId id="288" r:id="rId7"/>
+    <p:sldId id="289" r:id="rId8"/>
+    <p:sldId id="296" r:id="rId9"/>
+    <p:sldId id="294" r:id="rId10"/>
+    <p:sldId id="295" r:id="rId11"/>
+    <p:sldId id="298" r:id="rId12"/>
+    <p:sldId id="290" r:id="rId13"/>
+    <p:sldId id="299" r:id="rId14"/>
+    <p:sldId id="300" r:id="rId15"/>
+    <p:sldId id="301" r:id="rId16"/>
+    <p:sldId id="302" r:id="rId17"/>
+    <p:sldId id="303" r:id="rId18"/>
+    <p:sldId id="293" r:id="rId19"/>
+    <p:sldId id="291" r:id="rId20"/>
+    <p:sldId id="286" r:id="rId21"/>
   </p:sldIdLst>
   <p:sldSz cx="9144000" cy="6858000" type="screen4x3"/>
   <p:notesSz cx="7099300" cy="10234613"/>
@@ -984,7 +998,13 @@
     </dgm:pt>
     <dgm:pt modelId="{67D24913-09F9-4F86-B612-DD5C4945B52C}">
       <dgm:prSet phldrT="[Texte]"/>
-      <dgm:spPr/>
+      <dgm:spPr>
+        <a:solidFill>
+          <a:srgbClr val="92D050">
+            <a:alpha val="68000"/>
+          </a:srgbClr>
+        </a:solidFill>
+      </dgm:spPr>
       <dgm:t>
         <a:bodyPr/>
         <a:lstStyle/>
@@ -1066,7 +1086,18 @@
     </dgm:pt>
     <dgm:pt modelId="{1C17E32D-E5BC-4650-8F69-5E37774C067C}">
       <dgm:prSet phldrT="[Texte]"/>
-      <dgm:spPr/>
+      <dgm:spPr>
+        <a:solidFill>
+          <a:srgbClr val="92D050">
+            <a:alpha val="68000"/>
+          </a:srgbClr>
+        </a:solidFill>
+        <a:ln w="9525">
+          <a:solidFill>
+            <a:schemeClr val="accent6"/>
+          </a:solidFill>
+        </a:ln>
+      </dgm:spPr>
       <dgm:t>
         <a:bodyPr/>
         <a:lstStyle/>
@@ -1337,7 +1368,18 @@
     </dgm:pt>
     <dgm:pt modelId="{7FE59F3C-D076-40C7-967F-EE61C565D313}">
       <dgm:prSet/>
-      <dgm:spPr/>
+      <dgm:spPr>
+        <a:solidFill>
+          <a:srgbClr val="92D050">
+            <a:alpha val="80000"/>
+          </a:srgbClr>
+        </a:solidFill>
+        <a:ln w="31750">
+          <a:solidFill>
+            <a:srgbClr val="FF0000"/>
+          </a:solidFill>
+        </a:ln>
+      </dgm:spPr>
       <dgm:t>
         <a:bodyPr/>
         <a:lstStyle/>
@@ -1386,7 +1428,18 @@
     </dgm:pt>
     <dgm:pt modelId="{BD27B93E-B34D-4D94-A918-74D1D64A6C14}">
       <dgm:prSet/>
-      <dgm:spPr/>
+      <dgm:spPr>
+        <a:solidFill>
+          <a:srgbClr val="92D050">
+            <a:alpha val="80000"/>
+          </a:srgbClr>
+        </a:solidFill>
+        <a:ln w="31750">
+          <a:solidFill>
+            <a:srgbClr val="FF0000"/>
+          </a:solidFill>
+        </a:ln>
+      </dgm:spPr>
       <dgm:t>
         <a:bodyPr/>
         <a:lstStyle/>
@@ -1431,7 +1484,13 @@
     </dgm:pt>
     <dgm:pt modelId="{14D14EFE-6C54-446C-82B7-D64794AE17D7}">
       <dgm:prSet/>
-      <dgm:spPr/>
+      <dgm:spPr>
+        <a:solidFill>
+          <a:srgbClr val="FF0000">
+            <a:alpha val="26000"/>
+          </a:srgbClr>
+        </a:solidFill>
+      </dgm:spPr>
       <dgm:t>
         <a:bodyPr/>
         <a:lstStyle/>
@@ -1480,7 +1539,13 @@
     </dgm:pt>
     <dgm:pt modelId="{64FD7011-1C57-4ACA-8B55-9E1489E37311}">
       <dgm:prSet/>
-      <dgm:spPr/>
+      <dgm:spPr>
+        <a:solidFill>
+          <a:srgbClr val="FF0000">
+            <a:alpha val="26000"/>
+          </a:srgbClr>
+        </a:solidFill>
+      </dgm:spPr>
       <dgm:t>
         <a:bodyPr/>
         <a:lstStyle/>
@@ -1521,7 +1586,13 @@
     </dgm:pt>
     <dgm:pt modelId="{46644A12-61EF-421C-AD66-692EB805B048}">
       <dgm:prSet/>
-      <dgm:spPr/>
+      <dgm:spPr>
+        <a:solidFill>
+          <a:srgbClr val="FF0000">
+            <a:alpha val="26000"/>
+          </a:srgbClr>
+        </a:solidFill>
+      </dgm:spPr>
       <dgm:t>
         <a:bodyPr/>
         <a:lstStyle/>
@@ -1615,7 +1686,13 @@
     </dgm:pt>
     <dgm:pt modelId="{8EF861FA-3808-4B5F-A394-808F8FCA844F}">
       <dgm:prSet phldrT="[Texte]"/>
-      <dgm:spPr/>
+      <dgm:spPr>
+        <a:solidFill>
+          <a:srgbClr val="92D050">
+            <a:alpha val="68000"/>
+          </a:srgbClr>
+        </a:solidFill>
+      </dgm:spPr>
       <dgm:t>
         <a:bodyPr/>
         <a:lstStyle/>
@@ -3704,7 +3781,7 @@
     </p:spTree>
     <p:extLst>
       <p:ext uri="{BB962C8B-B14F-4D97-AF65-F5344CB8AC3E}">
-        <p14:creationId xmlns:p14="http://schemas.microsoft.com/office/powerpoint/2007/7/12/main" xmlns="" xmlns:mv="urn:schemas-microsoft-com:mac:vml" xmlns:mc="http://schemas.openxmlformats.org/markup-compatibility/2006" val="3216856891"/>
+        <p14:creationId xmlns:mc="http://schemas.openxmlformats.org/markup-compatibility/2006" xmlns:mv="urn:schemas-microsoft-com:mac:vml" xmlns="" xmlns:p14="http://schemas.microsoft.com/office/powerpoint/2007/7/12/main" val="3216856891"/>
       </p:ext>
     </p:extLst>
   </p:cSld>
@@ -4009,7 +4086,7 @@
     </p:spTree>
     <p:extLst>
       <p:ext uri="{BB962C8B-B14F-4D97-AF65-F5344CB8AC3E}">
-        <p14:creationId xmlns:p14="http://schemas.microsoft.com/office/powerpoint/2007/7/12/main" xmlns="" xmlns:mv="urn:schemas-microsoft-com:mac:vml" xmlns:mc="http://schemas.openxmlformats.org/markup-compatibility/2006" val="3483236166"/>
+        <p14:creationId xmlns:mc="http://schemas.openxmlformats.org/markup-compatibility/2006" xmlns:mv="urn:schemas-microsoft-com:mac:vml" xmlns="" xmlns:p14="http://schemas.microsoft.com/office/powerpoint/2007/7/12/main" val="3483236166"/>
       </p:ext>
     </p:extLst>
   </p:cSld>
@@ -5881,7 +5958,7 @@
           <a:blip r:embed="rId4">
             <a:extLst>
               <a:ext uri="28A0092B-C50C-407e-A947-70E740481C1C">
-                <a14:useLocalDpi xmlns:a14="http://schemas.microsoft.com/office/drawing/2007/7/7/main" xmlns="" xmlns:mv="urn:schemas-microsoft-com:mac:vml" xmlns:mc="http://schemas.openxmlformats.org/markup-compatibility/2006" val="0"/>
+                <a14:useLocalDpi xmlns:mc="http://schemas.openxmlformats.org/markup-compatibility/2006" xmlns:mv="urn:schemas-microsoft-com:mac:vml" xmlns="" xmlns:a14="http://schemas.microsoft.com/office/drawing/2007/7/7/main" val="0"/>
               </a:ext>
             </a:extLst>
           </a:blip>
@@ -5901,14 +5978,14 @@
           <a:noFill/>
           <a:extLst>
             <a:ext uri="{909E8E84-426E-40dd-AFC4-6F175D3DCCD1}">
-              <a14:hiddenFill xmlns:a14="http://schemas.microsoft.com/office/drawing/2007/7/7/main" xmlns="" xmlns:mv="urn:schemas-microsoft-com:mac:vml" xmlns:mc="http://schemas.openxmlformats.org/markup-compatibility/2006">
+              <a14:hiddenFill xmlns:mc="http://schemas.openxmlformats.org/markup-compatibility/2006" xmlns:mv="urn:schemas-microsoft-com:mac:vml" xmlns="" xmlns:a14="http://schemas.microsoft.com/office/drawing/2007/7/7/main">
                 <a:solidFill>
                   <a:schemeClr val="accent1"/>
                 </a:solidFill>
               </a14:hiddenFill>
             </a:ext>
             <a:ext uri="{91240B29-F687-4f45-9708-019B960494DF}">
-              <a14:hiddenLine xmlns:a14="http://schemas.microsoft.com/office/drawing/2007/7/7/main" xmlns="" xmlns:mv="urn:schemas-microsoft-com:mac:vml" xmlns:mc="http://schemas.openxmlformats.org/markup-compatibility/2006" w="9525">
+              <a14:hiddenLine xmlns:mc="http://schemas.openxmlformats.org/markup-compatibility/2006" xmlns:mv="urn:schemas-microsoft-com:mac:vml" xmlns="" xmlns:a14="http://schemas.microsoft.com/office/drawing/2007/7/7/main" w="9525">
                 <a:solidFill>
                   <a:schemeClr val="tx1"/>
                 </a:solidFill>
@@ -5918,7 +5995,7 @@
               </a14:hiddenLine>
             </a:ext>
             <a:ext uri="{AF507438-7753-43e0-B8FC-AC1667EBCBE1}">
-              <a14:hiddenEffects xmlns:a14="http://schemas.microsoft.com/office/drawing/2007/7/7/main" xmlns="" xmlns:mv="urn:schemas-microsoft-com:mac:vml" xmlns:mc="http://schemas.openxmlformats.org/markup-compatibility/2006">
+              <a14:hiddenEffects xmlns:mc="http://schemas.openxmlformats.org/markup-compatibility/2006" xmlns:mv="urn:schemas-microsoft-com:mac:vml" xmlns="" xmlns:a14="http://schemas.microsoft.com/office/drawing/2007/7/7/main">
                 <a:effectLst>
                   <a:outerShdw dist="35921" dir="2700000" algn="ctr" rotWithShape="0">
                     <a:schemeClr val="bg2"/>
@@ -5932,7 +6009,7 @@
     </p:spTree>
     <p:extLst>
       <p:ext uri="{BB962C8B-B14F-4D97-AF65-F5344CB8AC3E}">
-        <p14:creationId xmlns:p14="http://schemas.microsoft.com/office/powerpoint/2007/7/12/main" xmlns="" xmlns:mv="urn:schemas-microsoft-com:mac:vml" xmlns:mc="http://schemas.openxmlformats.org/markup-compatibility/2006" val="1066328049"/>
+        <p14:creationId xmlns:mc="http://schemas.openxmlformats.org/markup-compatibility/2006" xmlns:mv="urn:schemas-microsoft-com:mac:vml" xmlns="" xmlns:p14="http://schemas.microsoft.com/office/powerpoint/2007/7/12/main" val="1066328049"/>
       </p:ext>
     </p:extLst>
   </p:cSld>
@@ -7174,15 +7251,6 @@
               </a:rPr>
               <a:t>OP6</a:t>
             </a:r>
-            <a:endParaRPr lang="fr-FR" b="1" dirty="0" smtClean="0">
-              <a:effectLst>
-                <a:outerShdw blurRad="38100" dist="38100" dir="2700000" algn="tl">
-                  <a:srgbClr val="000000">
-                    <a:alpha val="43137"/>
-                  </a:srgbClr>
-                </a:outerShdw>
-              </a:effectLst>
-            </a:endParaRPr>
           </a:p>
           <a:p>
             <a:pPr algn="ctr"/>
@@ -7208,7 +7276,7 @@
                   </a:outerShdw>
                 </a:effectLst>
               </a:rPr>
-              <a:t>Architectural </a:t>
+              <a:t>Architectural Design </a:t>
             </a:r>
             <a:endParaRPr lang="fr-FR" b="1" i="1" dirty="0" smtClean="0">
               <a:effectLst>
@@ -7478,6 +7546,1857 @@
 </p:sld>
 </file>
 
+<file path=ppt/slides/slide10.xml><?xml version="1.0" encoding="utf-8"?>
+<p:sld xmlns:a="http://schemas.openxmlformats.org/drawingml/2006/main" xmlns:r="http://schemas.openxmlformats.org/officeDocument/2006/relationships" xmlns:p="http://schemas.openxmlformats.org/presentationml/2006/main">
+  <p:cSld>
+    <p:spTree>
+      <p:nvGrpSpPr>
+        <p:cNvPr id="1" name=""/>
+        <p:cNvGrpSpPr/>
+        <p:nvPr/>
+      </p:nvGrpSpPr>
+      <p:grpSpPr>
+        <a:xfrm>
+          <a:off x="0" y="0"/>
+          <a:ext cx="0" cy="0"/>
+          <a:chOff x="0" y="0"/>
+          <a:chExt cx="0" cy="0"/>
+        </a:xfrm>
+      </p:grpSpPr>
+      <p:sp>
+        <p:nvSpPr>
+          <p:cNvPr id="6" name="Rectangle 5"/>
+          <p:cNvSpPr/>
+          <p:nvPr/>
+        </p:nvSpPr>
+        <p:spPr>
+          <a:xfrm>
+            <a:off x="357158" y="3500438"/>
+            <a:ext cx="8501122" cy="3071834"/>
+          </a:xfrm>
+          <a:prstGeom prst="rect">
+            <a:avLst/>
+          </a:prstGeom>
+          <a:solidFill>
+            <a:srgbClr val="FF0000">
+              <a:alpha val="8000"/>
+            </a:srgbClr>
+          </a:solidFill>
+          <a:ln w="25400"/>
+        </p:spPr>
+        <p:style>
+          <a:lnRef idx="1">
+            <a:schemeClr val="accent4"/>
+          </a:lnRef>
+          <a:fillRef idx="2">
+            <a:schemeClr val="accent4"/>
+          </a:fillRef>
+          <a:effectRef idx="1">
+            <a:schemeClr val="accent4"/>
+          </a:effectRef>
+          <a:fontRef idx="minor">
+            <a:schemeClr val="dk1"/>
+          </a:fontRef>
+        </p:style>
+        <p:txBody>
+          <a:bodyPr rtlCol="0" anchor="ctr"/>
+          <a:lstStyle/>
+          <a:p>
+            <a:pPr algn="ctr"/>
+            <a:endParaRPr lang="fr-FR"/>
+          </a:p>
+        </p:txBody>
+      </p:sp>
+      <p:sp>
+        <p:nvSpPr>
+          <p:cNvPr id="5" name="Espace réservé du texte 4"/>
+          <p:cNvSpPr>
+            <a:spLocks noGrp="1"/>
+          </p:cNvSpPr>
+          <p:nvPr>
+            <p:ph type="body" sz="quarter" idx="10"/>
+          </p:nvPr>
+        </p:nvSpPr>
+        <p:spPr>
+          <a:xfrm>
+            <a:off x="285750" y="1214422"/>
+            <a:ext cx="8858250" cy="5357828"/>
+          </a:xfrm>
+        </p:spPr>
+        <p:txBody>
+          <a:bodyPr/>
+          <a:lstStyle/>
+          <a:p>
+            <a:r>
+              <a:rPr smtClean="0"/>
+              <a:t>Architectural types: available families in ACME Studio are</a:t>
+            </a:r>
+          </a:p>
+          <a:p>
+            <a:pPr lvl="1"/>
+            <a:r>
+              <a:rPr lang="en-US" dirty="0" smtClean="0"/>
+              <a:t>Tiered</a:t>
+            </a:r>
+          </a:p>
+          <a:p>
+            <a:pPr lvl="1"/>
+            <a:r>
+              <a:rPr lang="en-US" dirty="0" smtClean="0"/>
+              <a:t>Pipe &amp; filters</a:t>
+            </a:r>
+          </a:p>
+          <a:p>
+            <a:pPr lvl="1"/>
+            <a:r>
+              <a:rPr lang="en-US" dirty="0" smtClean="0"/>
+              <a:t>Client &amp; servers</a:t>
+            </a:r>
+          </a:p>
+          <a:p>
+            <a:pPr lvl="1"/>
+            <a:r>
+              <a:rPr lang="en-US" dirty="0" smtClean="0"/>
+              <a:t>Shared </a:t>
+            </a:r>
+            <a:r>
+              <a:rPr lang="en-US" dirty="0" smtClean="0"/>
+              <a:t>data</a:t>
+            </a:r>
+          </a:p>
+          <a:p>
+            <a:pPr lvl="1"/>
+            <a:r>
+              <a:rPr lang="en-US" dirty="0" smtClean="0"/>
+              <a:t>Three-tiered</a:t>
+            </a:r>
+          </a:p>
+          <a:p>
+            <a:pPr lvl="1"/>
+            <a:r>
+              <a:rPr lang="en-US" b="1" dirty="0" smtClean="0">
+                <a:solidFill>
+                  <a:srgbClr val="C00000"/>
+                </a:solidFill>
+                <a:effectLst>
+                  <a:outerShdw blurRad="38100" dist="38100" dir="2700000" algn="tl">
+                    <a:srgbClr val="000000">
+                      <a:alpha val="43137"/>
+                    </a:srgbClr>
+                  </a:outerShdw>
+                </a:effectLst>
+              </a:rPr>
+              <a:t>Pub-Sub</a:t>
+            </a:r>
+          </a:p>
+          <a:p>
+            <a:pPr lvl="2"/>
+            <a:r>
+              <a:rPr lang="en-US" dirty="0" smtClean="0"/>
+              <a:t>Content-based: </a:t>
+            </a:r>
+            <a:endParaRPr lang="en-US" dirty="0" smtClean="0">
+              <a:solidFill>
+                <a:schemeClr val="tx1">
+                  <a:lumMod val="65000"/>
+                  <a:lumOff val="35000"/>
+                </a:schemeClr>
+              </a:solidFill>
+            </a:endParaRPr>
+          </a:p>
+          <a:p>
+            <a:pPr lvl="1"/>
+            <a:endParaRPr lang="en-US" dirty="0" smtClean="0"/>
+          </a:p>
+          <a:p>
+            <a:pPr lvl="1"/>
+            <a:endParaRPr smtClean="0"/>
+          </a:p>
+        </p:txBody>
+      </p:sp>
+      <p:sp>
+        <p:nvSpPr>
+          <p:cNvPr id="4" name="Titre 3"/>
+          <p:cNvSpPr>
+            <a:spLocks noGrp="1"/>
+          </p:cNvSpPr>
+          <p:nvPr>
+            <p:ph type="ctrTitle"/>
+          </p:nvPr>
+        </p:nvSpPr>
+        <p:spPr/>
+        <p:txBody>
+          <a:bodyPr/>
+          <a:lstStyle/>
+          <a:p>
+            <a:r>
+              <a:rPr lang="fr-FR" dirty="0" smtClean="0"/>
+              <a:t>Design architecture proposition (</a:t>
+            </a:r>
+            <a:r>
+              <a:rPr lang="fr-FR" dirty="0" err="1" smtClean="0"/>
+              <a:t>cont</a:t>
+            </a:r>
+            <a:r>
+              <a:rPr lang="fr-FR" dirty="0" smtClean="0"/>
+              <a:t>.)</a:t>
+            </a:r>
+            <a:endParaRPr lang="fr-FR" dirty="0"/>
+          </a:p>
+        </p:txBody>
+      </p:sp>
+    </p:spTree>
+  </p:cSld>
+  <p:clrMapOvr>
+    <a:masterClrMapping/>
+  </p:clrMapOvr>
+  <p:timing>
+    <p:tnLst>
+      <p:par>
+        <p:cTn id="1" dur="indefinite" restart="never" nodeType="tmRoot"/>
+      </p:par>
+    </p:tnLst>
+  </p:timing>
+</p:sld>
+</file>
+
+<file path=ppt/slides/slide11.xml><?xml version="1.0" encoding="utf-8"?>
+<p:sld xmlns:a="http://schemas.openxmlformats.org/drawingml/2006/main" xmlns:r="http://schemas.openxmlformats.org/officeDocument/2006/relationships" xmlns:p="http://schemas.openxmlformats.org/presentationml/2006/main">
+  <p:cSld>
+    <p:spTree>
+      <p:nvGrpSpPr>
+        <p:cNvPr id="1" name=""/>
+        <p:cNvGrpSpPr/>
+        <p:nvPr/>
+      </p:nvGrpSpPr>
+      <p:grpSpPr>
+        <a:xfrm>
+          <a:off x="0" y="0"/>
+          <a:ext cx="0" cy="0"/>
+          <a:chOff x="0" y="0"/>
+          <a:chExt cx="0" cy="0"/>
+        </a:xfrm>
+      </p:grpSpPr>
+      <p:sp>
+        <p:nvSpPr>
+          <p:cNvPr id="2" name="Titre 1"/>
+          <p:cNvSpPr>
+            <a:spLocks noGrp="1"/>
+          </p:cNvSpPr>
+          <p:nvPr>
+            <p:ph type="ctrTitle"/>
+          </p:nvPr>
+        </p:nvSpPr>
+        <p:spPr/>
+        <p:txBody>
+          <a:bodyPr/>
+          <a:lstStyle/>
+          <a:p>
+            <a:r>
+              <a:rPr smtClean="0"/>
+              <a:t>How to analyze our architecture ? </a:t>
+            </a:r>
+            <a:endParaRPr lang="fr-FR" dirty="0"/>
+          </a:p>
+        </p:txBody>
+      </p:sp>
+      <p:sp>
+        <p:nvSpPr>
+          <p:cNvPr id="3" name="Espace réservé du texte 2"/>
+          <p:cNvSpPr>
+            <a:spLocks noGrp="1"/>
+          </p:cNvSpPr>
+          <p:nvPr>
+            <p:ph type="body" sz="quarter" idx="10"/>
+          </p:nvPr>
+        </p:nvSpPr>
+        <p:spPr/>
+        <p:txBody>
+          <a:bodyPr/>
+          <a:lstStyle/>
+          <a:p>
+            <a:r>
+              <a:rPr lang="en-US" dirty="0" smtClean="0"/>
+              <a:t>Compare the requirements with the architecture</a:t>
+            </a:r>
+          </a:p>
+          <a:p>
+            <a:pPr lvl="1"/>
+            <a:r>
+              <a:rPr lang="en-US" dirty="0" smtClean="0"/>
+              <a:t>Do </a:t>
+            </a:r>
+            <a:r>
+              <a:rPr lang="en-US" dirty="0" smtClean="0"/>
+              <a:t>we meet the quality attributes goals ? </a:t>
+            </a:r>
+            <a:endParaRPr lang="en-US" dirty="0" smtClean="0"/>
+          </a:p>
+          <a:p>
+            <a:pPr lvl="1"/>
+            <a:r>
+              <a:rPr lang="en-US" dirty="0" smtClean="0"/>
+              <a:t>Do </a:t>
+            </a:r>
+            <a:r>
+              <a:rPr lang="en-US" dirty="0" smtClean="0"/>
+              <a:t>we satisfy the requirements as portrayed in the utility trees and scenarios</a:t>
+            </a:r>
+          </a:p>
+          <a:p>
+            <a:endParaRPr lang="en-US" dirty="0" smtClean="0"/>
+          </a:p>
+          <a:p>
+            <a:r>
+              <a:rPr lang="en-US" dirty="0" smtClean="0"/>
+              <a:t>Architectural key decisions soul-searching</a:t>
+            </a:r>
+          </a:p>
+          <a:p>
+            <a:pPr lvl="1"/>
+            <a:r>
+              <a:rPr lang="en-US" dirty="0" smtClean="0"/>
+              <a:t>What </a:t>
+            </a:r>
+            <a:r>
+              <a:rPr lang="en-US" dirty="0" smtClean="0"/>
+              <a:t>are the </a:t>
+            </a:r>
+            <a:r>
+              <a:rPr lang="en-US" dirty="0" smtClean="0"/>
+              <a:t>strengths </a:t>
+            </a:r>
+            <a:r>
+              <a:rPr lang="en-US" dirty="0" smtClean="0"/>
+              <a:t>and weaknesses of our </a:t>
+            </a:r>
+            <a:r>
+              <a:rPr lang="en-US" dirty="0" smtClean="0"/>
+              <a:t>architectural design ?</a:t>
+            </a:r>
+          </a:p>
+          <a:p>
+            <a:pPr lvl="1"/>
+            <a:r>
+              <a:rPr lang="en-US" dirty="0" smtClean="0"/>
+              <a:t>If we compare the chosen architectural type with another's through our architectural design, could our architecture be better or worth ?</a:t>
+            </a:r>
+          </a:p>
+          <a:p>
+            <a:pPr lvl="1"/>
+            <a:endParaRPr lang="en-US" dirty="0" smtClean="0"/>
+          </a:p>
+          <a:p>
+            <a:endParaRPr lang="fr-FR" dirty="0"/>
+          </a:p>
+        </p:txBody>
+      </p:sp>
+    </p:spTree>
+  </p:cSld>
+  <p:clrMapOvr>
+    <a:masterClrMapping/>
+  </p:clrMapOvr>
+  <p:timing>
+    <p:tnLst>
+      <p:par>
+        <p:cTn id="1" dur="indefinite" restart="never" nodeType="tmRoot"/>
+      </p:par>
+    </p:tnLst>
+  </p:timing>
+</p:sld>
+</file>
+
+<file path=ppt/slides/slide12.xml><?xml version="1.0" encoding="utf-8"?>
+<p:sld xmlns:a="http://schemas.openxmlformats.org/drawingml/2006/main" xmlns:r="http://schemas.openxmlformats.org/officeDocument/2006/relationships" xmlns:p="http://schemas.openxmlformats.org/presentationml/2006/main">
+  <p:cSld>
+    <p:spTree>
+      <p:nvGrpSpPr>
+        <p:cNvPr id="1" name=""/>
+        <p:cNvGrpSpPr/>
+        <p:nvPr/>
+      </p:nvGrpSpPr>
+      <p:grpSpPr>
+        <a:xfrm>
+          <a:off x="0" y="0"/>
+          <a:ext cx="0" cy="0"/>
+          <a:chOff x="0" y="0"/>
+          <a:chExt cx="0" cy="0"/>
+        </a:xfrm>
+      </p:grpSpPr>
+      <p:sp>
+        <p:nvSpPr>
+          <p:cNvPr id="2" name="Titre 1"/>
+          <p:cNvSpPr>
+            <a:spLocks noGrp="1"/>
+          </p:cNvSpPr>
+          <p:nvPr>
+            <p:ph type="ctrTitle"/>
+          </p:nvPr>
+        </p:nvSpPr>
+        <p:spPr/>
+        <p:txBody>
+          <a:bodyPr/>
+          <a:lstStyle/>
+          <a:p>
+            <a:r>
+              <a:rPr smtClean="0"/>
+              <a:t>Requirements expectations</a:t>
+            </a:r>
+            <a:endParaRPr lang="fr-FR" dirty="0"/>
+          </a:p>
+        </p:txBody>
+      </p:sp>
+      <p:sp>
+        <p:nvSpPr>
+          <p:cNvPr id="3" name="Espace réservé du texte 2"/>
+          <p:cNvSpPr>
+            <a:spLocks noGrp="1"/>
+          </p:cNvSpPr>
+          <p:nvPr>
+            <p:ph type="body" sz="quarter" idx="10"/>
+          </p:nvPr>
+        </p:nvSpPr>
+        <p:spPr/>
+        <p:txBody>
+          <a:bodyPr/>
+          <a:lstStyle/>
+          <a:p>
+            <a:pPr eaLnBrk="1" hangingPunct="1">
+              <a:buFont typeface="Wingdings" charset="2"/>
+              <a:buChar char="q"/>
+            </a:pPr>
+            <a:r>
+              <a:rPr altLang="ko-KR" smtClean="0">
+                <a:ea typeface="굴림" charset="-127"/>
+              </a:rPr>
+              <a:t>FDIR is a monitoring system involvingseveral interaction betweenseveralcomponenets -&gt;event-based architecture</a:t>
+            </a:r>
+          </a:p>
+          <a:p>
+            <a:pPr eaLnBrk="1" hangingPunct="1">
+              <a:buFont typeface="Wingdings" charset="2"/>
+              <a:buChar char="q"/>
+            </a:pPr>
+            <a:endParaRPr altLang="ko-KR" smtClean="0">
+              <a:ea typeface="굴림" charset="-127"/>
+            </a:endParaRPr>
+          </a:p>
+          <a:p>
+            <a:pPr eaLnBrk="1" hangingPunct="1">
+              <a:buFont typeface="Wingdings" charset="2"/>
+              <a:buChar char="q"/>
+            </a:pPr>
+            <a:r>
+              <a:rPr altLang="ko-KR" smtClean="0">
+                <a:ea typeface="굴림" charset="-127"/>
+              </a:rPr>
+              <a:t>Publish/Suscribe architectural style meet the need of asynchronous communication</a:t>
+            </a:r>
+          </a:p>
+          <a:p>
+            <a:pPr eaLnBrk="1" hangingPunct="1">
+              <a:buFont typeface="Wingdings" charset="2"/>
+              <a:buChar char="q"/>
+            </a:pPr>
+            <a:endParaRPr altLang="ko-KR" smtClean="0">
+              <a:ea typeface="굴림" charset="-127"/>
+            </a:endParaRPr>
+          </a:p>
+          <a:p>
+            <a:pPr eaLnBrk="1" hangingPunct="1">
+              <a:buFont typeface="Wingdings" charset="2"/>
+              <a:buChar char="q"/>
+            </a:pPr>
+            <a:r>
+              <a:rPr altLang="ko-KR" smtClean="0">
+                <a:ea typeface="굴림" charset="-127"/>
+              </a:rPr>
+              <a:t>The topic-based aspect allows us to focus on a limitednumber of kind of event (control operation, monitored values, analysisresults, reports…)</a:t>
+            </a:r>
+          </a:p>
+          <a:p>
+            <a:pPr eaLnBrk="1" hangingPunct="1">
+              <a:buFont typeface="Wingdings" charset="2"/>
+              <a:buChar char="q"/>
+            </a:pPr>
+            <a:endParaRPr altLang="ko-KR" smtClean="0">
+              <a:ea typeface="굴림" charset="-127"/>
+            </a:endParaRPr>
+          </a:p>
+          <a:p>
+            <a:pPr eaLnBrk="1" hangingPunct="1">
+              <a:buFont typeface="Wingdings" charset="2"/>
+              <a:buChar char="q"/>
+            </a:pPr>
+            <a:r>
+              <a:rPr altLang="ko-KR" smtClean="0">
+                <a:ea typeface="굴림" charset="-127"/>
+              </a:rPr>
+              <a:t>Publish </a:t>
+            </a:r>
+            <a:r>
+              <a:rPr altLang="ko-KR" smtClean="0">
+                <a:ea typeface="굴림" charset="-127"/>
+              </a:rPr>
+              <a:t>and </a:t>
+            </a:r>
+            <a:r>
+              <a:rPr altLang="ko-KR" smtClean="0">
+                <a:ea typeface="굴림" charset="-127"/>
+              </a:rPr>
+              <a:t>suscribefamilyisready-to-be-used within ACME Studio tool</a:t>
+            </a:r>
+            <a:endParaRPr lang="fr-FR" dirty="0"/>
+          </a:p>
+        </p:txBody>
+      </p:sp>
+    </p:spTree>
+  </p:cSld>
+  <p:clrMapOvr>
+    <a:masterClrMapping/>
+  </p:clrMapOvr>
+</p:sld>
+</file>
+
+<file path=ppt/slides/slide13.xml><?xml version="1.0" encoding="utf-8"?>
+<p:sld xmlns:a="http://schemas.openxmlformats.org/drawingml/2006/main" xmlns:r="http://schemas.openxmlformats.org/officeDocument/2006/relationships" xmlns:p="http://schemas.openxmlformats.org/presentationml/2006/main">
+  <p:cSld>
+    <p:spTree>
+      <p:nvGrpSpPr>
+        <p:cNvPr id="1" name=""/>
+        <p:cNvGrpSpPr/>
+        <p:nvPr/>
+      </p:nvGrpSpPr>
+      <p:grpSpPr>
+        <a:xfrm>
+          <a:off x="0" y="0"/>
+          <a:ext cx="0" cy="0"/>
+          <a:chOff x="0" y="0"/>
+          <a:chExt cx="0" cy="0"/>
+        </a:xfrm>
+      </p:grpSpPr>
+      <p:sp>
+        <p:nvSpPr>
+          <p:cNvPr id="2" name="Titre 1"/>
+          <p:cNvSpPr>
+            <a:spLocks noGrp="1"/>
+          </p:cNvSpPr>
+          <p:nvPr>
+            <p:ph type="ctrTitle"/>
+          </p:nvPr>
+        </p:nvSpPr>
+        <p:spPr/>
+        <p:txBody>
+          <a:bodyPr/>
+          <a:lstStyle/>
+          <a:p>
+            <a:r>
+              <a:rPr smtClean="0"/>
+              <a:t>Requirements </a:t>
+            </a:r>
+            <a:r>
+              <a:rPr smtClean="0"/>
+              <a:t>expectations (cont.)</a:t>
+            </a:r>
+            <a:endParaRPr lang="fr-FR" dirty="0"/>
+          </a:p>
+        </p:txBody>
+      </p:sp>
+      <p:sp>
+        <p:nvSpPr>
+          <p:cNvPr id="3" name="Espace réservé du texte 2"/>
+          <p:cNvSpPr>
+            <a:spLocks noGrp="1"/>
+          </p:cNvSpPr>
+          <p:nvPr>
+            <p:ph type="body" sz="quarter" idx="10"/>
+          </p:nvPr>
+        </p:nvSpPr>
+        <p:spPr/>
+        <p:txBody>
+          <a:bodyPr/>
+          <a:lstStyle/>
+          <a:p>
+            <a:pPr eaLnBrk="1" hangingPunct="1">
+              <a:buFont typeface="Wingdings" charset="2"/>
+              <a:buChar char="q"/>
+            </a:pPr>
+            <a:r>
+              <a:rPr lang="en-US" altLang="ko-KR" dirty="0" smtClean="0">
+                <a:ea typeface="굴림" charset="-127"/>
+              </a:rPr>
+              <a:t>The </a:t>
+            </a:r>
+            <a:r>
+              <a:rPr lang="en-US" altLang="ko-KR" dirty="0" err="1" smtClean="0">
+                <a:ea typeface="굴림" charset="-127"/>
+              </a:rPr>
+              <a:t>layeredfault</a:t>
+            </a:r>
+            <a:r>
+              <a:rPr lang="en-US" altLang="ko-KR" dirty="0" smtClean="0">
+                <a:ea typeface="굴림" charset="-127"/>
+              </a:rPr>
+              <a:t> </a:t>
+            </a:r>
+            <a:r>
+              <a:rPr lang="en-US" altLang="ko-KR" dirty="0" err="1" smtClean="0">
+                <a:ea typeface="굴림" charset="-127"/>
+              </a:rPr>
+              <a:t>analyser</a:t>
+            </a:r>
+            <a:r>
+              <a:rPr lang="en-US" altLang="ko-KR" dirty="0" smtClean="0">
+                <a:ea typeface="굴림" charset="-127"/>
+              </a:rPr>
+              <a:t> and control system are </a:t>
+            </a:r>
+            <a:r>
+              <a:rPr lang="en-US" altLang="ko-KR" dirty="0" smtClean="0">
+                <a:ea typeface="굴림" charset="-127"/>
+              </a:rPr>
+              <a:t>better defined using </a:t>
+            </a:r>
+            <a:r>
+              <a:rPr lang="en-US" altLang="ko-KR" dirty="0" smtClean="0">
+                <a:ea typeface="굴림" charset="-127"/>
+              </a:rPr>
+              <a:t>a waterfall of publishers/</a:t>
+            </a:r>
+            <a:r>
+              <a:rPr lang="en-US" altLang="ko-KR" dirty="0" err="1" smtClean="0">
+                <a:ea typeface="굴림" charset="-127"/>
+              </a:rPr>
+              <a:t>suscribers</a:t>
+            </a:r>
+            <a:endParaRPr lang="en-US" altLang="ko-KR" dirty="0" smtClean="0">
+              <a:ea typeface="굴림" charset="-127"/>
+            </a:endParaRPr>
+          </a:p>
+          <a:p>
+            <a:pPr eaLnBrk="1" hangingPunct="1">
+              <a:buFont typeface="Wingdings" charset="2"/>
+              <a:buChar char="q"/>
+            </a:pPr>
+            <a:endParaRPr lang="en-US" altLang="ko-KR" dirty="0" smtClean="0">
+              <a:ea typeface="굴림" charset="-127"/>
+            </a:endParaRPr>
+          </a:p>
+          <a:p>
+            <a:pPr eaLnBrk="1" hangingPunct="1">
+              <a:buFont typeface="Wingdings" charset="2"/>
+              <a:buChar char="q"/>
+            </a:pPr>
+            <a:r>
+              <a:rPr lang="en-US" altLang="ko-KR" dirty="0" smtClean="0">
+                <a:ea typeface="굴림" charset="-127"/>
+              </a:rPr>
+              <a:t>ACME studio allows us to </a:t>
+            </a:r>
+            <a:r>
+              <a:rPr lang="en-US" altLang="ko-KR" dirty="0" smtClean="0">
+                <a:ea typeface="굴림" charset="-127"/>
+              </a:rPr>
+              <a:t>clearly divide our </a:t>
+            </a:r>
+            <a:r>
+              <a:rPr lang="en-US" altLang="ko-KR" dirty="0" smtClean="0">
+                <a:ea typeface="굴림" charset="-127"/>
+              </a:rPr>
+              <a:t>architecture as </a:t>
+            </a:r>
+            <a:r>
+              <a:rPr lang="en-US" altLang="ko-KR" dirty="0" smtClean="0">
+                <a:ea typeface="굴림" charset="-127"/>
+              </a:rPr>
+              <a:t>we did with </a:t>
+            </a:r>
+            <a:r>
+              <a:rPr lang="en-US" altLang="ko-KR" dirty="0" smtClean="0">
+                <a:ea typeface="굴림" charset="-127"/>
+              </a:rPr>
+              <a:t>the overall model </a:t>
+            </a:r>
+            <a:r>
+              <a:rPr lang="en-US" altLang="ko-KR" dirty="0" smtClean="0">
+                <a:ea typeface="굴림" charset="-127"/>
+              </a:rPr>
+              <a:t>using representations</a:t>
+            </a:r>
+            <a:endParaRPr lang="en-US" altLang="ko-KR" dirty="0" smtClean="0">
+              <a:ea typeface="굴림" charset="-127"/>
+            </a:endParaRPr>
+          </a:p>
+          <a:p>
+            <a:pPr eaLnBrk="1" hangingPunct="1">
+              <a:buFont typeface="Wingdings" charset="2"/>
+              <a:buChar char="q"/>
+            </a:pPr>
+            <a:endParaRPr lang="en-US" altLang="ko-KR" dirty="0" smtClean="0">
+              <a:ea typeface="굴림" charset="-127"/>
+            </a:endParaRPr>
+          </a:p>
+          <a:p>
+            <a:pPr eaLnBrk="1" hangingPunct="1">
+              <a:buFont typeface="Wingdings" charset="2"/>
+              <a:buChar char="q"/>
+            </a:pPr>
+            <a:r>
+              <a:rPr lang="en-US" altLang="ko-KR" dirty="0" smtClean="0">
+                <a:ea typeface="굴림" charset="-127"/>
+              </a:rPr>
+              <a:t>Availability and </a:t>
+            </a:r>
+            <a:r>
+              <a:rPr lang="en-US" altLang="ko-KR" dirty="0" err="1" smtClean="0">
+                <a:ea typeface="굴림" charset="-127"/>
+              </a:rPr>
+              <a:t>reliabilty</a:t>
+            </a:r>
+            <a:r>
+              <a:rPr lang="en-US" altLang="ko-KR" dirty="0" smtClean="0">
+                <a:ea typeface="굴림" charset="-127"/>
+              </a:rPr>
+              <a:t> are </a:t>
+            </a:r>
+            <a:r>
+              <a:rPr lang="en-US" altLang="ko-KR" dirty="0" smtClean="0">
+                <a:ea typeface="굴림" charset="-127"/>
+              </a:rPr>
+              <a:t>reached thanks </a:t>
+            </a:r>
+            <a:r>
+              <a:rPr lang="en-US" altLang="ko-KR" dirty="0" smtClean="0">
+                <a:ea typeface="굴림" charset="-127"/>
+              </a:rPr>
+              <a:t>to the loosed-coupling components in publish/</a:t>
+            </a:r>
+            <a:r>
+              <a:rPr lang="en-US" altLang="ko-KR" dirty="0" err="1" smtClean="0">
+                <a:ea typeface="굴림" charset="-127"/>
+              </a:rPr>
+              <a:t>suscribe</a:t>
+            </a:r>
+            <a:r>
+              <a:rPr lang="en-US" altLang="ko-KR" dirty="0" smtClean="0">
+                <a:ea typeface="굴림" charset="-127"/>
+              </a:rPr>
+              <a:t> architectural style</a:t>
+            </a:r>
+          </a:p>
+          <a:p>
+            <a:endParaRPr lang="fr-FR" dirty="0"/>
+          </a:p>
+        </p:txBody>
+      </p:sp>
+    </p:spTree>
+  </p:cSld>
+  <p:clrMapOvr>
+    <a:masterClrMapping/>
+  </p:clrMapOvr>
+</p:sld>
+</file>
+
+<file path=ppt/slides/slide14.xml><?xml version="1.0" encoding="utf-8"?>
+<p:sld xmlns:a="http://schemas.openxmlformats.org/drawingml/2006/main" xmlns:r="http://schemas.openxmlformats.org/officeDocument/2006/relationships" xmlns:p="http://schemas.openxmlformats.org/presentationml/2006/main">
+  <p:cSld>
+    <p:spTree>
+      <p:nvGrpSpPr>
+        <p:cNvPr id="1" name=""/>
+        <p:cNvGrpSpPr/>
+        <p:nvPr/>
+      </p:nvGrpSpPr>
+      <p:grpSpPr>
+        <a:xfrm>
+          <a:off x="0" y="0"/>
+          <a:ext cx="0" cy="0"/>
+          <a:chOff x="0" y="0"/>
+          <a:chExt cx="0" cy="0"/>
+        </a:xfrm>
+      </p:grpSpPr>
+      <p:sp>
+        <p:nvSpPr>
+          <p:cNvPr id="2" name="Titre 1"/>
+          <p:cNvSpPr>
+            <a:spLocks noGrp="1"/>
+          </p:cNvSpPr>
+          <p:nvPr>
+            <p:ph type="ctrTitle"/>
+          </p:nvPr>
+        </p:nvSpPr>
+        <p:spPr/>
+        <p:txBody>
+          <a:bodyPr/>
+          <a:lstStyle/>
+          <a:p>
+            <a:r>
+              <a:rPr smtClean="0"/>
+              <a:t>strenghs</a:t>
+            </a:r>
+            <a:endParaRPr lang="fr-FR" dirty="0"/>
+          </a:p>
+        </p:txBody>
+      </p:sp>
+      <p:sp>
+        <p:nvSpPr>
+          <p:cNvPr id="3" name="Espace réservé du texte 2"/>
+          <p:cNvSpPr>
+            <a:spLocks noGrp="1"/>
+          </p:cNvSpPr>
+          <p:nvPr>
+            <p:ph type="body" sz="quarter" idx="10"/>
+          </p:nvPr>
+        </p:nvSpPr>
+        <p:spPr/>
+        <p:txBody>
+          <a:bodyPr/>
+          <a:lstStyle/>
+          <a:p>
+            <a:r>
+              <a:rPr lang="en-US" dirty="0" smtClean="0"/>
+              <a:t>Loosely coupled</a:t>
+            </a:r>
+          </a:p>
+          <a:p>
+            <a:pPr lvl="1"/>
+            <a:r>
+              <a:rPr lang="en-US" dirty="0" smtClean="0"/>
+              <a:t>Publishers and Subscribers need not know of each other’s existence</a:t>
+            </a:r>
+          </a:p>
+          <a:p>
+            <a:pPr lvl="1"/>
+            <a:r>
+              <a:rPr lang="en-US" dirty="0" smtClean="0"/>
+              <a:t>They can also ignore system topology</a:t>
+            </a:r>
+          </a:p>
+          <a:p>
+            <a:pPr lvl="1"/>
+            <a:r>
+              <a:rPr lang="en-US" dirty="0" smtClean="0"/>
+              <a:t>Decoupling doesn’t work only location wise, but also temporally</a:t>
+            </a:r>
+          </a:p>
+          <a:p>
+            <a:pPr lvl="2"/>
+            <a:r>
+              <a:rPr lang="en-US" dirty="0" smtClean="0"/>
+              <a:t>Taking publishers down allows subscriber work through backlog for example</a:t>
+            </a:r>
+          </a:p>
+          <a:p>
+            <a:endParaRPr lang="en-US" dirty="0" smtClean="0"/>
+          </a:p>
+          <a:p>
+            <a:r>
+              <a:rPr lang="en-US" dirty="0" smtClean="0"/>
+              <a:t>Scalable</a:t>
+            </a:r>
+            <a:endParaRPr lang="en-US" dirty="0" smtClean="0"/>
+          </a:p>
+          <a:p>
+            <a:pPr lvl="1"/>
+            <a:r>
+              <a:rPr lang="en-US" dirty="0" smtClean="0"/>
+              <a:t>Provides better scalability then client-server architecture in smaller installations</a:t>
+            </a:r>
+          </a:p>
+          <a:p>
+            <a:pPr lvl="2"/>
+            <a:r>
+              <a:rPr lang="en-US" dirty="0" smtClean="0"/>
+              <a:t>Parallel operation, message caching, tree-based or network-based routing</a:t>
+            </a:r>
+          </a:p>
+          <a:p>
+            <a:endParaRPr lang="fr-FR" dirty="0"/>
+          </a:p>
+        </p:txBody>
+      </p:sp>
+    </p:spTree>
+  </p:cSld>
+  <p:clrMapOvr>
+    <a:masterClrMapping/>
+  </p:clrMapOvr>
+</p:sld>
+</file>
+
+<file path=ppt/slides/slide15.xml><?xml version="1.0" encoding="utf-8"?>
+<p:sld xmlns:a="http://schemas.openxmlformats.org/drawingml/2006/main" xmlns:r="http://schemas.openxmlformats.org/officeDocument/2006/relationships" xmlns:p="http://schemas.openxmlformats.org/presentationml/2006/main">
+  <p:cSld>
+    <p:spTree>
+      <p:nvGrpSpPr>
+        <p:cNvPr id="1" name=""/>
+        <p:cNvGrpSpPr/>
+        <p:nvPr/>
+      </p:nvGrpSpPr>
+      <p:grpSpPr>
+        <a:xfrm>
+          <a:off x="0" y="0"/>
+          <a:ext cx="0" cy="0"/>
+          <a:chOff x="0" y="0"/>
+          <a:chExt cx="0" cy="0"/>
+        </a:xfrm>
+      </p:grpSpPr>
+      <p:sp>
+        <p:nvSpPr>
+          <p:cNvPr id="2" name="Titre 1"/>
+          <p:cNvSpPr>
+            <a:spLocks noGrp="1"/>
+          </p:cNvSpPr>
+          <p:nvPr>
+            <p:ph type="ctrTitle"/>
+          </p:nvPr>
+        </p:nvSpPr>
+        <p:spPr/>
+        <p:txBody>
+          <a:bodyPr/>
+          <a:lstStyle/>
+          <a:p>
+            <a:r>
+              <a:rPr smtClean="0"/>
+              <a:t>weaknesses</a:t>
+            </a:r>
+            <a:endParaRPr lang="fr-FR" dirty="0"/>
+          </a:p>
+        </p:txBody>
+      </p:sp>
+      <p:sp>
+        <p:nvSpPr>
+          <p:cNvPr id="3" name="Espace réservé du texte 2"/>
+          <p:cNvSpPr>
+            <a:spLocks noGrp="1"/>
+          </p:cNvSpPr>
+          <p:nvPr>
+            <p:ph type="body" sz="quarter" idx="10"/>
+          </p:nvPr>
+        </p:nvSpPr>
+        <p:spPr/>
+        <p:txBody>
+          <a:bodyPr/>
+          <a:lstStyle/>
+          <a:p>
+            <a:pPr lvl="0">
+              <a:buSzPct val="120000"/>
+              <a:buFont typeface="Arial"/>
+              <a:buChar char="•"/>
+            </a:pPr>
+            <a:r>
+              <a:rPr lang="en-US" dirty="0" smtClean="0">
+                <a:solidFill>
+                  <a:prstClr val="black"/>
+                </a:solidFill>
+              </a:rPr>
+              <a:t>Disadvantages also stem from decoupling of publishers from subscribers</a:t>
+            </a:r>
+          </a:p>
+          <a:p>
+            <a:pPr marL="633413" lvl="1" indent="354013">
+              <a:buSzPct val="120000"/>
+              <a:buFont typeface="Arial"/>
+              <a:buChar char="•"/>
+            </a:pPr>
+            <a:r>
+              <a:rPr lang="en-US" dirty="0" smtClean="0">
+                <a:solidFill>
+                  <a:prstClr val="black">
+                    <a:lumMod val="75000"/>
+                    <a:lumOff val="25000"/>
+                  </a:prstClr>
+                </a:solidFill>
+              </a:rPr>
+              <a:t>Stronger guarantees cannot be given that messages would always be delivered</a:t>
+            </a:r>
+          </a:p>
+          <a:p>
+            <a:pPr marL="633413" lvl="1" indent="354013">
+              <a:buSzPct val="120000"/>
+              <a:buFont typeface="Arial"/>
+              <a:buChar char="•"/>
+            </a:pPr>
+            <a:r>
+              <a:rPr lang="en-US" dirty="0" smtClean="0">
+                <a:solidFill>
+                  <a:prstClr val="black">
+                    <a:lumMod val="75000"/>
+                    <a:lumOff val="25000"/>
+                  </a:prstClr>
+                </a:solidFill>
+              </a:rPr>
+              <a:t>Another problem can arise if publishers assume that subscribers are listening. For example if error messages are logged by the subscriber and the subscriber crashes message from the publishers will be lost</a:t>
+            </a:r>
+          </a:p>
+          <a:p>
+            <a:pPr lvl="0">
+              <a:buSzPct val="120000"/>
+              <a:buFont typeface="Arial"/>
+              <a:buChar char="•"/>
+            </a:pPr>
+            <a:r>
+              <a:rPr lang="en-US" dirty="0" smtClean="0">
+                <a:solidFill>
+                  <a:prstClr val="black"/>
+                </a:solidFill>
+              </a:rPr>
+              <a:t>The technology scales poorly when systems become extensively large</a:t>
+            </a:r>
+          </a:p>
+          <a:p>
+            <a:pPr marL="633413" lvl="1" indent="354013">
+              <a:buSzPct val="120000"/>
+              <a:buFont typeface="Arial"/>
+              <a:buChar char="•"/>
+            </a:pPr>
+            <a:r>
+              <a:rPr lang="en-US" dirty="0" smtClean="0">
+                <a:solidFill>
+                  <a:prstClr val="black">
+                    <a:lumMod val="75000"/>
+                    <a:lumOff val="25000"/>
+                  </a:prstClr>
+                </a:solidFill>
+              </a:rPr>
+              <a:t>Could manifest in instabilities in throughput, or slowdowns</a:t>
+            </a:r>
+          </a:p>
+        </p:txBody>
+      </p:sp>
+    </p:spTree>
+  </p:cSld>
+  <p:clrMapOvr>
+    <a:masterClrMapping/>
+  </p:clrMapOvr>
+</p:sld>
+</file>
+
+<file path=ppt/slides/slide16.xml><?xml version="1.0" encoding="utf-8"?>
+<p:sld xmlns:a="http://schemas.openxmlformats.org/drawingml/2006/main" xmlns:r="http://schemas.openxmlformats.org/officeDocument/2006/relationships" xmlns:p="http://schemas.openxmlformats.org/presentationml/2006/main">
+  <p:cSld>
+    <p:spTree>
+      <p:nvGrpSpPr>
+        <p:cNvPr id="1" name=""/>
+        <p:cNvGrpSpPr/>
+        <p:nvPr/>
+      </p:nvGrpSpPr>
+      <p:grpSpPr>
+        <a:xfrm>
+          <a:off x="0" y="0"/>
+          <a:ext cx="0" cy="0"/>
+          <a:chOff x="0" y="0"/>
+          <a:chExt cx="0" cy="0"/>
+        </a:xfrm>
+      </p:grpSpPr>
+      <p:sp>
+        <p:nvSpPr>
+          <p:cNvPr id="2" name="Titre 1"/>
+          <p:cNvSpPr>
+            <a:spLocks noGrp="1"/>
+          </p:cNvSpPr>
+          <p:nvPr>
+            <p:ph type="ctrTitle"/>
+          </p:nvPr>
+        </p:nvSpPr>
+        <p:spPr/>
+        <p:txBody>
+          <a:bodyPr/>
+          <a:lstStyle/>
+          <a:p>
+            <a:endParaRPr lang="fr-FR"/>
+          </a:p>
+        </p:txBody>
+      </p:sp>
+      <p:sp>
+        <p:nvSpPr>
+          <p:cNvPr id="3" name="Espace réservé du texte 2"/>
+          <p:cNvSpPr>
+            <a:spLocks noGrp="1"/>
+          </p:cNvSpPr>
+          <p:nvPr>
+            <p:ph type="body" sz="quarter" idx="10"/>
+          </p:nvPr>
+        </p:nvSpPr>
+        <p:spPr/>
+        <p:txBody>
+          <a:bodyPr/>
+          <a:lstStyle/>
+          <a:p>
+            <a:pPr lvl="0">
+              <a:buSzPct val="120000"/>
+              <a:buFont typeface="Arial"/>
+              <a:buChar char="•"/>
+            </a:pPr>
+            <a:r>
+              <a:rPr lang="en-US" dirty="0" smtClean="0">
+                <a:solidFill>
+                  <a:prstClr val="black"/>
+                </a:solidFill>
+              </a:rPr>
+              <a:t>In-band message broadcasting can lead to security problems</a:t>
+            </a:r>
+          </a:p>
+          <a:p>
+            <a:pPr marL="633413" lvl="1" indent="354013">
+              <a:buSzPct val="120000"/>
+              <a:buFont typeface="Arial"/>
+              <a:buChar char="•"/>
+            </a:pPr>
+            <a:r>
+              <a:rPr lang="en-US" dirty="0" smtClean="0">
+                <a:solidFill>
+                  <a:prstClr val="black">
+                    <a:lumMod val="75000"/>
+                    <a:lumOff val="25000"/>
+                  </a:prstClr>
+                </a:solidFill>
+              </a:rPr>
+              <a:t>Brokers might be fooled into sending notifications to the wrong client leading to potential </a:t>
+            </a:r>
+            <a:r>
+              <a:rPr lang="en-US" dirty="0" err="1" smtClean="0">
+                <a:solidFill>
+                  <a:prstClr val="black">
+                    <a:lumMod val="75000"/>
+                    <a:lumOff val="25000"/>
+                  </a:prstClr>
+                </a:solidFill>
+              </a:rPr>
+              <a:t>DoS</a:t>
+            </a:r>
+            <a:r>
+              <a:rPr lang="en-US" dirty="0" smtClean="0">
+                <a:solidFill>
+                  <a:prstClr val="black">
+                    <a:lumMod val="75000"/>
+                    <a:lumOff val="25000"/>
+                  </a:prstClr>
+                </a:solidFill>
+              </a:rPr>
+              <a:t> attacks</a:t>
+            </a:r>
+          </a:p>
+          <a:p>
+            <a:pPr marL="633413" lvl="1" indent="354013">
+              <a:buSzPct val="120000"/>
+              <a:buFont typeface="Arial"/>
+              <a:buChar char="•"/>
+            </a:pPr>
+            <a:r>
+              <a:rPr lang="en-US" dirty="0" smtClean="0">
+                <a:solidFill>
+                  <a:prstClr val="black">
+                    <a:lumMod val="75000"/>
+                    <a:lumOff val="25000"/>
+                  </a:prstClr>
+                </a:solidFill>
+              </a:rPr>
+              <a:t>Brokers could be overloaded as well</a:t>
+            </a:r>
+          </a:p>
+          <a:p>
+            <a:pPr marL="633413" lvl="1" indent="354013">
+              <a:buSzPct val="120000"/>
+              <a:buFont typeface="Arial"/>
+              <a:buChar char="•"/>
+            </a:pPr>
+            <a:r>
+              <a:rPr lang="en-US" dirty="0" smtClean="0">
+                <a:solidFill>
+                  <a:prstClr val="black">
+                    <a:lumMod val="75000"/>
+                    <a:lumOff val="25000"/>
+                  </a:prstClr>
+                </a:solidFill>
+              </a:rPr>
+              <a:t>Subscriber might be able to receive data that is </a:t>
+            </a:r>
+            <a:r>
+              <a:rPr lang="en-US" dirty="0" err="1" smtClean="0">
+                <a:solidFill>
+                  <a:prstClr val="black">
+                    <a:lumMod val="75000"/>
+                    <a:lumOff val="25000"/>
+                  </a:prstClr>
+                </a:solidFill>
+              </a:rPr>
+              <a:t>is</a:t>
+            </a:r>
+            <a:r>
+              <a:rPr lang="en-US" dirty="0" smtClean="0">
+                <a:solidFill>
+                  <a:prstClr val="black">
+                    <a:lumMod val="75000"/>
+                    <a:lumOff val="25000"/>
+                  </a:prstClr>
+                </a:solidFill>
+              </a:rPr>
+              <a:t> not authorized to receive.</a:t>
+            </a:r>
+          </a:p>
+          <a:p>
+            <a:pPr marL="633413" lvl="1" indent="354013">
+              <a:buSzPct val="120000"/>
+              <a:buFont typeface="Arial"/>
+              <a:buChar char="•"/>
+            </a:pPr>
+            <a:r>
+              <a:rPr lang="en-US" dirty="0" smtClean="0">
+                <a:solidFill>
+                  <a:prstClr val="black">
+                    <a:lumMod val="75000"/>
+                    <a:lumOff val="25000"/>
+                  </a:prstClr>
+                </a:solidFill>
+              </a:rPr>
+              <a:t>An unauthorized publisher may be able to introduce incorrect or damaging messages into the system</a:t>
+            </a:r>
+            <a:endParaRPr smtClean="0"/>
+          </a:p>
+          <a:p>
+            <a:endParaRPr lang="fr-FR" dirty="0"/>
+          </a:p>
+        </p:txBody>
+      </p:sp>
+    </p:spTree>
+  </p:cSld>
+  <p:clrMapOvr>
+    <a:masterClrMapping/>
+  </p:clrMapOvr>
+</p:sld>
+</file>
+
+<file path=ppt/slides/slide17.xml><?xml version="1.0" encoding="utf-8"?>
+<p:sld xmlns:a="http://schemas.openxmlformats.org/drawingml/2006/main" xmlns:r="http://schemas.openxmlformats.org/officeDocument/2006/relationships" xmlns:p="http://schemas.openxmlformats.org/presentationml/2006/main">
+  <p:cSld>
+    <p:spTree>
+      <p:nvGrpSpPr>
+        <p:cNvPr id="1" name=""/>
+        <p:cNvGrpSpPr/>
+        <p:nvPr/>
+      </p:nvGrpSpPr>
+      <p:grpSpPr>
+        <a:xfrm>
+          <a:off x="0" y="0"/>
+          <a:ext cx="0" cy="0"/>
+          <a:chOff x="0" y="0"/>
+          <a:chExt cx="0" cy="0"/>
+        </a:xfrm>
+      </p:grpSpPr>
+      <p:sp>
+        <p:nvSpPr>
+          <p:cNvPr id="4" name="Titre 3"/>
+          <p:cNvSpPr>
+            <a:spLocks noGrp="1"/>
+          </p:cNvSpPr>
+          <p:nvPr>
+            <p:ph type="ctrTitle"/>
+          </p:nvPr>
+        </p:nvSpPr>
+        <p:spPr/>
+        <p:txBody>
+          <a:bodyPr/>
+          <a:lstStyle/>
+          <a:p>
+            <a:r>
+              <a:rPr lang="fr-FR" dirty="0" err="1" smtClean="0"/>
+              <a:t>Critical</a:t>
+            </a:r>
+            <a:r>
+              <a:rPr lang="fr-FR" dirty="0" smtClean="0"/>
+              <a:t> architectural </a:t>
+            </a:r>
+            <a:r>
+              <a:rPr lang="fr-FR" dirty="0" err="1" smtClean="0"/>
+              <a:t>decisions</a:t>
+            </a:r>
+            <a:endParaRPr lang="fr-FR" dirty="0"/>
+          </a:p>
+        </p:txBody>
+      </p:sp>
+      <p:sp>
+        <p:nvSpPr>
+          <p:cNvPr id="5" name="Espace réservé du texte 4"/>
+          <p:cNvSpPr>
+            <a:spLocks noGrp="1"/>
+          </p:cNvSpPr>
+          <p:nvPr>
+            <p:ph type="body" sz="quarter" idx="10"/>
+          </p:nvPr>
+        </p:nvSpPr>
+        <p:spPr>
+          <a:xfrm>
+            <a:off x="285750" y="1071546"/>
+            <a:ext cx="8858250" cy="5500704"/>
+          </a:xfrm>
+        </p:spPr>
+        <p:txBody>
+          <a:bodyPr/>
+          <a:lstStyle/>
+          <a:p>
+            <a:r>
+              <a:rPr lang="en-US" sz="2600" dirty="0" smtClean="0"/>
+              <a:t>Architectural approach</a:t>
+            </a:r>
+          </a:p>
+          <a:p>
+            <a:pPr lvl="1"/>
+            <a:r>
+              <a:rPr lang="en-US" sz="2200" dirty="0" smtClean="0"/>
+              <a:t>Enables </a:t>
+            </a:r>
+            <a:r>
+              <a:rPr lang="en-US" sz="2200" dirty="0" smtClean="0"/>
+              <a:t>asynchronous processing</a:t>
+            </a:r>
+          </a:p>
+          <a:p>
+            <a:pPr lvl="1"/>
+            <a:r>
+              <a:rPr lang="en-US" sz="2200" dirty="0" smtClean="0"/>
+              <a:t>High potential for resilience in case of failure</a:t>
+            </a:r>
+          </a:p>
+          <a:p>
+            <a:pPr lvl="1"/>
+            <a:r>
+              <a:rPr lang="en-US" sz="2200" dirty="0" smtClean="0"/>
+              <a:t>Load can be balanced efficiently between </a:t>
+            </a:r>
+            <a:r>
+              <a:rPr lang="en-US" sz="2200" dirty="0" smtClean="0"/>
+              <a:t>systems</a:t>
+            </a:r>
+          </a:p>
+          <a:p>
+            <a:pPr lvl="1"/>
+            <a:endParaRPr lang="en-US" sz="2200" dirty="0" smtClean="0"/>
+          </a:p>
+          <a:p>
+            <a:r>
+              <a:rPr lang="en-US" sz="2600" dirty="0" smtClean="0"/>
+              <a:t>Utility tree</a:t>
+            </a:r>
+          </a:p>
+          <a:p>
+            <a:pPr lvl="1"/>
+            <a:r>
+              <a:rPr lang="en-US" sz="2200" dirty="0" smtClean="0"/>
+              <a:t>Availability</a:t>
+            </a:r>
+          </a:p>
+          <a:p>
+            <a:pPr lvl="1"/>
+            <a:r>
+              <a:rPr lang="en-US" sz="2200" dirty="0" smtClean="0"/>
+              <a:t>Recoverability</a:t>
+            </a:r>
+          </a:p>
+          <a:p>
+            <a:pPr lvl="1"/>
+            <a:r>
+              <a:rPr lang="en-US" sz="2200" dirty="0" smtClean="0"/>
+              <a:t>Latency</a:t>
+            </a:r>
+          </a:p>
+          <a:p>
+            <a:pPr lvl="1"/>
+            <a:endParaRPr lang="en-US" sz="2200" dirty="0" smtClean="0"/>
+          </a:p>
+          <a:p>
+            <a:r>
+              <a:rPr lang="en-US" sz="2600" dirty="0" smtClean="0"/>
+              <a:t>Scenarios</a:t>
+            </a:r>
+          </a:p>
+          <a:p>
+            <a:pPr lvl="1"/>
+            <a:r>
+              <a:rPr lang="en-US" sz="2200" dirty="0" smtClean="0"/>
+              <a:t>Use case scenarios: </a:t>
+            </a:r>
+            <a:r>
+              <a:rPr lang="en-US" sz="1800" dirty="0" smtClean="0"/>
+              <a:t>user action should be done at any moment</a:t>
+            </a:r>
+            <a:endParaRPr lang="en-US" sz="2200" dirty="0" smtClean="0"/>
+          </a:p>
+          <a:p>
+            <a:pPr lvl="1"/>
+            <a:r>
+              <a:rPr lang="en-US" sz="2200" dirty="0" smtClean="0"/>
+              <a:t>Exploratory scenario: </a:t>
+            </a:r>
+            <a:r>
+              <a:rPr lang="en-US" sz="1800" dirty="0" smtClean="0"/>
+              <a:t>if a FDIR sub-system is crashing, FDIR should still work</a:t>
+            </a:r>
+            <a:endParaRPr lang="en-US" sz="2200" dirty="0" smtClean="0"/>
+          </a:p>
+          <a:p>
+            <a:pPr lvl="1"/>
+            <a:endParaRPr lang="en-US" sz="2200" dirty="0" smtClean="0"/>
+          </a:p>
+          <a:p>
+            <a:pPr lvl="1"/>
+            <a:endParaRPr lang="en-US" sz="2200" dirty="0" smtClean="0"/>
+          </a:p>
+          <a:p>
+            <a:endParaRPr smtClean="0"/>
+          </a:p>
+        </p:txBody>
+      </p:sp>
+    </p:spTree>
+  </p:cSld>
+  <p:clrMapOvr>
+    <a:masterClrMapping/>
+  </p:clrMapOvr>
+  <p:timing>
+    <p:tnLst>
+      <p:par>
+        <p:cTn id="1" dur="indefinite" restart="never" nodeType="tmRoot"/>
+      </p:par>
+    </p:tnLst>
+  </p:timing>
+</p:sld>
+</file>
+
+<file path=ppt/slides/slide18.xml><?xml version="1.0" encoding="utf-8"?>
+<p:sld xmlns:a="http://schemas.openxmlformats.org/drawingml/2006/main" xmlns:r="http://schemas.openxmlformats.org/officeDocument/2006/relationships" xmlns:p="http://schemas.openxmlformats.org/presentationml/2006/main">
+  <p:cSld>
+    <p:spTree>
+      <p:nvGrpSpPr>
+        <p:cNvPr id="1" name=""/>
+        <p:cNvGrpSpPr/>
+        <p:nvPr/>
+      </p:nvGrpSpPr>
+      <p:grpSpPr>
+        <a:xfrm>
+          <a:off x="0" y="0"/>
+          <a:ext cx="0" cy="0"/>
+          <a:chOff x="0" y="0"/>
+          <a:chExt cx="0" cy="0"/>
+        </a:xfrm>
+      </p:grpSpPr>
+      <p:sp>
+        <p:nvSpPr>
+          <p:cNvPr id="2" name="Titre 1"/>
+          <p:cNvSpPr>
+            <a:spLocks noGrp="1"/>
+          </p:cNvSpPr>
+          <p:nvPr>
+            <p:ph type="ctrTitle"/>
+          </p:nvPr>
+        </p:nvSpPr>
+        <p:spPr/>
+        <p:txBody>
+          <a:bodyPr/>
+          <a:lstStyle/>
+          <a:p>
+            <a:r>
+              <a:rPr lang="fr-FR" dirty="0" smtClean="0"/>
+              <a:t>R</a:t>
+            </a:r>
+            <a:r>
+              <a:rPr smtClean="0"/>
+              <a:t>emaining work</a:t>
+            </a:r>
+            <a:endParaRPr lang="fr-FR" dirty="0"/>
+          </a:p>
+        </p:txBody>
+      </p:sp>
+      <p:sp>
+        <p:nvSpPr>
+          <p:cNvPr id="3" name="Espace réservé du texte 2"/>
+          <p:cNvSpPr>
+            <a:spLocks noGrp="1"/>
+          </p:cNvSpPr>
+          <p:nvPr>
+            <p:ph type="body" sz="quarter" idx="10"/>
+          </p:nvPr>
+        </p:nvSpPr>
+        <p:spPr/>
+        <p:txBody>
+          <a:bodyPr/>
+          <a:lstStyle/>
+          <a:p>
+            <a:r>
+              <a:rPr lang="en-US" dirty="0" smtClean="0"/>
+              <a:t>ATAM process assembling (combine step 1 to 9)</a:t>
+            </a:r>
+          </a:p>
+          <a:p>
+            <a:endParaRPr lang="en-US" dirty="0" smtClean="0"/>
+          </a:p>
+          <a:p>
+            <a:r>
+              <a:rPr lang="en-US" dirty="0" smtClean="0"/>
+              <a:t>Discussions</a:t>
+            </a:r>
+          </a:p>
+          <a:p>
+            <a:pPr lvl="1"/>
+            <a:r>
+              <a:rPr lang="en-US" dirty="0" smtClean="0"/>
+              <a:t>Risks</a:t>
+            </a:r>
+          </a:p>
+          <a:p>
+            <a:pPr lvl="1"/>
+            <a:r>
+              <a:rPr lang="en-US" dirty="0" smtClean="0"/>
+              <a:t>Non-risks</a:t>
+            </a:r>
+          </a:p>
+          <a:p>
+            <a:pPr lvl="1"/>
+            <a:r>
+              <a:rPr lang="en-US" dirty="0" smtClean="0"/>
+              <a:t>Sensitivity point</a:t>
+            </a:r>
+          </a:p>
+          <a:p>
+            <a:pPr lvl="1"/>
+            <a:r>
+              <a:rPr lang="en-US" dirty="0" smtClean="0"/>
+              <a:t>Tradeoff point</a:t>
+            </a:r>
+          </a:p>
+          <a:p>
+            <a:pPr lvl="1"/>
+            <a:endParaRPr lang="en-US" dirty="0" smtClean="0"/>
+          </a:p>
+          <a:p>
+            <a:r>
+              <a:rPr lang="en-US" dirty="0" smtClean="0"/>
+              <a:t>Key architectural decisions</a:t>
+            </a:r>
+          </a:p>
+          <a:p>
+            <a:pPr lvl="1"/>
+            <a:r>
+              <a:rPr lang="en-US" dirty="0" smtClean="0"/>
+              <a:t>Listing</a:t>
+            </a:r>
+          </a:p>
+          <a:p>
+            <a:pPr lvl="1"/>
+            <a:r>
+              <a:rPr lang="en-US" dirty="0" smtClean="0"/>
+              <a:t>Evaluate a set of possible alternatives</a:t>
+            </a:r>
+          </a:p>
+          <a:p>
+            <a:pPr lvl="1"/>
+            <a:endParaRPr lang="en-US" dirty="0" smtClean="0"/>
+          </a:p>
+          <a:p>
+            <a:r>
+              <a:rPr lang="en-US" dirty="0" smtClean="0"/>
+              <a:t>Architectural design results and conclusions</a:t>
+            </a:r>
+          </a:p>
+          <a:p>
+            <a:pPr lvl="1"/>
+            <a:endParaRPr lang="en-US" dirty="0" smtClean="0"/>
+          </a:p>
+          <a:p>
+            <a:endParaRPr lang="fr-FR" dirty="0"/>
+          </a:p>
+        </p:txBody>
+      </p:sp>
+    </p:spTree>
+  </p:cSld>
+  <p:clrMapOvr>
+    <a:masterClrMapping/>
+  </p:clrMapOvr>
+  <p:timing>
+    <p:tnLst>
+      <p:par>
+        <p:cTn id="1" dur="indefinite" restart="never" nodeType="tmRoot"/>
+      </p:par>
+    </p:tnLst>
+  </p:timing>
+</p:sld>
+</file>
+
+<file path=ppt/slides/slide19.xml><?xml version="1.0" encoding="utf-8"?>
+<p:sld xmlns:a="http://schemas.openxmlformats.org/drawingml/2006/main" xmlns:r="http://schemas.openxmlformats.org/officeDocument/2006/relationships" xmlns:p="http://schemas.openxmlformats.org/presentationml/2006/main">
+  <p:cSld>
+    <p:spTree>
+      <p:nvGrpSpPr>
+        <p:cNvPr id="1" name=""/>
+        <p:cNvGrpSpPr/>
+        <p:nvPr/>
+      </p:nvGrpSpPr>
+      <p:grpSpPr>
+        <a:xfrm>
+          <a:off x="0" y="0"/>
+          <a:ext cx="0" cy="0"/>
+          <a:chOff x="0" y="0"/>
+          <a:chExt cx="0" cy="0"/>
+        </a:xfrm>
+      </p:grpSpPr>
+      <p:sp>
+        <p:nvSpPr>
+          <p:cNvPr id="2" name="Titre 1"/>
+          <p:cNvSpPr>
+            <a:spLocks noGrp="1"/>
+          </p:cNvSpPr>
+          <p:nvPr>
+            <p:ph type="ctrTitle"/>
+          </p:nvPr>
+        </p:nvSpPr>
+        <p:spPr>
+          <a:xfrm>
+            <a:off x="300038" y="466708"/>
+            <a:ext cx="8629680" cy="819152"/>
+          </a:xfrm>
+        </p:spPr>
+        <p:txBody>
+          <a:bodyPr/>
+          <a:lstStyle/>
+          <a:p>
+            <a:pPr>
+              <a:defRPr/>
+            </a:pPr>
+            <a:r>
+              <a:rPr lang="en-US" dirty="0" smtClean="0"/>
+              <a:t>references</a:t>
+            </a:r>
+            <a:endParaRPr lang="en-US" dirty="0"/>
+          </a:p>
+        </p:txBody>
+      </p:sp>
+      <p:sp>
+        <p:nvSpPr>
+          <p:cNvPr id="15363" name="Espace réservé du texte 2"/>
+          <p:cNvSpPr>
+            <a:spLocks noGrp="1"/>
+          </p:cNvSpPr>
+          <p:nvPr>
+            <p:ph type="body" sz="quarter" idx="10"/>
+          </p:nvPr>
+        </p:nvSpPr>
+        <p:spPr bwMode="auto">
+          <a:xfrm>
+            <a:off x="285750" y="1857375"/>
+            <a:ext cx="8501063" cy="4714875"/>
+          </a:xfrm>
+          <a:noFill/>
+          <a:ln>
+            <a:miter lim="800000"/>
+            <a:headEnd/>
+            <a:tailEnd/>
+          </a:ln>
+        </p:spPr>
+        <p:txBody>
+          <a:bodyPr vert="horz" wrap="square" lIns="91440" tIns="45720" rIns="91440" bIns="45720" numCol="1" anchor="t" anchorCtr="0" compatLnSpc="1">
+            <a:prstTxWarp prst="textNoShape">
+              <a:avLst/>
+            </a:prstTxWarp>
+          </a:bodyPr>
+          <a:lstStyle/>
+          <a:p>
+            <a:pPr lvl="0"/>
+            <a:r>
+              <a:rPr lang="en-US" sz="1600" dirty="0" smtClean="0"/>
+              <a:t>[BCK98] L</a:t>
+            </a:r>
+            <a:r>
+              <a:rPr lang="en-US" sz="1600" b="1" dirty="0" smtClean="0"/>
+              <a:t>. Bass, P. Clements, R. </a:t>
+            </a:r>
+            <a:r>
+              <a:rPr lang="en-US" sz="1600" b="1" dirty="0" err="1" smtClean="0"/>
+              <a:t>Kazman</a:t>
+            </a:r>
+            <a:r>
+              <a:rPr lang="en-US" sz="1600" dirty="0" smtClean="0"/>
+              <a:t>, </a:t>
+            </a:r>
+            <a:r>
+              <a:rPr lang="en-US" sz="1600" i="1" dirty="0" smtClean="0"/>
+              <a:t>Software Architecture in Practice (2nd ed.)</a:t>
+            </a:r>
+            <a:r>
+              <a:rPr lang="en-US" sz="1600" dirty="0" smtClean="0"/>
+              <a:t>, Addison-Wesley, 2003. </a:t>
+            </a:r>
+            <a:endParaRPr lang="en-US" sz="1600" dirty="0" smtClean="0"/>
+          </a:p>
+          <a:p>
+            <a:pPr lvl="0"/>
+            <a:endParaRPr sz="1600" smtClean="0"/>
+          </a:p>
+          <a:p>
+            <a:pPr lvl="0"/>
+            <a:r>
+              <a:rPr lang="en-US" sz="1600" dirty="0" smtClean="0"/>
+              <a:t>[Eas98] </a:t>
+            </a:r>
+            <a:r>
+              <a:rPr lang="en-US" sz="1600" b="1" dirty="0" smtClean="0"/>
+              <a:t>Steve Easterbrook, and et al</a:t>
+            </a:r>
+            <a:r>
+              <a:rPr lang="en-US" sz="1600" dirty="0" smtClean="0"/>
+              <a:t>., “Experiences Using Lightweight Formal Methods for Requirements Modeling,” </a:t>
+            </a:r>
+            <a:r>
+              <a:rPr lang="en-US" sz="1600" i="1" dirty="0" smtClean="0"/>
+              <a:t>IEEE Transactions on Software Engineering, Vol. 24, No. 1</a:t>
+            </a:r>
+            <a:r>
+              <a:rPr lang="en-US" sz="1600" dirty="0" smtClean="0"/>
+              <a:t>, January 1998. </a:t>
+            </a:r>
+            <a:endParaRPr lang="en-US" sz="1600" dirty="0" smtClean="0"/>
+          </a:p>
+          <a:p>
+            <a:pPr lvl="0"/>
+            <a:endParaRPr sz="1600" smtClean="0"/>
+          </a:p>
+          <a:p>
+            <a:pPr lvl="0"/>
+            <a:r>
+              <a:rPr lang="en-US" sz="1600" dirty="0" smtClean="0"/>
+              <a:t>[KKC00] </a:t>
+            </a:r>
+            <a:r>
+              <a:rPr lang="en-US" sz="1600" b="1" dirty="0" smtClean="0"/>
+              <a:t>R. </a:t>
+            </a:r>
+            <a:r>
+              <a:rPr lang="en-US" sz="1600" b="1" dirty="0" err="1" smtClean="0"/>
+              <a:t>Kazman</a:t>
+            </a:r>
+            <a:r>
+              <a:rPr lang="en-US" sz="1600" b="1" dirty="0" smtClean="0"/>
+              <a:t>, M. Klein, P. Clements</a:t>
+            </a:r>
+            <a:r>
+              <a:rPr lang="en-US" sz="1600" dirty="0" smtClean="0"/>
+              <a:t>, </a:t>
+            </a:r>
+            <a:r>
+              <a:rPr lang="en-US" sz="1600" i="1" dirty="0" smtClean="0"/>
+              <a:t>ATAM: A Method for Architecture Evaluation</a:t>
+            </a:r>
+            <a:r>
+              <a:rPr lang="en-US" sz="1600" dirty="0" smtClean="0"/>
+              <a:t>, CMU/SEI-2000-TR-004, Software Engineering Institute, Carnegie Mellon University, 2000. </a:t>
+            </a:r>
+            <a:endParaRPr lang="en-US" sz="1600" dirty="0" smtClean="0"/>
+          </a:p>
+          <a:p>
+            <a:pPr lvl="0"/>
+            <a:endParaRPr sz="1600" smtClean="0"/>
+          </a:p>
+          <a:p>
+            <a:pPr lvl="0"/>
+            <a:r>
+              <a:rPr lang="en-US" sz="1600" dirty="0" smtClean="0"/>
+              <a:t>[SG96] </a:t>
+            </a:r>
+            <a:r>
+              <a:rPr lang="en-US" sz="1600" b="1" dirty="0" smtClean="0"/>
+              <a:t>M. Shaw and D. </a:t>
+            </a:r>
+            <a:r>
+              <a:rPr lang="en-US" sz="1600" b="1" dirty="0" err="1" smtClean="0"/>
+              <a:t>Garlan</a:t>
+            </a:r>
+            <a:r>
+              <a:rPr lang="en-US" sz="1600" dirty="0" smtClean="0"/>
+              <a:t>, </a:t>
+            </a:r>
+            <a:r>
+              <a:rPr lang="en-US" sz="1600" i="1" dirty="0" smtClean="0"/>
+              <a:t>Software Architectures – Perspectives on an Emerging Discipline</a:t>
+            </a:r>
+            <a:r>
+              <a:rPr lang="en-US" sz="1600" dirty="0" smtClean="0"/>
+              <a:t>, Prentice Hall, 1996</a:t>
+            </a:r>
+            <a:r>
+              <a:rPr lang="en-US" sz="1600" dirty="0" smtClean="0"/>
+              <a:t>.</a:t>
+            </a:r>
+          </a:p>
+          <a:p>
+            <a:pPr lvl="0"/>
+            <a:endParaRPr sz="1600" smtClean="0"/>
+          </a:p>
+          <a:p>
+            <a:pPr lvl="0"/>
+            <a:r>
+              <a:rPr lang="en-US" sz="1600" b="1" dirty="0" smtClean="0"/>
+              <a:t>P. T. </a:t>
+            </a:r>
+            <a:r>
+              <a:rPr lang="en-US" sz="1600" b="1" dirty="0" err="1" smtClean="0"/>
+              <a:t>Eugster</a:t>
+            </a:r>
+            <a:r>
+              <a:rPr lang="en-US" sz="1600" b="1" dirty="0" smtClean="0"/>
+              <a:t>, P. A. </a:t>
+            </a:r>
+            <a:r>
+              <a:rPr lang="en-US" sz="1600" b="1" dirty="0" err="1" smtClean="0"/>
+              <a:t>Felber</a:t>
+            </a:r>
+            <a:r>
+              <a:rPr lang="en-US" sz="1600" b="1" dirty="0" smtClean="0"/>
+              <a:t>, R. </a:t>
+            </a:r>
+            <a:r>
+              <a:rPr lang="en-US" sz="1600" b="1" dirty="0" err="1" smtClean="0"/>
+              <a:t>Guerraoui</a:t>
+            </a:r>
+            <a:r>
+              <a:rPr lang="en-US" sz="1600" b="1" dirty="0" smtClean="0"/>
+              <a:t> and A. M. </a:t>
+            </a:r>
+            <a:r>
+              <a:rPr lang="en-US" sz="1600" b="1" dirty="0" err="1" smtClean="0"/>
+              <a:t>Kermarrec</a:t>
+            </a:r>
+            <a:r>
+              <a:rPr lang="en-US" sz="1600" dirty="0" smtClean="0"/>
+              <a:t>, </a:t>
+            </a:r>
+            <a:r>
+              <a:rPr lang="en-US" sz="1600" i="1" dirty="0" smtClean="0"/>
+              <a:t>The Many Faces of Publish/Subscribe</a:t>
+            </a:r>
+            <a:r>
+              <a:rPr lang="en-US" sz="1600" dirty="0" smtClean="0"/>
+              <a:t>, in ACM Computing Surveys, vol. 35, no. 2, June 2003, pp. 114-131</a:t>
+            </a:r>
+            <a:endParaRPr sz="1600" smtClean="0"/>
+          </a:p>
+          <a:p>
+            <a:endParaRPr lang="en-US" altLang="ko-KR" sz="1600" i="1" dirty="0" smtClean="0">
+              <a:ea typeface="굴림" charset="-127"/>
+            </a:endParaRPr>
+          </a:p>
+        </p:txBody>
+      </p:sp>
+    </p:spTree>
+  </p:cSld>
+  <p:clrMapOvr>
+    <a:masterClrMapping/>
+  </p:clrMapOvr>
+  <p:timing>
+    <p:tnLst>
+      <p:par>
+        <p:cTn id="1" dur="indefinite" restart="never" nodeType="tmRoot"/>
+      </p:par>
+    </p:tnLst>
+  </p:timing>
+</p:sld>
+</file>
+
 <file path=ppt/slides/slide2.xml><?xml version="1.0" encoding="utf-8"?>
 <p:sld xmlns:a="http://schemas.openxmlformats.org/drawingml/2006/main" xmlns:r="http://schemas.openxmlformats.org/officeDocument/2006/relationships" xmlns:p="http://schemas.openxmlformats.org/presentationml/2006/main">
   <p:cSld>
@@ -7541,8 +9460,8 @@
         </p:nvSpPr>
         <p:spPr bwMode="auto">
           <a:xfrm>
-            <a:off x="285720" y="1643050"/>
-            <a:ext cx="8501063" cy="4500594"/>
+            <a:off x="285720" y="2214554"/>
+            <a:ext cx="8501063" cy="3929090"/>
           </a:xfrm>
           <a:noFill/>
           <a:ln>
@@ -7596,51 +9515,24 @@
               <a:buFont typeface="Calibri" pitchFamily="34" charset="0"/>
               <a:buAutoNum type="arabicPeriod"/>
             </a:pPr>
+            <a:endParaRPr altLang="ko-KR" smtClean="0">
+              <a:ea typeface="굴림" charset="-127"/>
+            </a:endParaRPr>
+          </a:p>
+          <a:p>
+            <a:pPr eaLnBrk="1" hangingPunct="1">
+              <a:buFont typeface="Calibri" pitchFamily="34" charset="0"/>
+              <a:buAutoNum type="arabicPeriod"/>
+            </a:pPr>
             <a:r>
               <a:rPr altLang="ko-KR" smtClean="0">
                 <a:ea typeface="굴림" charset="-127"/>
               </a:rPr>
-              <a:t>Utility tree &amp; prioritized scenarios</a:t>
-            </a:r>
-          </a:p>
-          <a:p>
-            <a:pPr lvl="1" eaLnBrk="1" hangingPunct="1">
-              <a:buFont typeface="Calibri" pitchFamily="34" charset="0"/>
-              <a:buAutoNum type="arabicPeriod"/>
-            </a:pPr>
-            <a:r>
-              <a:rPr altLang="ko-KR" smtClean="0">
-                <a:ea typeface="굴림" charset="-127"/>
-              </a:rPr>
-              <a:t>Architectural approach identification + global scheme</a:t>
-            </a:r>
-          </a:p>
-          <a:p>
-            <a:pPr lvl="1" eaLnBrk="1" hangingPunct="1">
-              <a:buFont typeface="Calibri" pitchFamily="34" charset="0"/>
-              <a:buAutoNum type="arabicPeriod"/>
-            </a:pPr>
-            <a:r>
-              <a:rPr altLang="ko-KR" smtClean="0">
-                <a:ea typeface="굴림" charset="-127"/>
-              </a:rPr>
-              <a:t>Architectural decisions (type and architecture)</a:t>
-            </a:r>
-          </a:p>
-          <a:p>
-            <a:pPr lvl="1" eaLnBrk="1" hangingPunct="1">
-              <a:buFont typeface="Calibri" pitchFamily="34" charset="0"/>
-              <a:buAutoNum type="arabicPeriod"/>
-            </a:pPr>
-            <a:r>
-              <a:rPr altLang="ko-KR" smtClean="0">
-                <a:ea typeface="굴림" charset="-127"/>
-              </a:rPr>
-              <a:t>Proposed FDIR architecture  throug ACMEStudio</a:t>
-            </a:r>
-          </a:p>
-          <a:p>
-            <a:pPr lvl="1" eaLnBrk="1" hangingPunct="1">
+              <a:t>Architectural analysis</a:t>
+            </a:r>
+          </a:p>
+          <a:p>
+            <a:pPr eaLnBrk="1" hangingPunct="1">
               <a:buFont typeface="Calibri" pitchFamily="34" charset="0"/>
               <a:buAutoNum type="arabicPeriod"/>
             </a:pPr>
@@ -7657,72 +9549,8 @@
               <a:rPr altLang="ko-KR" smtClean="0">
                 <a:ea typeface="굴림" charset="-127"/>
               </a:rPr>
-              <a:t>Architectural analysis</a:t>
-            </a:r>
-          </a:p>
-          <a:p>
-            <a:pPr lvl="1" eaLnBrk="1" hangingPunct="1">
-              <a:buFont typeface="Calibri" pitchFamily="34" charset="0"/>
-              <a:buAutoNum type="arabicPeriod"/>
-            </a:pPr>
-            <a:r>
-              <a:rPr altLang="ko-KR" smtClean="0">
-                <a:ea typeface="굴림" charset="-127"/>
-              </a:rPr>
-              <a:t>Strenghs &amp; weaknesses of our architecture (about advantages &amp; disadvantage of choosen family </a:t>
-            </a:r>
-            <a:r>
-              <a:rPr lang="fr-FR" altLang="ko-KR" dirty="0" smtClean="0">
-                <a:ea typeface="굴림" charset="-127"/>
-                <a:sym typeface="Wingdings" pitchFamily="2" charset="2"/>
-              </a:rPr>
-              <a:t> </a:t>
-            </a:r>
-            <a:r>
-              <a:rPr lang="fr-FR" altLang="ko-KR" dirty="0" err="1" smtClean="0">
-                <a:ea typeface="굴림" charset="-127"/>
-                <a:sym typeface="Wingdings" pitchFamily="2" charset="2"/>
-              </a:rPr>
-              <a:t>key</a:t>
-            </a:r>
-            <a:r>
-              <a:rPr lang="fr-FR" altLang="ko-KR" dirty="0" smtClean="0">
-                <a:ea typeface="굴림" charset="-127"/>
-                <a:sym typeface="Wingdings" pitchFamily="2" charset="2"/>
-              </a:rPr>
-              <a:t> </a:t>
-            </a:r>
-            <a:r>
-              <a:rPr lang="fr-FR" altLang="ko-KR" dirty="0" err="1" smtClean="0">
-                <a:ea typeface="굴림" charset="-127"/>
-                <a:sym typeface="Wingdings" pitchFamily="2" charset="2"/>
-              </a:rPr>
-              <a:t>decisions</a:t>
-            </a:r>
-            <a:r>
-              <a:rPr altLang="ko-KR" smtClean="0">
-                <a:ea typeface="굴림" charset="-127"/>
-              </a:rPr>
-              <a:t>)</a:t>
-            </a:r>
-          </a:p>
-          <a:p>
-            <a:pPr lvl="1" eaLnBrk="1" hangingPunct="1">
-              <a:buFont typeface="Calibri" pitchFamily="34" charset="0"/>
-              <a:buAutoNum type="arabicPeriod"/>
-            </a:pPr>
-            <a:r>
-              <a:rPr altLang="ko-KR" smtClean="0">
-                <a:ea typeface="굴림" charset="-127"/>
-              </a:rPr>
-              <a:t>Quality attributes goal (utility tree &amp; scenarios)</a:t>
-            </a:r>
-          </a:p>
-          <a:p>
-            <a:pPr lvl="1" eaLnBrk="1" hangingPunct="1">
-              <a:buFont typeface="Calibri" pitchFamily="34" charset="0"/>
-              <a:buAutoNum type="arabicPeriod"/>
-            </a:pPr>
+              <a:t>Remaining work</a:t>
+            </a:r>
             <a:endParaRPr altLang="ko-KR" smtClean="0">
               <a:ea typeface="굴림" charset="-127"/>
             </a:endParaRPr>
@@ -7805,7 +9633,7 @@
 </file>
 
 <file path=ppt/slides/slide3.xml><?xml version="1.0" encoding="utf-8"?>
-<p:sld xmlns:a="http://schemas.openxmlformats.org/drawingml/2006/main" xmlns:r="http://schemas.openxmlformats.org/officeDocument/2006/relationships" xmlns:p="http://schemas.openxmlformats.org/presentationml/2006/main">
+<p:sld xmlns:a="http://schemas.openxmlformats.org/drawingml/2006/main" xmlns:r="http://schemas.openxmlformats.org/officeDocument/2006/relationships" xmlns:p="http://schemas.openxmlformats.org/presentationml/2006/main" show="0">
   <p:cSld>
     <p:spTree>
       <p:nvGrpSpPr>
@@ -7831,30 +9659,33 @@
             <p:ph type="ctrTitle"/>
           </p:nvPr>
         </p:nvSpPr>
-        <p:spPr/>
+        <p:spPr>
+          <a:xfrm>
+            <a:off x="300038" y="466708"/>
+            <a:ext cx="8629680" cy="819152"/>
+          </a:xfrm>
+        </p:spPr>
         <p:txBody>
           <a:bodyPr/>
           <a:lstStyle/>
           <a:p>
-            <a:r>
-              <a:rPr lang="en-US" dirty="0" err="1" smtClean="0"/>
-              <a:t>Atam</a:t>
-            </a:r>
-            <a:r>
-              <a:rPr lang="en-US" dirty="0" smtClean="0"/>
-              <a:t> </a:t>
-            </a:r>
-            <a:r>
-              <a:rPr lang="en-US" dirty="0" smtClean="0"/>
-              <a:t>reminder</a:t>
-            </a:r>
-            <a:endParaRPr lang="en-US" dirty="0"/>
+            <a:pPr fontAlgn="auto">
+              <a:spcAft>
+                <a:spcPts val="0"/>
+              </a:spcAft>
+              <a:defRPr/>
+            </a:pPr>
+            <a:r>
+              <a:rPr dirty="0" smtClean="0"/>
+              <a:t>Table of Contents</a:t>
+            </a:r>
+            <a:endParaRPr dirty="0"/>
           </a:p>
         </p:txBody>
       </p:sp>
       <p:sp>
         <p:nvSpPr>
-          <p:cNvPr id="3" name="Espace réservé du texte 2"/>
+          <p:cNvPr id="6147" name="Espace réservé du texte 2"/>
           <p:cNvSpPr>
             <a:spLocks noGrp="1"/>
           </p:cNvSpPr>
@@ -7862,36 +9693,262 @@
             <p:ph type="body" sz="quarter" idx="10"/>
           </p:nvPr>
         </p:nvSpPr>
-        <p:spPr/>
+        <p:spPr bwMode="auto">
+          <a:xfrm>
+            <a:off x="285720" y="1643050"/>
+            <a:ext cx="8501063" cy="4500594"/>
+          </a:xfrm>
+          <a:noFill/>
+          <a:ln>
+            <a:miter lim="800000"/>
+            <a:headEnd/>
+            <a:tailEnd/>
+          </a:ln>
+        </p:spPr>
         <p:txBody>
-          <a:bodyPr/>
+          <a:bodyPr vert="horz" wrap="square" lIns="91440" tIns="45720" rIns="91440" bIns="45720" numCol="1" anchor="t" anchorCtr="0" compatLnSpc="1">
+            <a:prstTxWarp prst="textNoShape">
+              <a:avLst/>
+            </a:prstTxWarp>
+          </a:bodyPr>
           <a:lstStyle/>
           <a:p>
-            <a:endParaRPr smtClean="0"/>
+            <a:pPr eaLnBrk="1" hangingPunct="1">
+              <a:buFont typeface="Calibri" pitchFamily="34" charset="0"/>
+              <a:buAutoNum type="arabicPeriod"/>
+            </a:pPr>
+            <a:r>
+              <a:rPr altLang="ko-KR" smtClean="0">
+                <a:ea typeface="굴림" charset="-127"/>
+              </a:rPr>
+              <a:t>Background</a:t>
+            </a:r>
+          </a:p>
+          <a:p>
+            <a:pPr eaLnBrk="1" hangingPunct="1">
+              <a:buFont typeface="Calibri" pitchFamily="34" charset="0"/>
+              <a:buAutoNum type="arabicPeriod"/>
+            </a:pPr>
+            <a:endParaRPr altLang="ko-KR" smtClean="0">
+              <a:ea typeface="굴림" charset="-127"/>
+            </a:endParaRPr>
+          </a:p>
+          <a:p>
+            <a:pPr eaLnBrk="1" hangingPunct="1">
+              <a:buFont typeface="Calibri" pitchFamily="34" charset="0"/>
+              <a:buAutoNum type="arabicPeriod"/>
+            </a:pPr>
+            <a:r>
+              <a:rPr altLang="ko-KR" smtClean="0">
+                <a:ea typeface="굴림" charset="-127"/>
+              </a:rPr>
+              <a:t>Architectural design</a:t>
+            </a:r>
+          </a:p>
+          <a:p>
+            <a:pPr lvl="1" eaLnBrk="1" hangingPunct="1">
+              <a:buFont typeface="Calibri" pitchFamily="34" charset="0"/>
+              <a:buAutoNum type="arabicPeriod"/>
+            </a:pPr>
+            <a:r>
+              <a:rPr altLang="ko-KR" smtClean="0">
+                <a:ea typeface="굴림" charset="-127"/>
+              </a:rPr>
+              <a:t>Utility tree &amp; prioritized scenarios</a:t>
+            </a:r>
+          </a:p>
+          <a:p>
+            <a:pPr lvl="1" eaLnBrk="1" hangingPunct="1">
+              <a:buFont typeface="Calibri" pitchFamily="34" charset="0"/>
+              <a:buAutoNum type="arabicPeriod"/>
+            </a:pPr>
+            <a:r>
+              <a:rPr altLang="ko-KR" smtClean="0">
+                <a:ea typeface="굴림" charset="-127"/>
+              </a:rPr>
+              <a:t>Architectural approach identification + global scheme</a:t>
+            </a:r>
+          </a:p>
+          <a:p>
+            <a:pPr lvl="1" eaLnBrk="1" hangingPunct="1">
+              <a:buFont typeface="Calibri" pitchFamily="34" charset="0"/>
+              <a:buAutoNum type="arabicPeriod"/>
+            </a:pPr>
+            <a:r>
+              <a:rPr altLang="ko-KR" smtClean="0">
+                <a:ea typeface="굴림" charset="-127"/>
+              </a:rPr>
+              <a:t>Architectural decisions (type and architecture)</a:t>
+            </a:r>
+          </a:p>
+          <a:p>
+            <a:pPr lvl="1" eaLnBrk="1" hangingPunct="1">
+              <a:buFont typeface="Calibri" pitchFamily="34" charset="0"/>
+              <a:buAutoNum type="arabicPeriod"/>
+            </a:pPr>
+            <a:r>
+              <a:rPr altLang="ko-KR" smtClean="0">
+                <a:ea typeface="굴림" charset="-127"/>
+              </a:rPr>
+              <a:t>Proposed FDIR architecture  throug ACMEStudio</a:t>
+            </a:r>
+          </a:p>
+          <a:p>
+            <a:pPr lvl="1" eaLnBrk="1" hangingPunct="1">
+              <a:buFont typeface="Calibri" pitchFamily="34" charset="0"/>
+              <a:buAutoNum type="arabicPeriod"/>
+            </a:pPr>
+            <a:endParaRPr altLang="ko-KR" smtClean="0">
+              <a:ea typeface="굴림" charset="-127"/>
+            </a:endParaRPr>
+          </a:p>
+          <a:p>
+            <a:pPr eaLnBrk="1" hangingPunct="1">
+              <a:buFont typeface="Calibri" pitchFamily="34" charset="0"/>
+              <a:buAutoNum type="arabicPeriod"/>
+            </a:pPr>
+            <a:r>
+              <a:rPr altLang="ko-KR" smtClean="0">
+                <a:ea typeface="굴림" charset="-127"/>
+              </a:rPr>
+              <a:t>Architectural analysis</a:t>
+            </a:r>
+          </a:p>
+          <a:p>
+            <a:pPr lvl="1" eaLnBrk="1" hangingPunct="1">
+              <a:buFont typeface="Calibri" pitchFamily="34" charset="0"/>
+              <a:buAutoNum type="arabicPeriod"/>
+            </a:pPr>
+            <a:r>
+              <a:rPr altLang="ko-KR" smtClean="0">
+                <a:ea typeface="굴림" charset="-127"/>
+              </a:rPr>
+              <a:t>Strenghs &amp; weaknesses of our architecture (about advantages &amp; disadvantage of choosen family </a:t>
+            </a:r>
+            <a:r>
+              <a:rPr lang="fr-FR" altLang="ko-KR" dirty="0" smtClean="0">
+                <a:ea typeface="굴림" charset="-127"/>
+                <a:sym typeface="Wingdings" pitchFamily="2" charset="2"/>
+              </a:rPr>
+              <a:t> </a:t>
+            </a:r>
+            <a:r>
+              <a:rPr lang="fr-FR" altLang="ko-KR" dirty="0" err="1" smtClean="0">
+                <a:ea typeface="굴림" charset="-127"/>
+                <a:sym typeface="Wingdings" pitchFamily="2" charset="2"/>
+              </a:rPr>
+              <a:t>key</a:t>
+            </a:r>
+            <a:r>
+              <a:rPr lang="fr-FR" altLang="ko-KR" dirty="0" smtClean="0">
+                <a:ea typeface="굴림" charset="-127"/>
+                <a:sym typeface="Wingdings" pitchFamily="2" charset="2"/>
+              </a:rPr>
+              <a:t> </a:t>
+            </a:r>
+            <a:r>
+              <a:rPr lang="fr-FR" altLang="ko-KR" dirty="0" err="1" smtClean="0">
+                <a:ea typeface="굴림" charset="-127"/>
+                <a:sym typeface="Wingdings" pitchFamily="2" charset="2"/>
+              </a:rPr>
+              <a:t>decisions</a:t>
+            </a:r>
+            <a:r>
+              <a:rPr altLang="ko-KR" smtClean="0">
+                <a:ea typeface="굴림" charset="-127"/>
+              </a:rPr>
+              <a:t>)</a:t>
+            </a:r>
+          </a:p>
+          <a:p>
+            <a:pPr lvl="1" eaLnBrk="1" hangingPunct="1">
+              <a:buFont typeface="Calibri" pitchFamily="34" charset="0"/>
+              <a:buAutoNum type="arabicPeriod"/>
+            </a:pPr>
+            <a:r>
+              <a:rPr altLang="ko-KR" smtClean="0">
+                <a:ea typeface="굴림" charset="-127"/>
+              </a:rPr>
+              <a:t>Quality attributes goal (utility tree &amp; scenarios)</a:t>
+            </a:r>
+          </a:p>
+          <a:p>
+            <a:pPr lvl="1" eaLnBrk="1" hangingPunct="1">
+              <a:buFont typeface="Calibri" pitchFamily="34" charset="0"/>
+              <a:buAutoNum type="arabicPeriod"/>
+            </a:pPr>
+            <a:endParaRPr altLang="ko-KR" smtClean="0">
+              <a:ea typeface="굴림" charset="-127"/>
+            </a:endParaRPr>
+          </a:p>
+          <a:p>
+            <a:pPr eaLnBrk="1" hangingPunct="1">
+              <a:buFont typeface="Calibri" pitchFamily="34" charset="0"/>
+              <a:buAutoNum type="arabicPeriod"/>
+            </a:pPr>
+            <a:endParaRPr altLang="ko-KR" smtClean="0">
+              <a:ea typeface="굴림" charset="-127"/>
+            </a:endParaRPr>
+          </a:p>
+          <a:p>
+            <a:pPr eaLnBrk="1" hangingPunct="1">
+              <a:buFont typeface="Calibri" pitchFamily="34" charset="0"/>
+              <a:buAutoNum type="arabicPeriod"/>
+            </a:pPr>
+            <a:endParaRPr altLang="ko-KR" smtClean="0">
+              <a:ea typeface="굴림" charset="-127"/>
+            </a:endParaRPr>
+          </a:p>
+          <a:p>
+            <a:pPr eaLnBrk="1" hangingPunct="1">
+              <a:buNone/>
+            </a:pPr>
+            <a:endParaRPr altLang="ko-KR" smtClean="0">
+              <a:ea typeface="굴림" charset="-127"/>
+            </a:endParaRPr>
+          </a:p>
+          <a:p>
+            <a:pPr eaLnBrk="1" hangingPunct="1">
+              <a:buFont typeface="Calibri" pitchFamily="34" charset="0"/>
+              <a:buAutoNum type="arabicPeriod"/>
+            </a:pPr>
+            <a:endParaRPr altLang="ko-KR" dirty="0" smtClean="0">
+              <a:ea typeface="굴림" charset="-127"/>
+            </a:endParaRPr>
+          </a:p>
+          <a:p>
+            <a:pPr eaLnBrk="1" hangingPunct="1">
+              <a:buFont typeface="Calibri" pitchFamily="34" charset="0"/>
+              <a:buAutoNum type="arabicPeriod"/>
+            </a:pPr>
+            <a:endParaRPr altLang="ko-KR" dirty="0" smtClean="0">
+              <a:ea typeface="굴림" charset="-127"/>
+            </a:endParaRPr>
+          </a:p>
+          <a:p>
+            <a:pPr eaLnBrk="1" hangingPunct="1">
+              <a:buNone/>
+            </a:pPr>
+            <a:endParaRPr altLang="ko-KR" dirty="0" smtClean="0">
+              <a:ea typeface="굴림" charset="-127"/>
+            </a:endParaRPr>
+          </a:p>
+          <a:p>
+            <a:pPr lvl="1" eaLnBrk="1" hangingPunct="1">
+              <a:buNone/>
+            </a:pPr>
+            <a:endParaRPr altLang="ko-KR" dirty="0" smtClean="0">
+              <a:ea typeface="굴림" charset="-127"/>
+            </a:endParaRPr>
           </a:p>
         </p:txBody>
       </p:sp>
-      <p:graphicFrame>
-        <p:nvGraphicFramePr>
-          <p:cNvPr id="4" name="Diagramme 3"/>
-          <p:cNvGraphicFramePr/>
-          <p:nvPr/>
-        </p:nvGraphicFramePr>
-        <p:xfrm>
-          <a:off x="428596" y="1161135"/>
-          <a:ext cx="8358246" cy="5411137"/>
-        </p:xfrm>
-        <a:graphic>
-          <a:graphicData uri="http://schemas.openxmlformats.org/drawingml/2006/diagram">
-            <dgm:relIds xmlns:dgm="http://schemas.openxmlformats.org/drawingml/2006/diagram" xmlns:r="http://schemas.openxmlformats.org/officeDocument/2006/relationships" r:dm="rId2" r:lo="rId3" r:qs="rId4" r:cs="rId5"/>
-          </a:graphicData>
-        </a:graphic>
-      </p:graphicFrame>
     </p:spTree>
   </p:cSld>
   <p:clrMapOvr>
     <a:masterClrMapping/>
   </p:clrMapOvr>
+  <p:transition/>
   <p:timing>
     <p:tnLst>
       <p:par>
@@ -7903,7 +9960,7 @@
 </file>
 
 <file path=ppt/slides/slide4.xml><?xml version="1.0" encoding="utf-8"?>
-<p:sld xmlns:a="http://schemas.openxmlformats.org/drawingml/2006/main" xmlns:r="http://schemas.openxmlformats.org/officeDocument/2006/relationships" xmlns:p="http://schemas.openxmlformats.org/presentationml/2006/main">
+<p:sld xmlns:a="http://schemas.openxmlformats.org/drawingml/2006/main" xmlns:r="http://schemas.openxmlformats.org/officeDocument/2006/relationships" xmlns:p="http://schemas.openxmlformats.org/presentationml/2006/main" show="0">
   <p:cSld>
     <p:spTree>
       <p:nvGrpSpPr>
@@ -8050,6 +10107,7 @@
   <p:clrMapOvr>
     <a:masterClrMapping/>
   </p:clrMapOvr>
+  <p:transition/>
   <p:timing>
     <p:tnLst>
       <p:par>
@@ -8087,22 +10145,22 @@
             <p:ph type="ctrTitle"/>
           </p:nvPr>
         </p:nvSpPr>
-        <p:spPr>
-          <a:xfrm>
-            <a:off x="300038" y="466708"/>
-            <a:ext cx="8629680" cy="819152"/>
-          </a:xfrm>
-        </p:spPr>
+        <p:spPr/>
         <p:txBody>
           <a:bodyPr/>
           <a:lstStyle/>
           <a:p>
-            <a:pPr>
-              <a:defRPr/>
-            </a:pPr>
+            <a:r>
+              <a:rPr lang="en-US" dirty="0" err="1" smtClean="0"/>
+              <a:t>Atam</a:t>
+            </a:r>
             <a:r>
               <a:rPr lang="en-US" dirty="0" smtClean="0"/>
-              <a:t>references</a:t>
+              <a:t> </a:t>
+            </a:r>
+            <a:r>
+              <a:rPr lang="en-US" dirty="0" smtClean="0"/>
+              <a:t>steps reminder</a:t>
             </a:r>
             <a:endParaRPr lang="en-US" dirty="0"/>
           </a:p>
@@ -8110,7 +10168,7 @@
       </p:sp>
       <p:sp>
         <p:nvSpPr>
-          <p:cNvPr id="15363" name="Espace réservé du texte 2"/>
+          <p:cNvPr id="3" name="Espace réservé du texte 2"/>
           <p:cNvSpPr>
             <a:spLocks noGrp="1"/>
           </p:cNvSpPr>
@@ -8118,94 +10176,1310 @@
             <p:ph type="body" sz="quarter" idx="10"/>
           </p:nvPr>
         </p:nvSpPr>
-        <p:spPr bwMode="auto">
+        <p:spPr/>
+        <p:txBody>
+          <a:bodyPr/>
+          <a:lstStyle/>
+          <a:p>
+            <a:endParaRPr smtClean="0"/>
+          </a:p>
+        </p:txBody>
+      </p:sp>
+      <p:graphicFrame>
+        <p:nvGraphicFramePr>
+          <p:cNvPr id="4" name="Diagramme 3"/>
+          <p:cNvGraphicFramePr/>
+          <p:nvPr/>
+        </p:nvGraphicFramePr>
+        <p:xfrm>
+          <a:off x="428596" y="1161135"/>
+          <a:ext cx="8358246" cy="5411137"/>
+        </p:xfrm>
+        <a:graphic>
+          <a:graphicData uri="http://schemas.openxmlformats.org/drawingml/2006/diagram">
+            <dgm:relIds xmlns:dgm="http://schemas.openxmlformats.org/drawingml/2006/diagram" xmlns:r="http://schemas.openxmlformats.org/officeDocument/2006/relationships" r:dm="rId2" r:lo="rId3" r:qs="rId4" r:cs="rId5"/>
+          </a:graphicData>
+        </a:graphic>
+      </p:graphicFrame>
+    </p:spTree>
+  </p:cSld>
+  <p:clrMapOvr>
+    <a:masterClrMapping/>
+  </p:clrMapOvr>
+  <p:timing>
+    <p:tnLst>
+      <p:par>
+        <p:cTn id="1" dur="indefinite" restart="never" nodeType="tmRoot"/>
+      </p:par>
+    </p:tnLst>
+  </p:timing>
+</p:sld>
+</file>
+
+<file path=ppt/slides/slide6.xml><?xml version="1.0" encoding="utf-8"?>
+<p:sld xmlns:a="http://schemas.openxmlformats.org/drawingml/2006/main" xmlns:r="http://schemas.openxmlformats.org/officeDocument/2006/relationships" xmlns:p="http://schemas.openxmlformats.org/presentationml/2006/main">
+  <p:cSld>
+    <p:spTree>
+      <p:nvGrpSpPr>
+        <p:cNvPr id="1" name=""/>
+        <p:cNvGrpSpPr/>
+        <p:nvPr/>
+      </p:nvGrpSpPr>
+      <p:grpSpPr>
+        <a:xfrm>
+          <a:off x="0" y="0"/>
+          <a:ext cx="0" cy="0"/>
+          <a:chOff x="0" y="0"/>
+          <a:chExt cx="0" cy="0"/>
+        </a:xfrm>
+      </p:grpSpPr>
+      <p:sp>
+        <p:nvSpPr>
+          <p:cNvPr id="4" name="Titre 3"/>
+          <p:cNvSpPr>
+            <a:spLocks noGrp="1"/>
+          </p:cNvSpPr>
+          <p:nvPr>
+            <p:ph type="ctrTitle"/>
+          </p:nvPr>
+        </p:nvSpPr>
+        <p:spPr/>
+        <p:txBody>
+          <a:bodyPr/>
+          <a:lstStyle/>
+          <a:p>
+            <a:r>
+              <a:rPr lang="fr-FR" dirty="0" smtClean="0"/>
+              <a:t>How to design the FDIR architecture</a:t>
+            </a:r>
+            <a:endParaRPr lang="fr-FR" dirty="0"/>
+          </a:p>
+        </p:txBody>
+      </p:sp>
+      <p:sp>
+        <p:nvSpPr>
+          <p:cNvPr id="5" name="Espace réservé du texte 4"/>
+          <p:cNvSpPr>
+            <a:spLocks noGrp="1"/>
+          </p:cNvSpPr>
+          <p:nvPr>
+            <p:ph type="body" sz="quarter" idx="10"/>
+          </p:nvPr>
+        </p:nvSpPr>
+        <p:spPr>
           <a:xfrm>
-            <a:off x="285750" y="1857375"/>
-            <a:ext cx="8501063" cy="4714875"/>
+            <a:off x="285750" y="1214422"/>
+            <a:ext cx="8858250" cy="5357828"/>
           </a:xfrm>
-          <a:noFill/>
+        </p:spPr>
+        <p:txBody>
+          <a:bodyPr/>
+          <a:lstStyle/>
+          <a:p>
+            <a:r>
+              <a:rPr smtClean="0"/>
+              <a:t>Starting from ATAM to take critical architectural decisions</a:t>
+            </a:r>
+          </a:p>
+          <a:p>
+            <a:pPr lvl="1"/>
+            <a:r>
+              <a:rPr smtClean="0"/>
+              <a:t>A</a:t>
+            </a:r>
+            <a:r>
+              <a:rPr smtClean="0"/>
+              <a:t>rchitecture will be based on the architectural approach (step 4)</a:t>
+            </a:r>
+          </a:p>
+          <a:p>
+            <a:pPr lvl="1"/>
+            <a:r>
+              <a:rPr smtClean="0"/>
+              <a:t>A</a:t>
+            </a:r>
+            <a:r>
+              <a:rPr smtClean="0"/>
+              <a:t>rchitecture has to respect the most important requirements (step 5)</a:t>
+            </a:r>
+          </a:p>
+          <a:p>
+            <a:pPr lvl="2"/>
+            <a:r>
+              <a:rPr smtClean="0"/>
+              <a:t>Utility tree</a:t>
+            </a:r>
+          </a:p>
+          <a:p>
+            <a:pPr lvl="2"/>
+            <a:r>
+              <a:rPr smtClean="0"/>
+              <a:t>Prioritized scenarios</a:t>
+            </a:r>
+          </a:p>
+          <a:p>
+            <a:pPr lvl="2"/>
+            <a:endParaRPr smtClean="0"/>
+          </a:p>
+          <a:p>
+            <a:r>
+              <a:rPr smtClean="0"/>
+              <a:t>Propose an </a:t>
+            </a:r>
+            <a:r>
+              <a:rPr smtClean="0"/>
+              <a:t>architecture</a:t>
+            </a:r>
+            <a:endParaRPr smtClean="0"/>
+          </a:p>
+          <a:p>
+            <a:pPr lvl="1"/>
+            <a:r>
+              <a:rPr smtClean="0"/>
+              <a:t>Precise the architectural context</a:t>
+            </a:r>
+            <a:endParaRPr smtClean="0"/>
+          </a:p>
+          <a:p>
+            <a:pPr lvl="1"/>
+            <a:r>
+              <a:rPr smtClean="0"/>
+              <a:t>Choose the best architectural type to represent our system</a:t>
+            </a:r>
+          </a:p>
+          <a:p>
+            <a:pPr lvl="1"/>
+            <a:r>
+              <a:rPr smtClean="0"/>
+              <a:t>Design the architecture </a:t>
+            </a:r>
+            <a:r>
+              <a:rPr lang="en-US" dirty="0" smtClean="0"/>
+              <a:t>through our ADL tool (ACME Studio)</a:t>
+            </a:r>
+            <a:endParaRPr smtClean="0"/>
+          </a:p>
+          <a:p>
+            <a:endParaRPr smtClean="0"/>
+          </a:p>
+          <a:p>
+            <a:r>
+              <a:rPr smtClean="0"/>
+              <a:t>Document </a:t>
+            </a:r>
+            <a:r>
+              <a:rPr smtClean="0"/>
+              <a:t>and explain the </a:t>
+            </a:r>
+            <a:r>
+              <a:rPr smtClean="0"/>
+              <a:t>architecture</a:t>
+            </a:r>
+            <a:endParaRPr smtClean="0"/>
+          </a:p>
+        </p:txBody>
+      </p:sp>
+    </p:spTree>
+  </p:cSld>
+  <p:clrMapOvr>
+    <a:masterClrMapping/>
+  </p:clrMapOvr>
+  <p:timing>
+    <p:tnLst>
+      <p:par>
+        <p:cTn id="1" dur="indefinite" restart="never" nodeType="tmRoot"/>
+      </p:par>
+    </p:tnLst>
+  </p:timing>
+</p:sld>
+</file>
+
+<file path=ppt/slides/slide7.xml><?xml version="1.0" encoding="utf-8"?>
+<p:sld xmlns:a="http://schemas.openxmlformats.org/drawingml/2006/main" xmlns:r="http://schemas.openxmlformats.org/officeDocument/2006/relationships" xmlns:p="http://schemas.openxmlformats.org/presentationml/2006/main">
+  <p:cSld>
+    <p:spTree>
+      <p:nvGrpSpPr>
+        <p:cNvPr id="1" name=""/>
+        <p:cNvGrpSpPr/>
+        <p:nvPr/>
+      </p:nvGrpSpPr>
+      <p:grpSpPr>
+        <a:xfrm>
+          <a:off x="0" y="0"/>
+          <a:ext cx="0" cy="0"/>
+          <a:chOff x="0" y="0"/>
+          <a:chExt cx="0" cy="0"/>
+        </a:xfrm>
+      </p:grpSpPr>
+      <p:sp>
+        <p:nvSpPr>
+          <p:cNvPr id="4" name="Titre 3"/>
+          <p:cNvSpPr>
+            <a:spLocks noGrp="1"/>
+          </p:cNvSpPr>
+          <p:nvPr>
+            <p:ph type="ctrTitle"/>
+          </p:nvPr>
+        </p:nvSpPr>
+        <p:spPr/>
+        <p:txBody>
+          <a:bodyPr/>
+          <a:lstStyle/>
+          <a:p>
+            <a:r>
+              <a:rPr lang="fr-FR" dirty="0" smtClean="0"/>
+              <a:t>Design architecture proposition (</a:t>
+            </a:r>
+            <a:r>
+              <a:rPr lang="fr-FR" dirty="0" err="1" smtClean="0"/>
+              <a:t>cont</a:t>
+            </a:r>
+            <a:r>
+              <a:rPr lang="fr-FR" dirty="0" smtClean="0"/>
+              <a:t>.)</a:t>
+            </a:r>
+            <a:endParaRPr lang="fr-FR" dirty="0"/>
+          </a:p>
+        </p:txBody>
+      </p:sp>
+      <p:sp>
+        <p:nvSpPr>
+          <p:cNvPr id="5" name="Espace réservé du texte 4"/>
+          <p:cNvSpPr>
+            <a:spLocks noGrp="1"/>
+          </p:cNvSpPr>
+          <p:nvPr>
+            <p:ph type="body" sz="quarter" idx="10"/>
+          </p:nvPr>
+        </p:nvSpPr>
+        <p:spPr>
+          <a:xfrm>
+            <a:off x="285750" y="1214422"/>
+            <a:ext cx="8858250" cy="5357828"/>
+          </a:xfrm>
+        </p:spPr>
+        <p:txBody>
+          <a:bodyPr/>
+          <a:lstStyle/>
+          <a:p>
+            <a:r>
+              <a:rPr smtClean="0"/>
+              <a:t>Architectural context</a:t>
+            </a:r>
+            <a:endParaRPr smtClean="0"/>
+          </a:p>
+          <a:p>
+            <a:pPr lvl="1"/>
+            <a:r>
+              <a:rPr smtClean="0"/>
+              <a:t>Centralized system</a:t>
+            </a:r>
+          </a:p>
+          <a:p>
+            <a:pPr lvl="1"/>
+            <a:endParaRPr smtClean="0"/>
+          </a:p>
+          <a:p>
+            <a:pPr lvl="1"/>
+            <a:endParaRPr smtClean="0"/>
+          </a:p>
+          <a:p>
+            <a:pPr lvl="1"/>
+            <a:endParaRPr smtClean="0"/>
+          </a:p>
+          <a:p>
+            <a:pPr lvl="1"/>
+            <a:endParaRPr smtClean="0"/>
+          </a:p>
+          <a:p>
+            <a:pPr lvl="1"/>
+            <a:endParaRPr smtClean="0"/>
+          </a:p>
+          <a:p>
+            <a:pPr lvl="1"/>
+            <a:r>
+              <a:rPr smtClean="0"/>
+              <a:t>Distributed system</a:t>
+            </a:r>
+            <a:endParaRPr smtClean="0"/>
+          </a:p>
+        </p:txBody>
+      </p:sp>
+      <p:sp>
+        <p:nvSpPr>
+          <p:cNvPr id="7" name="Rectangle 6"/>
+          <p:cNvSpPr/>
+          <p:nvPr/>
+        </p:nvSpPr>
+        <p:spPr>
+          <a:xfrm>
+            <a:off x="785786" y="2500306"/>
+            <a:ext cx="1785950" cy="642942"/>
+          </a:xfrm>
+          <a:prstGeom prst="rect">
+            <a:avLst/>
+          </a:prstGeom>
+        </p:spPr>
+        <p:style>
+          <a:lnRef idx="3">
+            <a:schemeClr val="lt1"/>
+          </a:lnRef>
+          <a:fillRef idx="1">
+            <a:schemeClr val="accent6"/>
+          </a:fillRef>
+          <a:effectRef idx="1">
+            <a:schemeClr val="accent6"/>
+          </a:effectRef>
+          <a:fontRef idx="minor">
+            <a:schemeClr val="lt1"/>
+          </a:fontRef>
+        </p:style>
+        <p:txBody>
+          <a:bodyPr rtlCol="0" anchor="ctr"/>
+          <a:lstStyle/>
+          <a:p>
+            <a:pPr algn="ctr"/>
+            <a:r>
+              <a:rPr lang="fr-FR" dirty="0" smtClean="0"/>
+              <a:t>Producer </a:t>
+            </a:r>
+            <a:endParaRPr lang="fr-FR" dirty="0"/>
+          </a:p>
+        </p:txBody>
+      </p:sp>
+      <p:sp>
+        <p:nvSpPr>
+          <p:cNvPr id="8" name="Rectangle 7"/>
+          <p:cNvSpPr/>
+          <p:nvPr/>
+        </p:nvSpPr>
+        <p:spPr>
+          <a:xfrm>
+            <a:off x="3643306" y="2500306"/>
+            <a:ext cx="1785950" cy="642942"/>
+          </a:xfrm>
+          <a:prstGeom prst="rect">
+            <a:avLst/>
+          </a:prstGeom>
+        </p:spPr>
+        <p:style>
+          <a:lnRef idx="3">
+            <a:schemeClr val="lt1"/>
+          </a:lnRef>
+          <a:fillRef idx="1">
+            <a:schemeClr val="accent6"/>
+          </a:fillRef>
+          <a:effectRef idx="1">
+            <a:schemeClr val="accent6"/>
+          </a:effectRef>
+          <a:fontRef idx="minor">
+            <a:schemeClr val="lt1"/>
+          </a:fontRef>
+        </p:style>
+        <p:txBody>
+          <a:bodyPr rtlCol="0" anchor="ctr"/>
+          <a:lstStyle/>
+          <a:p>
+            <a:pPr algn="ctr"/>
+            <a:r>
+              <a:rPr lang="fr-FR" dirty="0" smtClean="0"/>
+              <a:t>Broker</a:t>
+            </a:r>
+            <a:endParaRPr lang="fr-FR" dirty="0"/>
+          </a:p>
+        </p:txBody>
+      </p:sp>
+      <p:sp>
+        <p:nvSpPr>
+          <p:cNvPr id="9" name="Rectangle 8"/>
+          <p:cNvSpPr/>
+          <p:nvPr/>
+        </p:nvSpPr>
+        <p:spPr>
+          <a:xfrm>
+            <a:off x="6572264" y="2500306"/>
+            <a:ext cx="1785950" cy="642942"/>
+          </a:xfrm>
+          <a:prstGeom prst="rect">
+            <a:avLst/>
+          </a:prstGeom>
+        </p:spPr>
+        <p:style>
+          <a:lnRef idx="3">
+            <a:schemeClr val="lt1"/>
+          </a:lnRef>
+          <a:fillRef idx="1">
+            <a:schemeClr val="accent6"/>
+          </a:fillRef>
+          <a:effectRef idx="1">
+            <a:schemeClr val="accent6"/>
+          </a:effectRef>
+          <a:fontRef idx="minor">
+            <a:schemeClr val="lt1"/>
+          </a:fontRef>
+        </p:style>
+        <p:txBody>
+          <a:bodyPr rtlCol="0" anchor="ctr"/>
+          <a:lstStyle/>
+          <a:p>
+            <a:pPr algn="ctr"/>
+            <a:r>
+              <a:rPr lang="fr-FR" dirty="0" smtClean="0"/>
+              <a:t>Consumer</a:t>
+            </a:r>
+            <a:endParaRPr lang="fr-FR" dirty="0"/>
+          </a:p>
+        </p:txBody>
+      </p:sp>
+      <p:cxnSp>
+        <p:nvCxnSpPr>
+          <p:cNvPr id="11" name="Connecteur droit avec flèche 10"/>
+          <p:cNvCxnSpPr>
+            <a:stCxn id="7" idx="3"/>
+            <a:endCxn id="8" idx="1"/>
+          </p:cNvCxnSpPr>
+          <p:nvPr/>
+        </p:nvCxnSpPr>
+        <p:spPr>
+          <a:xfrm>
+            <a:off x="2571736" y="2821777"/>
+            <a:ext cx="1071570" cy="1588"/>
+          </a:xfrm>
+          <a:prstGeom prst="straightConnector1">
+            <a:avLst/>
+          </a:prstGeom>
           <a:ln>
-            <a:miter lim="800000"/>
-            <a:headEnd/>
-            <a:tailEnd/>
+            <a:headEnd type="triangle" w="med" len="med"/>
+            <a:tailEnd type="triangle" w="med" len="med"/>
           </a:ln>
         </p:spPr>
+        <p:style>
+          <a:lnRef idx="2">
+            <a:schemeClr val="accent6"/>
+          </a:lnRef>
+          <a:fillRef idx="0">
+            <a:schemeClr val="accent6"/>
+          </a:fillRef>
+          <a:effectRef idx="1">
+            <a:schemeClr val="accent6"/>
+          </a:effectRef>
+          <a:fontRef idx="minor">
+            <a:schemeClr val="tx1"/>
+          </a:fontRef>
+        </p:style>
+      </p:cxnSp>
+      <p:cxnSp>
+        <p:nvCxnSpPr>
+          <p:cNvPr id="13" name="Connecteur droit avec flèche 12"/>
+          <p:cNvCxnSpPr>
+            <a:stCxn id="8" idx="3"/>
+            <a:endCxn id="9" idx="1"/>
+          </p:cNvCxnSpPr>
+          <p:nvPr/>
+        </p:nvCxnSpPr>
+        <p:spPr>
+          <a:xfrm>
+            <a:off x="5429256" y="2821777"/>
+            <a:ext cx="1143008" cy="1588"/>
+          </a:xfrm>
+          <a:prstGeom prst="straightConnector1">
+            <a:avLst/>
+          </a:prstGeom>
+          <a:ln>
+            <a:headEnd type="triangle" w="med" len="med"/>
+            <a:tailEnd type="triangle" w="med" len="med"/>
+          </a:ln>
+        </p:spPr>
+        <p:style>
+          <a:lnRef idx="2">
+            <a:schemeClr val="accent6"/>
+          </a:lnRef>
+          <a:fillRef idx="0">
+            <a:schemeClr val="accent6"/>
+          </a:fillRef>
+          <a:effectRef idx="1">
+            <a:schemeClr val="accent6"/>
+          </a:effectRef>
+          <a:fontRef idx="minor">
+            <a:schemeClr val="tx1"/>
+          </a:fontRef>
+        </p:style>
+      </p:cxnSp>
+      <p:sp>
+        <p:nvSpPr>
+          <p:cNvPr id="16" name="Rectangle 15"/>
+          <p:cNvSpPr/>
+          <p:nvPr/>
+        </p:nvSpPr>
+        <p:spPr>
+          <a:xfrm>
+            <a:off x="2071670" y="4857760"/>
+            <a:ext cx="1785950" cy="642942"/>
+          </a:xfrm>
+          <a:prstGeom prst="rect">
+            <a:avLst/>
+          </a:prstGeom>
+        </p:spPr>
+        <p:style>
+          <a:lnRef idx="3">
+            <a:schemeClr val="lt1"/>
+          </a:lnRef>
+          <a:fillRef idx="1">
+            <a:schemeClr val="accent6"/>
+          </a:fillRef>
+          <a:effectRef idx="1">
+            <a:schemeClr val="accent6"/>
+          </a:effectRef>
+          <a:fontRef idx="minor">
+            <a:schemeClr val="lt1"/>
+          </a:fontRef>
+        </p:style>
         <p:txBody>
-          <a:bodyPr vert="horz" wrap="square" lIns="91440" tIns="45720" rIns="91440" bIns="45720" numCol="1" anchor="t" anchorCtr="0" compatLnSpc="1">
-            <a:prstTxWarp prst="textNoShape">
-              <a:avLst/>
-            </a:prstTxWarp>
-          </a:bodyPr>
+          <a:bodyPr rtlCol="0" anchor="ctr"/>
           <a:lstStyle/>
           <a:p>
-            <a:r>
-              <a:rPr sz="1600" b="1" smtClean="0"/>
-              <a:t>David S. Wile, </a:t>
-            </a:r>
-            <a:r>
-              <a:rPr sz="1600" i="1" smtClean="0"/>
-              <a:t>ACME: An Interchange Language for Architecture Representation</a:t>
-            </a:r>
-          </a:p>
-          <a:p>
-            <a:endParaRPr sz="1600" i="1" smtClean="0"/>
-          </a:p>
-          <a:p>
-            <a:r>
-              <a:rPr sz="1600" b="1" smtClean="0">
-                <a:hlinkClick r:id="rId2"/>
+            <a:pPr algn="ctr"/>
+            <a:r>
+              <a:rPr lang="fr-FR" dirty="0" smtClean="0"/>
+              <a:t>Producer </a:t>
+            </a:r>
+            <a:endParaRPr lang="fr-FR" dirty="0"/>
+          </a:p>
+        </p:txBody>
+      </p:sp>
+      <p:sp>
+        <p:nvSpPr>
+          <p:cNvPr id="17" name="Rectangle 16"/>
+          <p:cNvSpPr/>
+          <p:nvPr/>
+        </p:nvSpPr>
+        <p:spPr>
+          <a:xfrm>
+            <a:off x="5643570" y="4857760"/>
+            <a:ext cx="1785950" cy="642942"/>
+          </a:xfrm>
+          <a:prstGeom prst="rect">
+            <a:avLst/>
+          </a:prstGeom>
+        </p:spPr>
+        <p:style>
+          <a:lnRef idx="3">
+            <a:schemeClr val="lt1"/>
+          </a:lnRef>
+          <a:fillRef idx="1">
+            <a:schemeClr val="accent6"/>
+          </a:fillRef>
+          <a:effectRef idx="1">
+            <a:schemeClr val="accent6"/>
+          </a:effectRef>
+          <a:fontRef idx="minor">
+            <a:schemeClr val="lt1"/>
+          </a:fontRef>
+        </p:style>
+        <p:txBody>
+          <a:bodyPr rtlCol="0" anchor="ctr"/>
+          <a:lstStyle/>
+          <a:p>
+            <a:pPr algn="ctr"/>
+            <a:r>
+              <a:rPr lang="fr-FR" dirty="0" smtClean="0"/>
+              <a:t>Consumer</a:t>
+            </a:r>
+            <a:endParaRPr lang="fr-FR" dirty="0"/>
+          </a:p>
+        </p:txBody>
+      </p:sp>
+      <p:cxnSp>
+        <p:nvCxnSpPr>
+          <p:cNvPr id="18" name="Connecteur droit avec flèche 17"/>
+          <p:cNvCxnSpPr>
+            <a:stCxn id="16" idx="3"/>
+            <a:endCxn id="17" idx="1"/>
+          </p:cNvCxnSpPr>
+          <p:nvPr/>
+        </p:nvCxnSpPr>
+        <p:spPr>
+          <a:xfrm>
+            <a:off x="3857620" y="5179231"/>
+            <a:ext cx="1785950" cy="1588"/>
+          </a:xfrm>
+          <a:prstGeom prst="straightConnector1">
+            <a:avLst/>
+          </a:prstGeom>
+          <a:ln>
+            <a:headEnd type="triangle" w="med" len="med"/>
+            <a:tailEnd type="triangle" w="med" len="med"/>
+          </a:ln>
+        </p:spPr>
+        <p:style>
+          <a:lnRef idx="2">
+            <a:schemeClr val="accent6"/>
+          </a:lnRef>
+          <a:fillRef idx="0">
+            <a:schemeClr val="accent6"/>
+          </a:fillRef>
+          <a:effectRef idx="1">
+            <a:schemeClr val="accent6"/>
+          </a:effectRef>
+          <a:fontRef idx="minor">
+            <a:schemeClr val="tx1"/>
+          </a:fontRef>
+        </p:style>
+      </p:cxnSp>
+    </p:spTree>
+  </p:cSld>
+  <p:clrMapOvr>
+    <a:masterClrMapping/>
+  </p:clrMapOvr>
+  <p:timing>
+    <p:tnLst>
+      <p:par>
+        <p:cTn id="1" dur="indefinite" restart="never" nodeType="tmRoot"/>
+      </p:par>
+    </p:tnLst>
+  </p:timing>
+</p:sld>
+</file>
+
+<file path=ppt/slides/slide8.xml><?xml version="1.0" encoding="utf-8"?>
+<p:sld xmlns:a="http://schemas.openxmlformats.org/drawingml/2006/main" xmlns:r="http://schemas.openxmlformats.org/officeDocument/2006/relationships" xmlns:p="http://schemas.openxmlformats.org/presentationml/2006/main">
+  <p:cSld>
+    <p:spTree>
+      <p:nvGrpSpPr>
+        <p:cNvPr id="1" name=""/>
+        <p:cNvGrpSpPr/>
+        <p:nvPr/>
+      </p:nvGrpSpPr>
+      <p:grpSpPr>
+        <a:xfrm>
+          <a:off x="0" y="0"/>
+          <a:ext cx="0" cy="0"/>
+          <a:chOff x="0" y="0"/>
+          <a:chExt cx="0" cy="0"/>
+        </a:xfrm>
+      </p:grpSpPr>
+      <p:sp>
+        <p:nvSpPr>
+          <p:cNvPr id="21" name="Rectangle 20"/>
+          <p:cNvSpPr/>
+          <p:nvPr/>
+        </p:nvSpPr>
+        <p:spPr>
+          <a:xfrm>
+            <a:off x="357158" y="3571876"/>
+            <a:ext cx="8501122" cy="2786082"/>
+          </a:xfrm>
+          <a:prstGeom prst="rect">
+            <a:avLst/>
+          </a:prstGeom>
+          <a:solidFill>
+            <a:srgbClr val="FF0000">
+              <a:alpha val="8000"/>
+            </a:srgbClr>
+          </a:solidFill>
+          <a:ln w="25400"/>
+        </p:spPr>
+        <p:style>
+          <a:lnRef idx="1">
+            <a:schemeClr val="accent4"/>
+          </a:lnRef>
+          <a:fillRef idx="2">
+            <a:schemeClr val="accent4"/>
+          </a:fillRef>
+          <a:effectRef idx="1">
+            <a:schemeClr val="accent4"/>
+          </a:effectRef>
+          <a:fontRef idx="minor">
+            <a:schemeClr val="dk1"/>
+          </a:fontRef>
+        </p:style>
+        <p:txBody>
+          <a:bodyPr rtlCol="0" anchor="ctr"/>
+          <a:lstStyle/>
+          <a:p>
+            <a:pPr algn="ctr"/>
+            <a:endParaRPr lang="fr-FR"/>
+          </a:p>
+        </p:txBody>
+      </p:sp>
+      <p:sp>
+        <p:nvSpPr>
+          <p:cNvPr id="4" name="Titre 3"/>
+          <p:cNvSpPr>
+            <a:spLocks noGrp="1"/>
+          </p:cNvSpPr>
+          <p:nvPr>
+            <p:ph type="ctrTitle"/>
+          </p:nvPr>
+        </p:nvSpPr>
+        <p:spPr/>
+        <p:txBody>
+          <a:bodyPr/>
+          <a:lstStyle/>
+          <a:p>
+            <a:r>
+              <a:rPr lang="fr-FR" dirty="0" smtClean="0"/>
+              <a:t>Design architecture proposition (</a:t>
+            </a:r>
+            <a:r>
+              <a:rPr lang="fr-FR" dirty="0" err="1" smtClean="0"/>
+              <a:t>cont</a:t>
+            </a:r>
+            <a:r>
+              <a:rPr lang="fr-FR" dirty="0" smtClean="0"/>
+              <a:t>.)</a:t>
+            </a:r>
+            <a:endParaRPr lang="fr-FR" dirty="0"/>
+          </a:p>
+        </p:txBody>
+      </p:sp>
+      <p:sp>
+        <p:nvSpPr>
+          <p:cNvPr id="5" name="Espace réservé du texte 4"/>
+          <p:cNvSpPr>
+            <a:spLocks noGrp="1"/>
+          </p:cNvSpPr>
+          <p:nvPr>
+            <p:ph type="body" sz="quarter" idx="10"/>
+          </p:nvPr>
+        </p:nvSpPr>
+        <p:spPr>
+          <a:xfrm>
+            <a:off x="285750" y="1214422"/>
+            <a:ext cx="8858250" cy="5357828"/>
+          </a:xfrm>
+        </p:spPr>
+        <p:txBody>
+          <a:bodyPr/>
+          <a:lstStyle/>
+          <a:p>
+            <a:r>
+              <a:rPr smtClean="0"/>
+              <a:t>Architectural context</a:t>
+            </a:r>
+            <a:endParaRPr smtClean="0"/>
+          </a:p>
+          <a:p>
+            <a:pPr lvl="1"/>
+            <a:r>
+              <a:rPr smtClean="0"/>
+              <a:t>Centralized system</a:t>
+            </a:r>
+          </a:p>
+          <a:p>
+            <a:pPr lvl="1"/>
+            <a:endParaRPr smtClean="0"/>
+          </a:p>
+          <a:p>
+            <a:pPr lvl="1"/>
+            <a:endParaRPr smtClean="0"/>
+          </a:p>
+          <a:p>
+            <a:pPr lvl="1"/>
+            <a:endParaRPr smtClean="0"/>
+          </a:p>
+          <a:p>
+            <a:pPr lvl="1"/>
+            <a:endParaRPr smtClean="0"/>
+          </a:p>
+          <a:p>
+            <a:pPr lvl="1"/>
+            <a:endParaRPr smtClean="0"/>
+          </a:p>
+          <a:p>
+            <a:pPr lvl="1"/>
+            <a:r>
+              <a:rPr sz="2400" b="1" smtClean="0">
+                <a:solidFill>
+                  <a:srgbClr val="C00000"/>
+                </a:solidFill>
+                <a:effectLst>
+                  <a:outerShdw blurRad="38100" dist="38100" dir="2700000" algn="tl">
+                    <a:srgbClr val="000000">
+                      <a:alpha val="43137"/>
+                    </a:srgbClr>
+                  </a:outerShdw>
+                </a:effectLst>
               </a:rPr>
-              <a:t>http://www.cs.cmu.edu/~acme</a:t>
-            </a:r>
-            <a:r>
-              <a:rPr sz="1600" b="1" i="1" smtClean="0">
-                <a:hlinkClick r:id="rId2"/>
-              </a:rPr>
-              <a:t>/</a:t>
-            </a:r>
-            <a:r>
-              <a:rPr sz="1600" i="1" smtClean="0"/>
-              <a:t>, ACME websites</a:t>
-            </a:r>
-          </a:p>
-          <a:p>
-            <a:endParaRPr sz="1600" i="1" smtClean="0"/>
-          </a:p>
-          <a:p>
-            <a:r>
-              <a:rPr sz="1600" b="1" smtClean="0">
-                <a:hlinkClick r:id="rId3"/>
-              </a:rPr>
-              <a:t>http://en.wikipedia.org/wiki/Architecture_description_language</a:t>
-            </a:r>
-            <a:r>
-              <a:rPr sz="1600" i="1" smtClean="0"/>
-              <a:t>, ADL wikipedia page</a:t>
-            </a:r>
-          </a:p>
-          <a:p>
-            <a:endParaRPr sz="1600" i="1" smtClean="0"/>
-          </a:p>
-          <a:p>
-            <a:r>
-              <a:rPr lang="en-US" sz="1600" b="1" dirty="0" smtClean="0"/>
-              <a:t>[KKC00] R. </a:t>
-            </a:r>
-            <a:r>
-              <a:rPr lang="en-US" sz="1600" b="1" dirty="0" err="1" smtClean="0"/>
-              <a:t>Kazman</a:t>
-            </a:r>
-            <a:r>
-              <a:rPr lang="en-US" sz="1600" b="1" dirty="0" smtClean="0"/>
-              <a:t>, M. Klein, P. Clements</a:t>
-            </a:r>
-            <a:r>
-              <a:rPr lang="en-US" sz="1600" i="1" dirty="0" smtClean="0"/>
-              <a:t>, ATAM: A Method for Architecture Evaluation, CMU/SEI-2000-TR-004, Software Engineering Institute, Carnegie Mellon University, 2000. </a:t>
-            </a:r>
-            <a:endParaRPr lang="en-US" altLang="ko-KR" sz="1600" i="1" dirty="0" smtClean="0">
-              <a:ea typeface="굴림" charset="-127"/>
+              <a:t>Distributed system</a:t>
+            </a:r>
+            <a:endParaRPr sz="2400" b="1" smtClean="0">
+              <a:solidFill>
+                <a:srgbClr val="C00000"/>
+              </a:solidFill>
+              <a:effectLst>
+                <a:outerShdw blurRad="38100" dist="38100" dir="2700000" algn="tl">
+                  <a:srgbClr val="000000">
+                    <a:alpha val="43137"/>
+                  </a:srgbClr>
+                </a:outerShdw>
+              </a:effectLst>
             </a:endParaRPr>
+          </a:p>
+        </p:txBody>
+      </p:sp>
+      <p:sp>
+        <p:nvSpPr>
+          <p:cNvPr id="7" name="Rectangle 6"/>
+          <p:cNvSpPr/>
+          <p:nvPr/>
+        </p:nvSpPr>
+        <p:spPr>
+          <a:xfrm>
+            <a:off x="785786" y="2500306"/>
+            <a:ext cx="1785950" cy="642942"/>
+          </a:xfrm>
+          <a:prstGeom prst="rect">
+            <a:avLst/>
+          </a:prstGeom>
+        </p:spPr>
+        <p:style>
+          <a:lnRef idx="3">
+            <a:schemeClr val="lt1"/>
+          </a:lnRef>
+          <a:fillRef idx="1">
+            <a:schemeClr val="accent6"/>
+          </a:fillRef>
+          <a:effectRef idx="1">
+            <a:schemeClr val="accent6"/>
+          </a:effectRef>
+          <a:fontRef idx="minor">
+            <a:schemeClr val="lt1"/>
+          </a:fontRef>
+        </p:style>
+        <p:txBody>
+          <a:bodyPr rtlCol="0" anchor="ctr"/>
+          <a:lstStyle/>
+          <a:p>
+            <a:pPr algn="ctr"/>
+            <a:r>
+              <a:rPr lang="fr-FR" dirty="0" smtClean="0"/>
+              <a:t>Producer </a:t>
+            </a:r>
+            <a:endParaRPr lang="fr-FR" dirty="0"/>
+          </a:p>
+        </p:txBody>
+      </p:sp>
+      <p:sp>
+        <p:nvSpPr>
+          <p:cNvPr id="8" name="Rectangle 7"/>
+          <p:cNvSpPr/>
+          <p:nvPr/>
+        </p:nvSpPr>
+        <p:spPr>
+          <a:xfrm>
+            <a:off x="3643306" y="2500306"/>
+            <a:ext cx="1785950" cy="642942"/>
+          </a:xfrm>
+          <a:prstGeom prst="rect">
+            <a:avLst/>
+          </a:prstGeom>
+        </p:spPr>
+        <p:style>
+          <a:lnRef idx="3">
+            <a:schemeClr val="lt1"/>
+          </a:lnRef>
+          <a:fillRef idx="1">
+            <a:schemeClr val="accent6"/>
+          </a:fillRef>
+          <a:effectRef idx="1">
+            <a:schemeClr val="accent6"/>
+          </a:effectRef>
+          <a:fontRef idx="minor">
+            <a:schemeClr val="lt1"/>
+          </a:fontRef>
+        </p:style>
+        <p:txBody>
+          <a:bodyPr rtlCol="0" anchor="ctr"/>
+          <a:lstStyle/>
+          <a:p>
+            <a:pPr algn="ctr"/>
+            <a:r>
+              <a:rPr lang="fr-FR" dirty="0" smtClean="0"/>
+              <a:t>Broker</a:t>
+            </a:r>
+            <a:endParaRPr lang="fr-FR" dirty="0"/>
+          </a:p>
+        </p:txBody>
+      </p:sp>
+      <p:sp>
+        <p:nvSpPr>
+          <p:cNvPr id="9" name="Rectangle 8"/>
+          <p:cNvSpPr/>
+          <p:nvPr/>
+        </p:nvSpPr>
+        <p:spPr>
+          <a:xfrm>
+            <a:off x="6572264" y="2500306"/>
+            <a:ext cx="1785950" cy="642942"/>
+          </a:xfrm>
+          <a:prstGeom prst="rect">
+            <a:avLst/>
+          </a:prstGeom>
+        </p:spPr>
+        <p:style>
+          <a:lnRef idx="3">
+            <a:schemeClr val="lt1"/>
+          </a:lnRef>
+          <a:fillRef idx="1">
+            <a:schemeClr val="accent6"/>
+          </a:fillRef>
+          <a:effectRef idx="1">
+            <a:schemeClr val="accent6"/>
+          </a:effectRef>
+          <a:fontRef idx="minor">
+            <a:schemeClr val="lt1"/>
+          </a:fontRef>
+        </p:style>
+        <p:txBody>
+          <a:bodyPr rtlCol="0" anchor="ctr"/>
+          <a:lstStyle/>
+          <a:p>
+            <a:pPr algn="ctr"/>
+            <a:r>
+              <a:rPr lang="fr-FR" dirty="0" smtClean="0"/>
+              <a:t>Consumer</a:t>
+            </a:r>
+            <a:endParaRPr lang="fr-FR" dirty="0"/>
+          </a:p>
+        </p:txBody>
+      </p:sp>
+      <p:cxnSp>
+        <p:nvCxnSpPr>
+          <p:cNvPr id="11" name="Connecteur droit avec flèche 10"/>
+          <p:cNvCxnSpPr>
+            <a:stCxn id="7" idx="3"/>
+            <a:endCxn id="8" idx="1"/>
+          </p:cNvCxnSpPr>
+          <p:nvPr/>
+        </p:nvCxnSpPr>
+        <p:spPr>
+          <a:xfrm>
+            <a:off x="2571736" y="2821777"/>
+            <a:ext cx="1071570" cy="1588"/>
+          </a:xfrm>
+          <a:prstGeom prst="straightConnector1">
+            <a:avLst/>
+          </a:prstGeom>
+          <a:ln>
+            <a:headEnd type="triangle" w="med" len="med"/>
+            <a:tailEnd type="triangle" w="med" len="med"/>
+          </a:ln>
+        </p:spPr>
+        <p:style>
+          <a:lnRef idx="2">
+            <a:schemeClr val="accent6"/>
+          </a:lnRef>
+          <a:fillRef idx="0">
+            <a:schemeClr val="accent6"/>
+          </a:fillRef>
+          <a:effectRef idx="1">
+            <a:schemeClr val="accent6"/>
+          </a:effectRef>
+          <a:fontRef idx="minor">
+            <a:schemeClr val="tx1"/>
+          </a:fontRef>
+        </p:style>
+      </p:cxnSp>
+      <p:cxnSp>
+        <p:nvCxnSpPr>
+          <p:cNvPr id="13" name="Connecteur droit avec flèche 12"/>
+          <p:cNvCxnSpPr>
+            <a:stCxn id="8" idx="3"/>
+            <a:endCxn id="9" idx="1"/>
+          </p:cNvCxnSpPr>
+          <p:nvPr/>
+        </p:nvCxnSpPr>
+        <p:spPr>
+          <a:xfrm>
+            <a:off x="5429256" y="2821777"/>
+            <a:ext cx="1143008" cy="1588"/>
+          </a:xfrm>
+          <a:prstGeom prst="straightConnector1">
+            <a:avLst/>
+          </a:prstGeom>
+          <a:ln>
+            <a:headEnd type="triangle" w="med" len="med"/>
+            <a:tailEnd type="triangle" w="med" len="med"/>
+          </a:ln>
+        </p:spPr>
+        <p:style>
+          <a:lnRef idx="2">
+            <a:schemeClr val="accent6"/>
+          </a:lnRef>
+          <a:fillRef idx="0">
+            <a:schemeClr val="accent6"/>
+          </a:fillRef>
+          <a:effectRef idx="1">
+            <a:schemeClr val="accent6"/>
+          </a:effectRef>
+          <a:fontRef idx="minor">
+            <a:schemeClr val="tx1"/>
+          </a:fontRef>
+        </p:style>
+      </p:cxnSp>
+      <p:sp>
+        <p:nvSpPr>
+          <p:cNvPr id="16" name="Rectangle 15"/>
+          <p:cNvSpPr/>
+          <p:nvPr/>
+        </p:nvSpPr>
+        <p:spPr>
+          <a:xfrm>
+            <a:off x="2071670" y="4857760"/>
+            <a:ext cx="1785950" cy="642942"/>
+          </a:xfrm>
+          <a:prstGeom prst="rect">
+            <a:avLst/>
+          </a:prstGeom>
+        </p:spPr>
+        <p:style>
+          <a:lnRef idx="3">
+            <a:schemeClr val="lt1"/>
+          </a:lnRef>
+          <a:fillRef idx="1">
+            <a:schemeClr val="accent6"/>
+          </a:fillRef>
+          <a:effectRef idx="1">
+            <a:schemeClr val="accent6"/>
+          </a:effectRef>
+          <a:fontRef idx="minor">
+            <a:schemeClr val="lt1"/>
+          </a:fontRef>
+        </p:style>
+        <p:txBody>
+          <a:bodyPr rtlCol="0" anchor="ctr"/>
+          <a:lstStyle/>
+          <a:p>
+            <a:pPr algn="ctr"/>
+            <a:r>
+              <a:rPr lang="fr-FR" dirty="0" smtClean="0"/>
+              <a:t>Producer </a:t>
+            </a:r>
+            <a:endParaRPr lang="fr-FR" dirty="0"/>
+          </a:p>
+        </p:txBody>
+      </p:sp>
+      <p:sp>
+        <p:nvSpPr>
+          <p:cNvPr id="17" name="Rectangle 16"/>
+          <p:cNvSpPr/>
+          <p:nvPr/>
+        </p:nvSpPr>
+        <p:spPr>
+          <a:xfrm>
+            <a:off x="5643570" y="4857760"/>
+            <a:ext cx="1785950" cy="642942"/>
+          </a:xfrm>
+          <a:prstGeom prst="rect">
+            <a:avLst/>
+          </a:prstGeom>
+        </p:spPr>
+        <p:style>
+          <a:lnRef idx="3">
+            <a:schemeClr val="lt1"/>
+          </a:lnRef>
+          <a:fillRef idx="1">
+            <a:schemeClr val="accent6"/>
+          </a:fillRef>
+          <a:effectRef idx="1">
+            <a:schemeClr val="accent6"/>
+          </a:effectRef>
+          <a:fontRef idx="minor">
+            <a:schemeClr val="lt1"/>
+          </a:fontRef>
+        </p:style>
+        <p:txBody>
+          <a:bodyPr rtlCol="0" anchor="ctr"/>
+          <a:lstStyle/>
+          <a:p>
+            <a:pPr algn="ctr"/>
+            <a:r>
+              <a:rPr lang="fr-FR" dirty="0" smtClean="0"/>
+              <a:t>Consumer</a:t>
+            </a:r>
+            <a:endParaRPr lang="fr-FR" dirty="0"/>
+          </a:p>
+        </p:txBody>
+      </p:sp>
+      <p:cxnSp>
+        <p:nvCxnSpPr>
+          <p:cNvPr id="18" name="Connecteur droit avec flèche 17"/>
+          <p:cNvCxnSpPr>
+            <a:stCxn id="16" idx="3"/>
+            <a:endCxn id="17" idx="1"/>
+          </p:cNvCxnSpPr>
+          <p:nvPr/>
+        </p:nvCxnSpPr>
+        <p:spPr>
+          <a:xfrm>
+            <a:off x="3857620" y="5179231"/>
+            <a:ext cx="1785950" cy="1588"/>
+          </a:xfrm>
+          <a:prstGeom prst="straightConnector1">
+            <a:avLst/>
+          </a:prstGeom>
+          <a:ln>
+            <a:headEnd type="triangle" w="med" len="med"/>
+            <a:tailEnd type="triangle" w="med" len="med"/>
+          </a:ln>
+        </p:spPr>
+        <p:style>
+          <a:lnRef idx="2">
+            <a:schemeClr val="accent6"/>
+          </a:lnRef>
+          <a:fillRef idx="0">
+            <a:schemeClr val="accent6"/>
+          </a:fillRef>
+          <a:effectRef idx="1">
+            <a:schemeClr val="accent6"/>
+          </a:effectRef>
+          <a:fontRef idx="minor">
+            <a:schemeClr val="tx1"/>
+          </a:fontRef>
+        </p:style>
+      </p:cxnSp>
+    </p:spTree>
+  </p:cSld>
+  <p:clrMapOvr>
+    <a:masterClrMapping/>
+  </p:clrMapOvr>
+  <p:timing>
+    <p:tnLst>
+      <p:par>
+        <p:cTn id="1" dur="indefinite" restart="never" nodeType="tmRoot"/>
+      </p:par>
+    </p:tnLst>
+  </p:timing>
+</p:sld>
+</file>
+
+<file path=ppt/slides/slide9.xml><?xml version="1.0" encoding="utf-8"?>
+<p:sld xmlns:a="http://schemas.openxmlformats.org/drawingml/2006/main" xmlns:r="http://schemas.openxmlformats.org/officeDocument/2006/relationships" xmlns:p="http://schemas.openxmlformats.org/presentationml/2006/main">
+  <p:cSld>
+    <p:spTree>
+      <p:nvGrpSpPr>
+        <p:cNvPr id="1" name=""/>
+        <p:cNvGrpSpPr/>
+        <p:nvPr/>
+      </p:nvGrpSpPr>
+      <p:grpSpPr>
+        <a:xfrm>
+          <a:off x="0" y="0"/>
+          <a:ext cx="0" cy="0"/>
+          <a:chOff x="0" y="0"/>
+          <a:chExt cx="0" cy="0"/>
+        </a:xfrm>
+      </p:grpSpPr>
+      <p:sp>
+        <p:nvSpPr>
+          <p:cNvPr id="4" name="Titre 3"/>
+          <p:cNvSpPr>
+            <a:spLocks noGrp="1"/>
+          </p:cNvSpPr>
+          <p:nvPr>
+            <p:ph type="ctrTitle"/>
+          </p:nvPr>
+        </p:nvSpPr>
+        <p:spPr/>
+        <p:txBody>
+          <a:bodyPr/>
+          <a:lstStyle/>
+          <a:p>
+            <a:r>
+              <a:rPr lang="fr-FR" dirty="0" smtClean="0"/>
+              <a:t>Design architecture proposition (</a:t>
+            </a:r>
+            <a:r>
+              <a:rPr lang="fr-FR" dirty="0" err="1" smtClean="0"/>
+              <a:t>cont</a:t>
+            </a:r>
+            <a:r>
+              <a:rPr lang="fr-FR" dirty="0" smtClean="0"/>
+              <a:t>.)</a:t>
+            </a:r>
+            <a:endParaRPr lang="fr-FR" dirty="0"/>
+          </a:p>
+        </p:txBody>
+      </p:sp>
+      <p:sp>
+        <p:nvSpPr>
+          <p:cNvPr id="5" name="Espace réservé du texte 4"/>
+          <p:cNvSpPr>
+            <a:spLocks noGrp="1"/>
+          </p:cNvSpPr>
+          <p:nvPr>
+            <p:ph type="body" sz="quarter" idx="10"/>
+          </p:nvPr>
+        </p:nvSpPr>
+        <p:spPr>
+          <a:xfrm>
+            <a:off x="285750" y="1214422"/>
+            <a:ext cx="8858250" cy="5357828"/>
+          </a:xfrm>
+        </p:spPr>
+        <p:txBody>
+          <a:bodyPr/>
+          <a:lstStyle/>
+          <a:p>
+            <a:r>
+              <a:rPr smtClean="0"/>
+              <a:t>Architectural types: available families in ACME Studio are</a:t>
+            </a:r>
+          </a:p>
+          <a:p>
+            <a:pPr lvl="1"/>
+            <a:r>
+              <a:rPr lang="en-US" dirty="0" smtClean="0"/>
+              <a:t>Tiered</a:t>
+            </a:r>
+          </a:p>
+          <a:p>
+            <a:pPr lvl="1"/>
+            <a:r>
+              <a:rPr lang="en-US" dirty="0" smtClean="0"/>
+              <a:t>Pipe &amp; filters</a:t>
+            </a:r>
+          </a:p>
+          <a:p>
+            <a:pPr lvl="1"/>
+            <a:r>
+              <a:rPr lang="en-US" dirty="0" smtClean="0"/>
+              <a:t>Client &amp; servers</a:t>
+            </a:r>
+          </a:p>
+          <a:p>
+            <a:pPr lvl="1"/>
+            <a:r>
+              <a:rPr lang="en-US" dirty="0" smtClean="0"/>
+              <a:t>Shared </a:t>
+            </a:r>
+            <a:r>
+              <a:rPr lang="en-US" dirty="0" smtClean="0"/>
+              <a:t>data</a:t>
+            </a:r>
+          </a:p>
+          <a:p>
+            <a:pPr lvl="1"/>
+            <a:r>
+              <a:rPr lang="en-US" dirty="0" smtClean="0"/>
+              <a:t>Three-tiered</a:t>
+            </a:r>
+          </a:p>
+          <a:p>
+            <a:pPr lvl="1"/>
+            <a:r>
+              <a:rPr lang="en-US" dirty="0" smtClean="0"/>
+              <a:t>Pub-Sub</a:t>
+            </a:r>
+          </a:p>
+          <a:p>
+            <a:pPr lvl="1"/>
+            <a:endParaRPr lang="en-US" dirty="0" smtClean="0"/>
+          </a:p>
+          <a:p>
+            <a:pPr lvl="1"/>
+            <a:endParaRPr smtClean="0"/>
           </a:p>
         </p:txBody>
       </p:sp>

--- a/Project 2/Part3/CS554_EuroTeam_Project2_OP6.pptx
+++ b/Project 2/Part3/CS554_EuroTeam_Project2_OP6.pptx
@@ -5,10 +5,10 @@
     <p:sldMasterId id="2147483660" r:id="rId2"/>
   </p:sldMasterIdLst>
   <p:notesMasterIdLst>
-    <p:notesMasterId r:id="rId29"/>
+    <p:notesMasterId r:id="rId31"/>
   </p:notesMasterIdLst>
   <p:handoutMasterIdLst>
-    <p:handoutMasterId r:id="rId30"/>
+    <p:handoutMasterId r:id="rId32"/>
   </p:handoutMasterIdLst>
   <p:sldIdLst>
     <p:sldId id="256" r:id="rId3"/>
@@ -23,20 +23,22 @@
     <p:sldId id="298" r:id="rId12"/>
     <p:sldId id="313" r:id="rId13"/>
     <p:sldId id="314" r:id="rId14"/>
-    <p:sldId id="305" r:id="rId15"/>
-    <p:sldId id="308" r:id="rId16"/>
-    <p:sldId id="310" r:id="rId17"/>
-    <p:sldId id="309" r:id="rId18"/>
-    <p:sldId id="311" r:id="rId19"/>
-    <p:sldId id="312" r:id="rId20"/>
-    <p:sldId id="299" r:id="rId21"/>
-    <p:sldId id="300" r:id="rId22"/>
-    <p:sldId id="301" r:id="rId23"/>
-    <p:sldId id="302" r:id="rId24"/>
-    <p:sldId id="303" r:id="rId25"/>
-    <p:sldId id="291" r:id="rId26"/>
-    <p:sldId id="304" r:id="rId27"/>
-    <p:sldId id="286" r:id="rId28"/>
+    <p:sldId id="318" r:id="rId15"/>
+    <p:sldId id="305" r:id="rId16"/>
+    <p:sldId id="308" r:id="rId17"/>
+    <p:sldId id="316" r:id="rId18"/>
+    <p:sldId id="309" r:id="rId19"/>
+    <p:sldId id="317" r:id="rId20"/>
+    <p:sldId id="312" r:id="rId21"/>
+    <p:sldId id="299" r:id="rId22"/>
+    <p:sldId id="300" r:id="rId23"/>
+    <p:sldId id="301" r:id="rId24"/>
+    <p:sldId id="302" r:id="rId25"/>
+    <p:sldId id="303" r:id="rId26"/>
+    <p:sldId id="319" r:id="rId27"/>
+    <p:sldId id="291" r:id="rId28"/>
+    <p:sldId id="304" r:id="rId29"/>
+    <p:sldId id="286" r:id="rId30"/>
   </p:sldIdLst>
   <p:sldSz cx="9144000" cy="6858000" type="screen4x3"/>
   <p:notesSz cx="7099300" cy="10234613"/>
@@ -9521,7 +9523,32 @@
       </p:grpSpPr>
       <p:sp>
         <p:nvSpPr>
-          <p:cNvPr id="2" name="Titre 1"/>
+          <p:cNvPr id="5" name="Espace réservé du texte 4"/>
+          <p:cNvSpPr>
+            <a:spLocks noGrp="1"/>
+          </p:cNvSpPr>
+          <p:nvPr>
+            <p:ph type="body" sz="quarter" idx="10"/>
+          </p:nvPr>
+        </p:nvSpPr>
+        <p:spPr>
+          <a:xfrm>
+            <a:off x="285750" y="1214422"/>
+            <a:ext cx="8286778" cy="5012179"/>
+          </a:xfrm>
+        </p:spPr>
+        <p:txBody>
+          <a:bodyPr/>
+          <a:lstStyle/>
+          <a:p>
+            <a:pPr lvl="1"/>
+            <a:endParaRPr dirty="0" smtClean="0"/>
+          </a:p>
+        </p:txBody>
+      </p:sp>
+      <p:sp>
+        <p:nvSpPr>
+          <p:cNvPr id="4" name="Titre 3"/>
           <p:cNvSpPr>
             <a:spLocks noGrp="1"/>
           </p:cNvSpPr>
@@ -9536,50 +9563,23 @@
           <a:p>
             <a:r>
               <a:rPr lang="fr-FR" dirty="0" smtClean="0"/>
-              <a:t>A</a:t>
-            </a:r>
-            <a:r>
-              <a:rPr smtClean="0"/>
-              <a:t>rchitecture :  </a:t>
-            </a:r>
-            <a:r>
-              <a:rPr sz="2800" smtClean="0">
-                <a:solidFill>
-                  <a:schemeClr val="tx1"/>
-                </a:solidFill>
-              </a:rPr>
-              <a:t>FDIR SYSTEM representation</a:t>
-            </a:r>
-            <a:endParaRPr lang="fr-FR" sz="2800" dirty="0">
-              <a:solidFill>
-                <a:schemeClr val="tx1"/>
-              </a:solidFill>
-            </a:endParaRPr>
+              <a:t>Design architecture proposition (</a:t>
+            </a:r>
+            <a:r>
+              <a:rPr lang="fr-FR" dirty="0" err="1" smtClean="0"/>
+              <a:t>cont</a:t>
+            </a:r>
+            <a:r>
+              <a:rPr lang="fr-FR" dirty="0" smtClean="0"/>
+              <a:t>.)</a:t>
+            </a:r>
+            <a:endParaRPr lang="fr-FR" dirty="0"/>
           </a:p>
         </p:txBody>
       </p:sp>
       <p:sp>
         <p:nvSpPr>
-          <p:cNvPr id="3" name="Espace réservé du texte 2"/>
-          <p:cNvSpPr>
-            <a:spLocks noGrp="1"/>
-          </p:cNvSpPr>
-          <p:nvPr>
-            <p:ph type="body" sz="quarter" idx="10"/>
-          </p:nvPr>
-        </p:nvSpPr>
-        <p:spPr/>
-        <p:txBody>
-          <a:bodyPr/>
-          <a:lstStyle/>
-          <a:p>
-            <a:endParaRPr lang="fr-FR" dirty="0"/>
-          </a:p>
-        </p:txBody>
-      </p:sp>
-      <p:sp>
-        <p:nvSpPr>
-          <p:cNvPr id="4" name="ZoneTexte 3"/>
+          <p:cNvPr id="7" name="ZoneTexte 6"/>
           <p:cNvSpPr txBox="1"/>
           <p:nvPr/>
         </p:nvSpPr>
@@ -9643,7 +9643,7 @@
       </p:sp>
       <p:sp>
         <p:nvSpPr>
-          <p:cNvPr id="5" name="ZoneTexte 4"/>
+          <p:cNvPr id="8" name="ZoneTexte 7"/>
           <p:cNvSpPr txBox="1"/>
           <p:nvPr/>
         </p:nvSpPr>
@@ -9708,7 +9708,7 @@
       </p:sp>
       <p:sp>
         <p:nvSpPr>
-          <p:cNvPr id="6" name="ZoneTexte 5"/>
+          <p:cNvPr id="9" name="ZoneTexte 8"/>
           <p:cNvSpPr txBox="1"/>
           <p:nvPr/>
         </p:nvSpPr>
@@ -9822,7 +9822,7 @@
       </p:sp>
       <p:sp>
         <p:nvSpPr>
-          <p:cNvPr id="7" name="ZoneTexte 6"/>
+          <p:cNvPr id="10" name="ZoneTexte 9"/>
           <p:cNvSpPr txBox="1"/>
           <p:nvPr/>
         </p:nvSpPr>
@@ -9974,6 +9974,39 @@
           </a:p>
         </p:txBody>
       </p:sp>
+      <p:pic>
+        <p:nvPicPr>
+          <p:cNvPr id="5122" name="Picture 2"/>
+          <p:cNvPicPr>
+            <a:picLocks noChangeAspect="1" noChangeArrowheads="1"/>
+          </p:cNvPicPr>
+          <p:nvPr/>
+        </p:nvPicPr>
+        <p:blipFill>
+          <a:blip r:embed="rId2"/>
+          <a:srcRect b="6250"/>
+          <a:stretch>
+            <a:fillRect/>
+          </a:stretch>
+        </p:blipFill>
+        <p:spPr bwMode="auto">
+          <a:xfrm>
+            <a:off x="214282" y="1500174"/>
+            <a:ext cx="8674160" cy="4572032"/>
+          </a:xfrm>
+          <a:prstGeom prst="rect">
+            <a:avLst/>
+          </a:prstGeom>
+          <a:noFill/>
+          <a:ln w="9525">
+            <a:noFill/>
+            <a:miter lim="800000"/>
+            <a:headEnd/>
+            <a:tailEnd/>
+          </a:ln>
+          <a:effectLst/>
+        </p:spPr>
+      </p:pic>
     </p:spTree>
   </p:cSld>
   <p:clrMapOvr>
@@ -10016,12 +10049,7 @@
             <p:ph type="ctrTitle"/>
           </p:nvPr>
         </p:nvSpPr>
-        <p:spPr>
-          <a:xfrm>
-            <a:off x="300038" y="323832"/>
-            <a:ext cx="8843962" cy="533400"/>
-          </a:xfrm>
-        </p:spPr>
+        <p:spPr/>
         <p:txBody>
           <a:bodyPr/>
           <a:lstStyle/>
@@ -10040,9 +10068,9 @@
                   <a:schemeClr val="tx1"/>
                 </a:solidFill>
               </a:rPr>
-              <a:t>Fault detector representation</a:t>
-            </a:r>
-            <a:endParaRPr lang="fr-FR" dirty="0">
+              <a:t>FDIR SYSTEM representation</a:t>
+            </a:r>
+            <a:endParaRPr lang="fr-FR" sz="2800" dirty="0">
               <a:solidFill>
                 <a:schemeClr val="tx1"/>
               </a:solidFill>
@@ -10466,14 +10494,37 @@
           </a:p>
         </p:txBody>
       </p:sp>
+      <p:pic>
+        <p:nvPicPr>
+          <p:cNvPr id="1026" name="Picture 2" descr="C:\Users\Benoit\Desktop\trest.jpg"/>
+          <p:cNvPicPr>
+            <a:picLocks noChangeAspect="1" noChangeArrowheads="1"/>
+          </p:cNvPicPr>
+          <p:nvPr/>
+        </p:nvPicPr>
+        <p:blipFill>
+          <a:blip r:embed="rId2"/>
+          <a:srcRect/>
+          <a:stretch>
+            <a:fillRect/>
+          </a:stretch>
+        </p:blipFill>
+        <p:spPr bwMode="auto">
+          <a:xfrm>
+            <a:off x="342837" y="1000108"/>
+            <a:ext cx="8801163" cy="5500726"/>
+          </a:xfrm>
+          <a:prstGeom prst="rect">
+            <a:avLst/>
+          </a:prstGeom>
+          <a:noFill/>
+        </p:spPr>
+      </p:pic>
     </p:spTree>
   </p:cSld>
   <p:clrMapOvr>
     <a:masterClrMapping/>
   </p:clrMapOvr>
-  <p:transition>
-    <p:wipe dir="r"/>
-  </p:transition>
   <p:timing>
     <p:tnLst>
       <p:par>
@@ -10511,7 +10562,12 @@
             <p:ph type="ctrTitle"/>
           </p:nvPr>
         </p:nvSpPr>
-        <p:spPr/>
+        <p:spPr>
+          <a:xfrm>
+            <a:off x="300038" y="323832"/>
+            <a:ext cx="8843962" cy="533400"/>
+          </a:xfrm>
+        </p:spPr>
         <p:txBody>
           <a:bodyPr/>
           <a:lstStyle/>
@@ -10530,9 +10586,9 @@
                   <a:schemeClr val="tx1"/>
                 </a:solidFill>
               </a:rPr>
-              <a:t>FDIR SYSTEM representation</a:t>
-            </a:r>
-            <a:endParaRPr lang="fr-FR" sz="2800" dirty="0">
+              <a:t>Fault detector representation</a:t>
+            </a:r>
+            <a:endParaRPr lang="fr-FR" dirty="0">
               <a:solidFill>
                 <a:schemeClr val="tx1"/>
               </a:solidFill>
@@ -10956,13 +11012,186 @@
           </a:p>
         </p:txBody>
       </p:sp>
+      <p:pic>
+        <p:nvPicPr>
+          <p:cNvPr id="2050" name="Picture 2" descr="C:\Users\Benoit\Desktop\test3.jpg"/>
+          <p:cNvPicPr>
+            <a:picLocks noChangeAspect="1" noChangeArrowheads="1"/>
+          </p:cNvPicPr>
+          <p:nvPr/>
+        </p:nvPicPr>
+        <p:blipFill>
+          <a:blip r:embed="rId2">
+            <a:clrChange>
+              <a:clrFrom>
+                <a:srgbClr val="FFFFFF"/>
+              </a:clrFrom>
+              <a:clrTo>
+                <a:srgbClr val="FFFFFF">
+                  <a:alpha val="0"/>
+                </a:srgbClr>
+              </a:clrTo>
+            </a:clrChange>
+          </a:blip>
+          <a:srcRect l="14488" r="26710"/>
+          <a:stretch>
+            <a:fillRect/>
+          </a:stretch>
+        </p:blipFill>
+        <p:spPr bwMode="auto">
+          <a:xfrm>
+            <a:off x="2214546" y="1571612"/>
+            <a:ext cx="4929222" cy="4508513"/>
+          </a:xfrm>
+          <a:prstGeom prst="rect">
+            <a:avLst/>
+          </a:prstGeom>
+          <a:noFill/>
+        </p:spPr>
+      </p:pic>
+      <p:cxnSp>
+        <p:nvCxnSpPr>
+          <p:cNvPr id="10" name="Connecteur droit 9"/>
+          <p:cNvCxnSpPr/>
+          <p:nvPr/>
+        </p:nvCxnSpPr>
+        <p:spPr>
+          <a:xfrm flipV="1">
+            <a:off x="3929058" y="2143116"/>
+            <a:ext cx="1357322" cy="285752"/>
+          </a:xfrm>
+          <a:prstGeom prst="line">
+            <a:avLst/>
+          </a:prstGeom>
+          <a:ln>
+            <a:prstDash val="dash"/>
+          </a:ln>
+        </p:spPr>
+        <p:style>
+          <a:lnRef idx="1">
+            <a:schemeClr val="accent1"/>
+          </a:lnRef>
+          <a:fillRef idx="0">
+            <a:schemeClr val="accent1"/>
+          </a:fillRef>
+          <a:effectRef idx="0">
+            <a:schemeClr val="accent1"/>
+          </a:effectRef>
+          <a:fontRef idx="minor">
+            <a:schemeClr val="tx1"/>
+          </a:fontRef>
+        </p:style>
+      </p:cxnSp>
+      <p:cxnSp>
+        <p:nvCxnSpPr>
+          <p:cNvPr id="12" name="Connecteur droit 11"/>
+          <p:cNvCxnSpPr/>
+          <p:nvPr/>
+        </p:nvCxnSpPr>
+        <p:spPr>
+          <a:xfrm>
+            <a:off x="4071934" y="4786322"/>
+            <a:ext cx="1285884" cy="500066"/>
+          </a:xfrm>
+          <a:prstGeom prst="line">
+            <a:avLst/>
+          </a:prstGeom>
+          <a:ln>
+            <a:prstDash val="dash"/>
+          </a:ln>
+        </p:spPr>
+        <p:style>
+          <a:lnRef idx="1">
+            <a:schemeClr val="accent1"/>
+          </a:lnRef>
+          <a:fillRef idx="0">
+            <a:schemeClr val="accent1"/>
+          </a:fillRef>
+          <a:effectRef idx="0">
+            <a:schemeClr val="accent1"/>
+          </a:effectRef>
+          <a:fontRef idx="minor">
+            <a:schemeClr val="tx1"/>
+          </a:fontRef>
+        </p:style>
+      </p:cxnSp>
+      <p:cxnSp>
+        <p:nvCxnSpPr>
+          <p:cNvPr id="15" name="Connecteur droit 14"/>
+          <p:cNvCxnSpPr/>
+          <p:nvPr/>
+        </p:nvCxnSpPr>
+        <p:spPr>
+          <a:xfrm rot="5400000">
+            <a:off x="535753" y="3679033"/>
+            <a:ext cx="3357586" cy="1588"/>
+          </a:xfrm>
+          <a:prstGeom prst="line">
+            <a:avLst/>
+          </a:prstGeom>
+          <a:ln>
+            <a:solidFill>
+              <a:srgbClr val="15162D"/>
+            </a:solidFill>
+          </a:ln>
+        </p:spPr>
+        <p:style>
+          <a:lnRef idx="1">
+            <a:schemeClr val="accent1"/>
+          </a:lnRef>
+          <a:fillRef idx="0">
+            <a:schemeClr val="accent1"/>
+          </a:fillRef>
+          <a:effectRef idx="0">
+            <a:schemeClr val="accent1"/>
+          </a:effectRef>
+          <a:fontRef idx="minor">
+            <a:schemeClr val="tx1"/>
+          </a:fontRef>
+        </p:style>
+      </p:cxnSp>
+      <p:cxnSp>
+        <p:nvCxnSpPr>
+          <p:cNvPr id="16" name="Connecteur droit 15"/>
+          <p:cNvCxnSpPr/>
+          <p:nvPr/>
+        </p:nvCxnSpPr>
+        <p:spPr>
+          <a:xfrm rot="5400000">
+            <a:off x="5465769" y="3678239"/>
+            <a:ext cx="3357586" cy="1588"/>
+          </a:xfrm>
+          <a:prstGeom prst="line">
+            <a:avLst/>
+          </a:prstGeom>
+          <a:ln>
+            <a:solidFill>
+              <a:srgbClr val="15162D"/>
+            </a:solidFill>
+          </a:ln>
+        </p:spPr>
+        <p:style>
+          <a:lnRef idx="1">
+            <a:schemeClr val="accent1"/>
+          </a:lnRef>
+          <a:fillRef idx="0">
+            <a:schemeClr val="accent1"/>
+          </a:fillRef>
+          <a:effectRef idx="0">
+            <a:schemeClr val="accent1"/>
+          </a:effectRef>
+          <a:fontRef idx="minor">
+            <a:schemeClr val="tx1"/>
+          </a:fontRef>
+        </p:style>
+      </p:cxnSp>
     </p:spTree>
   </p:cSld>
   <p:clrMapOvr>
     <a:masterClrMapping/>
   </p:clrMapOvr>
   <p:transition>
-    <p:wipe/>
+    <p:push/>
   </p:transition>
   <p:timing>
     <p:tnLst>
@@ -11001,12 +11230,7 @@
             <p:ph type="ctrTitle"/>
           </p:nvPr>
         </p:nvSpPr>
-        <p:spPr>
-          <a:xfrm>
-            <a:off x="300038" y="323832"/>
-            <a:ext cx="8843962" cy="533400"/>
-          </a:xfrm>
-        </p:spPr>
+        <p:spPr/>
         <p:txBody>
           <a:bodyPr/>
           <a:lstStyle/>
@@ -11025,9 +11249,9 @@
                   <a:schemeClr val="tx1"/>
                 </a:solidFill>
               </a:rPr>
-              <a:t>Control system &amp; fault analyzer</a:t>
-            </a:r>
-            <a:endParaRPr lang="fr-FR" dirty="0">
+              <a:t>FDIR SYSTEM representation</a:t>
+            </a:r>
+            <a:endParaRPr lang="fr-FR" sz="2800" dirty="0">
               <a:solidFill>
                 <a:schemeClr val="tx1"/>
               </a:solidFill>
@@ -11451,13 +11675,39 @@
           </a:p>
         </p:txBody>
       </p:sp>
+      <p:pic>
+        <p:nvPicPr>
+          <p:cNvPr id="1026" name="Picture 2" descr="C:\Users\Benoit\Desktop\trest.jpg"/>
+          <p:cNvPicPr>
+            <a:picLocks noChangeAspect="1" noChangeArrowheads="1"/>
+          </p:cNvPicPr>
+          <p:nvPr/>
+        </p:nvPicPr>
+        <p:blipFill>
+          <a:blip r:embed="rId2"/>
+          <a:srcRect/>
+          <a:stretch>
+            <a:fillRect/>
+          </a:stretch>
+        </p:blipFill>
+        <p:spPr bwMode="auto">
+          <a:xfrm>
+            <a:off x="342837" y="1000108"/>
+            <a:ext cx="8801163" cy="5500726"/>
+          </a:xfrm>
+          <a:prstGeom prst="rect">
+            <a:avLst/>
+          </a:prstGeom>
+          <a:noFill/>
+        </p:spPr>
+      </p:pic>
     </p:spTree>
   </p:cSld>
   <p:clrMapOvr>
     <a:masterClrMapping/>
   </p:clrMapOvr>
   <p:transition>
-    <p:wipe dir="r"/>
+    <p:push dir="r"/>
   </p:transition>
   <p:timing>
     <p:tnLst>
@@ -11496,7 +11746,12 @@
             <p:ph type="ctrTitle"/>
           </p:nvPr>
         </p:nvSpPr>
-        <p:spPr/>
+        <p:spPr>
+          <a:xfrm>
+            <a:off x="300038" y="323832"/>
+            <a:ext cx="8843962" cy="533400"/>
+          </a:xfrm>
+        </p:spPr>
         <p:txBody>
           <a:bodyPr/>
           <a:lstStyle/>
@@ -11515,9 +11770,9 @@
                   <a:schemeClr val="tx1"/>
                 </a:solidFill>
               </a:rPr>
-              <a:t>FDIR SYSTEM representation</a:t>
-            </a:r>
-            <a:endParaRPr lang="fr-FR" sz="2800" dirty="0">
+              <a:t>Control system &amp; fault analyzer</a:t>
+            </a:r>
+            <a:endParaRPr lang="fr-FR" dirty="0">
               <a:solidFill>
                 <a:schemeClr val="tx1"/>
               </a:solidFill>
@@ -11941,13 +12196,182 @@
           </a:p>
         </p:txBody>
       </p:sp>
+      <p:pic>
+        <p:nvPicPr>
+          <p:cNvPr id="3074" name="Picture 2" descr="C:\Users\Benoit\Desktop\test2.jpg"/>
+          <p:cNvPicPr>
+            <a:picLocks noChangeAspect="1" noChangeArrowheads="1"/>
+          </p:cNvPicPr>
+          <p:nvPr/>
+        </p:nvPicPr>
+        <p:blipFill>
+          <a:blip r:embed="rId2">
+            <a:clrChange>
+              <a:clrFrom>
+                <a:srgbClr val="FFFFFF"/>
+              </a:clrFrom>
+              <a:clrTo>
+                <a:srgbClr val="FFFFFF">
+                  <a:alpha val="0"/>
+                </a:srgbClr>
+              </a:clrTo>
+            </a:clrChange>
+          </a:blip>
+          <a:srcRect r="42709"/>
+          <a:stretch>
+            <a:fillRect/>
+          </a:stretch>
+        </p:blipFill>
+        <p:spPr bwMode="auto">
+          <a:xfrm>
+            <a:off x="214282" y="1928802"/>
+            <a:ext cx="8696374" cy="4452952"/>
+          </a:xfrm>
+          <a:prstGeom prst="rect">
+            <a:avLst/>
+          </a:prstGeom>
+          <a:noFill/>
+        </p:spPr>
+      </p:pic>
+      <p:cxnSp>
+        <p:nvCxnSpPr>
+          <p:cNvPr id="10" name="Connecteur droit 9"/>
+          <p:cNvCxnSpPr/>
+          <p:nvPr/>
+        </p:nvCxnSpPr>
+        <p:spPr>
+          <a:xfrm rot="10800000" flipV="1">
+            <a:off x="1500166" y="2714620"/>
+            <a:ext cx="1785950" cy="285752"/>
+          </a:xfrm>
+          <a:prstGeom prst="line">
+            <a:avLst/>
+          </a:prstGeom>
+          <a:ln>
+            <a:prstDash val="dash"/>
+          </a:ln>
+        </p:spPr>
+        <p:style>
+          <a:lnRef idx="1">
+            <a:schemeClr val="accent1"/>
+          </a:lnRef>
+          <a:fillRef idx="0">
+            <a:schemeClr val="accent1"/>
+          </a:fillRef>
+          <a:effectRef idx="0">
+            <a:schemeClr val="accent1"/>
+          </a:effectRef>
+          <a:fontRef idx="minor">
+            <a:schemeClr val="tx1"/>
+          </a:fontRef>
+        </p:style>
+      </p:cxnSp>
+      <p:cxnSp>
+        <p:nvCxnSpPr>
+          <p:cNvPr id="11" name="Connecteur droit 10"/>
+          <p:cNvCxnSpPr/>
+          <p:nvPr/>
+        </p:nvCxnSpPr>
+        <p:spPr>
+          <a:xfrm rot="10800000">
+            <a:off x="1571604" y="4357694"/>
+            <a:ext cx="1785950" cy="357190"/>
+          </a:xfrm>
+          <a:prstGeom prst="line">
+            <a:avLst/>
+          </a:prstGeom>
+          <a:ln>
+            <a:prstDash val="dash"/>
+          </a:ln>
+        </p:spPr>
+        <p:style>
+          <a:lnRef idx="1">
+            <a:schemeClr val="accent1"/>
+          </a:lnRef>
+          <a:fillRef idx="0">
+            <a:schemeClr val="accent1"/>
+          </a:fillRef>
+          <a:effectRef idx="0">
+            <a:schemeClr val="accent1"/>
+          </a:effectRef>
+          <a:fontRef idx="minor">
+            <a:schemeClr val="tx1"/>
+          </a:fontRef>
+        </p:style>
+      </p:cxnSp>
+      <p:cxnSp>
+        <p:nvCxnSpPr>
+          <p:cNvPr id="13" name="Connecteur droit 12"/>
+          <p:cNvCxnSpPr/>
+          <p:nvPr/>
+        </p:nvCxnSpPr>
+        <p:spPr>
+          <a:xfrm rot="10800000">
+            <a:off x="5643570" y="2714620"/>
+            <a:ext cx="2428892" cy="857256"/>
+          </a:xfrm>
+          <a:prstGeom prst="line">
+            <a:avLst/>
+          </a:prstGeom>
+          <a:ln>
+            <a:prstDash val="dash"/>
+          </a:ln>
+        </p:spPr>
+        <p:style>
+          <a:lnRef idx="1">
+            <a:schemeClr val="accent1"/>
+          </a:lnRef>
+          <a:fillRef idx="0">
+            <a:schemeClr val="accent1"/>
+          </a:fillRef>
+          <a:effectRef idx="0">
+            <a:schemeClr val="accent1"/>
+          </a:effectRef>
+          <a:fontRef idx="minor">
+            <a:schemeClr val="tx1"/>
+          </a:fontRef>
+        </p:style>
+      </p:cxnSp>
+      <p:cxnSp>
+        <p:nvCxnSpPr>
+          <p:cNvPr id="15" name="Connecteur droit 14"/>
+          <p:cNvCxnSpPr/>
+          <p:nvPr/>
+        </p:nvCxnSpPr>
+        <p:spPr>
+          <a:xfrm rot="5400000">
+            <a:off x="4214810" y="5214950"/>
+            <a:ext cx="285752" cy="1588"/>
+          </a:xfrm>
+          <a:prstGeom prst="line">
+            <a:avLst/>
+          </a:prstGeom>
+          <a:ln>
+            <a:prstDash val="dash"/>
+          </a:ln>
+        </p:spPr>
+        <p:style>
+          <a:lnRef idx="1">
+            <a:schemeClr val="accent1"/>
+          </a:lnRef>
+          <a:fillRef idx="0">
+            <a:schemeClr val="accent1"/>
+          </a:fillRef>
+          <a:effectRef idx="0">
+            <a:schemeClr val="accent1"/>
+          </a:effectRef>
+          <a:fontRef idx="minor">
+            <a:schemeClr val="tx1"/>
+          </a:fontRef>
+        </p:style>
+      </p:cxnSp>
     </p:spTree>
   </p:cSld>
   <p:clrMapOvr>
     <a:masterClrMapping/>
   </p:clrMapOvr>
   <p:transition>
-    <p:wipe/>
+    <p:push/>
   </p:transition>
   <p:timing>
     <p:tnLst>
@@ -12005,7 +12429,7 @@
                   <a:schemeClr val="tx1"/>
                 </a:solidFill>
               </a:rPr>
-              <a:t>code sample</a:t>
+              <a:t>FDIR SYSTEM representation</a:t>
             </a:r>
             <a:endParaRPr lang="fr-FR" sz="2800" dirty="0">
               <a:solidFill>
@@ -12431,12 +12855,40 @@
           </a:p>
         </p:txBody>
       </p:sp>
+      <p:pic>
+        <p:nvPicPr>
+          <p:cNvPr id="1026" name="Picture 2" descr="C:\Users\Benoit\Desktop\trest.jpg"/>
+          <p:cNvPicPr>
+            <a:picLocks noChangeAspect="1" noChangeArrowheads="1"/>
+          </p:cNvPicPr>
+          <p:nvPr/>
+        </p:nvPicPr>
+        <p:blipFill>
+          <a:blip r:embed="rId2"/>
+          <a:srcRect/>
+          <a:stretch>
+            <a:fillRect/>
+          </a:stretch>
+        </p:blipFill>
+        <p:spPr bwMode="auto">
+          <a:xfrm>
+            <a:off x="342837" y="1000108"/>
+            <a:ext cx="8801163" cy="5500726"/>
+          </a:xfrm>
+          <a:prstGeom prst="rect">
+            <a:avLst/>
+          </a:prstGeom>
+          <a:noFill/>
+        </p:spPr>
+      </p:pic>
     </p:spTree>
   </p:cSld>
   <p:clrMapOvr>
     <a:masterClrMapping/>
   </p:clrMapOvr>
-  <p:transition/>
+  <p:transition>
+    <p:push dir="r"/>
+  </p:transition>
   <p:timing>
     <p:tnLst>
       <p:par>
@@ -12481,13 +12933,25 @@
           <a:p>
             <a:r>
               <a:rPr lang="fr-FR" dirty="0" smtClean="0"/>
-              <a:t>R</a:t>
+              <a:t>A</a:t>
             </a:r>
             <a:r>
               <a:rPr smtClean="0"/>
-              <a:t>equirements compliance</a:t>
-            </a:r>
-            <a:endParaRPr lang="fr-FR" dirty="0"/>
+              <a:t>rchitecture :  </a:t>
+            </a:r>
+            <a:r>
+              <a:rPr sz="2800" smtClean="0">
+                <a:solidFill>
+                  <a:schemeClr val="tx1"/>
+                </a:solidFill>
+              </a:rPr>
+              <a:t>code sample</a:t>
+            </a:r>
+            <a:endParaRPr lang="fr-FR" sz="2800" dirty="0">
+              <a:solidFill>
+                <a:schemeClr val="tx1"/>
+              </a:solidFill>
+            </a:endParaRPr>
           </a:p>
         </p:txBody>
       </p:sp>
@@ -12501,158 +12965,11 @@
             <p:ph type="body" sz="quarter" idx="10"/>
           </p:nvPr>
         </p:nvSpPr>
-        <p:spPr>
-          <a:xfrm>
-            <a:off x="285750" y="1285860"/>
-            <a:ext cx="8643968" cy="5286390"/>
-          </a:xfrm>
-        </p:spPr>
+        <p:spPr/>
         <p:txBody>
           <a:bodyPr/>
           <a:lstStyle/>
           <a:p>
-            <a:pPr eaLnBrk="1" hangingPunct="1">
-              <a:buFont typeface="Wingdings" charset="2"/>
-              <a:buChar char="q"/>
-            </a:pPr>
-            <a:r>
-              <a:rPr altLang="ko-KR" smtClean="0">
-                <a:ea typeface="굴림" charset="-127"/>
-              </a:rPr>
-              <a:t>Thanks to Publish/Subscribe pattern</a:t>
-            </a:r>
-          </a:p>
-          <a:p>
-            <a:pPr lvl="1" eaLnBrk="1" hangingPunct="1">
-              <a:buFont typeface="Wingdings" charset="2"/>
-              <a:buChar char="q"/>
-            </a:pPr>
-            <a:r>
-              <a:rPr altLang="ko-KR" smtClean="0">
-                <a:ea typeface="굴림" charset="-127"/>
-              </a:rPr>
-              <a:t>FDIR is a monitoring system involving several interaction between several componenets</a:t>
-            </a:r>
-          </a:p>
-          <a:p>
-            <a:pPr lvl="2" eaLnBrk="1" hangingPunct="1">
-              <a:buFont typeface="Arial" pitchFamily="34" charset="0"/>
-              <a:buChar char="•"/>
-            </a:pPr>
-            <a:r>
-              <a:rPr altLang="ko-KR" smtClean="0">
-                <a:ea typeface="굴림" charset="-127"/>
-              </a:rPr>
-              <a:t>Event-based architecture</a:t>
-            </a:r>
-          </a:p>
-          <a:p>
-            <a:pPr lvl="1" eaLnBrk="1" hangingPunct="1">
-              <a:buFont typeface="Wingdings" charset="2"/>
-              <a:buChar char="q"/>
-            </a:pPr>
-            <a:r>
-              <a:rPr altLang="ko-KR" smtClean="0">
-                <a:ea typeface="굴림" charset="-127"/>
-              </a:rPr>
-              <a:t>Publish/Suscribe architectural style meet the need of asynchronous communication</a:t>
-            </a:r>
-          </a:p>
-          <a:p>
-            <a:pPr lvl="1" eaLnBrk="1" hangingPunct="1">
-              <a:buFont typeface="Wingdings" charset="2"/>
-              <a:buChar char="q"/>
-            </a:pPr>
-            <a:r>
-              <a:rPr altLang="ko-KR" smtClean="0">
-                <a:ea typeface="굴림" charset="-127"/>
-              </a:rPr>
-              <a:t>The topic-based aspect allows us to focus on a limited number of kind of event </a:t>
-            </a:r>
-          </a:p>
-          <a:p>
-            <a:pPr lvl="2" eaLnBrk="1" hangingPunct="1">
-              <a:buFont typeface="Arial" pitchFamily="34" charset="0"/>
-              <a:buChar char="•"/>
-            </a:pPr>
-            <a:r>
-              <a:rPr altLang="ko-KR" smtClean="0">
-                <a:ea typeface="굴림" charset="-127"/>
-              </a:rPr>
-              <a:t>Control operation</a:t>
-            </a:r>
-          </a:p>
-          <a:p>
-            <a:pPr lvl="2" eaLnBrk="1" hangingPunct="1">
-              <a:buFont typeface="Arial" pitchFamily="34" charset="0"/>
-              <a:buChar char="•"/>
-            </a:pPr>
-            <a:r>
-              <a:rPr altLang="ko-KR" smtClean="0">
-                <a:ea typeface="굴림" charset="-127"/>
-              </a:rPr>
-              <a:t>Monitored values</a:t>
-            </a:r>
-          </a:p>
-          <a:p>
-            <a:pPr lvl="2" eaLnBrk="1" hangingPunct="1">
-              <a:buFont typeface="Arial" pitchFamily="34" charset="0"/>
-              <a:buChar char="•"/>
-            </a:pPr>
-            <a:r>
-              <a:rPr lang="fr-FR" altLang="ko-KR" dirty="0" smtClean="0">
-                <a:ea typeface="굴림" charset="-127"/>
-              </a:rPr>
-              <a:t>A</a:t>
-            </a:r>
-            <a:r>
-              <a:rPr altLang="ko-KR" smtClean="0">
-                <a:ea typeface="굴림" charset="-127"/>
-              </a:rPr>
-              <a:t>nalysis results</a:t>
-            </a:r>
-          </a:p>
-          <a:p>
-            <a:pPr lvl="2" eaLnBrk="1" hangingPunct="1">
-              <a:buFont typeface="Arial" pitchFamily="34" charset="0"/>
-              <a:buChar char="•"/>
-            </a:pPr>
-            <a:r>
-              <a:rPr lang="fr-FR" altLang="ko-KR" dirty="0" smtClean="0">
-                <a:ea typeface="굴림" charset="-127"/>
-              </a:rPr>
-              <a:t>R</a:t>
-            </a:r>
-            <a:r>
-              <a:rPr altLang="ko-KR" smtClean="0">
-                <a:ea typeface="굴림" charset="-127"/>
-              </a:rPr>
-              <a:t>eports</a:t>
-            </a:r>
-          </a:p>
-          <a:p>
-            <a:pPr lvl="2" eaLnBrk="1" hangingPunct="1">
-              <a:buFont typeface="Arial" pitchFamily="34" charset="0"/>
-              <a:buChar char="•"/>
-            </a:pPr>
-            <a:r>
-              <a:rPr altLang="ko-KR" smtClean="0">
-                <a:ea typeface="굴림" charset="-127"/>
-              </a:rPr>
-              <a:t>Etc.</a:t>
-            </a:r>
-          </a:p>
-          <a:p>
-            <a:pPr lvl="1" eaLnBrk="1" hangingPunct="1">
-              <a:buFont typeface="Wingdings" charset="2"/>
-              <a:buChar char="q"/>
-            </a:pPr>
-            <a:r>
-              <a:rPr altLang="ko-KR" smtClean="0">
-                <a:ea typeface="굴림" charset="-127"/>
-              </a:rPr>
-              <a:t>Publish and suscribe family is ready-to-be-used within ACME Studio tool</a:t>
-            </a:r>
             <a:endParaRPr lang="fr-FR" dirty="0"/>
           </a:p>
         </p:txBody>
@@ -12730,7 +13047,7 @@
         <p:spPr>
           <a:xfrm>
             <a:off x="2285984" y="0"/>
-            <a:ext cx="1588897" cy="276999"/>
+            <a:ext cx="1624163" cy="276999"/>
           </a:xfrm>
           <a:prstGeom prst="rect">
             <a:avLst/>
@@ -12763,29 +13080,17 @@
               <a:tabLst/>
             </a:pPr>
             <a:r>
-              <a:rPr lang="fr-FR" sz="1200" kern="0" dirty="0" smtClean="0">
-                <a:solidFill>
-                  <a:schemeClr val="tx1">
-                    <a:lumMod val="50000"/>
-                    <a:lumOff val="50000"/>
-                  </a:schemeClr>
-                </a:solidFill>
+              <a:rPr lang="fr-FR" sz="1200" b="1" u="sng" kern="0" dirty="0" smtClean="0">
                 <a:latin typeface="+mn-lt"/>
                 <a:cs typeface="+mn-cs"/>
               </a:rPr>
               <a:t>2</a:t>
             </a:r>
             <a:r>
-              <a:rPr kumimoji="0" lang="fr-FR" sz="1200" i="0" u="none" strike="noStrike" kern="0" cap="none" spc="0" normalizeH="0" baseline="0" noProof="0" dirty="0" smtClean="0">
+              <a:rPr kumimoji="0" lang="fr-FR" sz="1200" b="1" i="0" u="sng" strike="noStrike" kern="0" cap="none" spc="0" normalizeH="0" baseline="0" noProof="0" dirty="0" smtClean="0">
                 <a:ln>
                   <a:noFill/>
                 </a:ln>
-                <a:solidFill>
-                  <a:schemeClr val="tx1">
-                    <a:lumMod val="50000"/>
-                    <a:lumOff val="50000"/>
-                  </a:schemeClr>
-                </a:solidFill>
                 <a:effectLst/>
                 <a:uLnTx/>
                 <a:uFillTx/>
@@ -12807,7 +13112,7 @@
         <p:spPr>
           <a:xfrm>
             <a:off x="4429124" y="0"/>
-            <a:ext cx="1712328" cy="276999"/>
+            <a:ext cx="1672253" cy="276999"/>
           </a:xfrm>
           <a:prstGeom prst="rect">
             <a:avLst/>
@@ -12840,17 +13145,29 @@
               <a:tabLst/>
             </a:pPr>
             <a:r>
-              <a:rPr lang="fr-FR" sz="1200" b="1" u="sng" kern="0" dirty="0" smtClean="0">
+              <a:rPr lang="fr-FR" sz="1200" kern="0" dirty="0" smtClean="0">
+                <a:solidFill>
+                  <a:schemeClr val="tx1">
+                    <a:lumMod val="50000"/>
+                    <a:lumOff val="50000"/>
+                  </a:schemeClr>
+                </a:solidFill>
                 <a:latin typeface="+mn-lt"/>
                 <a:cs typeface="+mn-cs"/>
               </a:rPr>
               <a:t>3</a:t>
             </a:r>
             <a:r>
-              <a:rPr kumimoji="0" lang="fr-FR" sz="1200" b="1" i="0" u="sng" strike="noStrike" kern="0" cap="none" spc="0" normalizeH="0" baseline="0" noProof="0" dirty="0" smtClean="0">
+              <a:rPr kumimoji="0" lang="fr-FR" sz="1200" i="0" u="none" strike="noStrike" kern="0" cap="none" spc="0" normalizeH="0" baseline="0" noProof="0" dirty="0" smtClean="0">
                 <a:ln>
                   <a:noFill/>
                 </a:ln>
+                <a:solidFill>
+                  <a:schemeClr val="tx1">
+                    <a:lumMod val="50000"/>
+                    <a:lumOff val="50000"/>
+                  </a:schemeClr>
+                </a:solidFill>
                 <a:effectLst/>
                 <a:uLnTx/>
                 <a:uFillTx/>
@@ -12861,10 +13178,16 @@
               <a:t>. Architectural </a:t>
             </a:r>
             <a:r>
-              <a:rPr kumimoji="0" lang="fr-FR" sz="1200" b="1" i="0" u="sng" strike="noStrike" kern="0" cap="none" spc="0" normalizeH="0" baseline="0" noProof="0" dirty="0" err="1" smtClean="0">
+              <a:rPr kumimoji="0" lang="fr-FR" sz="1200" i="0" u="none" strike="noStrike" kern="0" cap="none" spc="0" normalizeH="0" baseline="0" noProof="0" dirty="0" err="1" smtClean="0">
                 <a:ln>
                   <a:noFill/>
                 </a:ln>
+                <a:solidFill>
+                  <a:schemeClr val="tx1">
+                    <a:lumMod val="50000"/>
+                    <a:lumOff val="50000"/>
+                  </a:schemeClr>
+                </a:solidFill>
                 <a:effectLst/>
                 <a:uLnTx/>
                 <a:uFillTx/>
@@ -12874,10 +13197,16 @@
               </a:rPr>
               <a:t>analysis</a:t>
             </a:r>
-            <a:endParaRPr kumimoji="0" lang="fr-FR" sz="1200" b="1" i="0" u="sng" strike="noStrike" kern="0" cap="none" spc="0" normalizeH="0" baseline="0" noProof="0" dirty="0" smtClean="0">
+            <a:endParaRPr kumimoji="0" lang="fr-FR" sz="1200" i="0" u="none" strike="noStrike" kern="0" cap="none" spc="0" normalizeH="0" baseline="0" noProof="0" dirty="0" smtClean="0">
               <a:ln>
                 <a:noFill/>
               </a:ln>
+              <a:solidFill>
+                <a:schemeClr val="tx1">
+                  <a:lumMod val="50000"/>
+                  <a:lumOff val="50000"/>
+                </a:schemeClr>
+              </a:solidFill>
               <a:effectLst/>
               <a:uLnTx/>
               <a:uFillTx/>
@@ -13042,11 +13371,45 @@
           </a:p>
         </p:txBody>
       </p:sp>
+      <p:pic>
+        <p:nvPicPr>
+          <p:cNvPr id="4098" name="Picture 2"/>
+          <p:cNvPicPr>
+            <a:picLocks noChangeAspect="1" noChangeArrowheads="1"/>
+          </p:cNvPicPr>
+          <p:nvPr/>
+        </p:nvPicPr>
+        <p:blipFill>
+          <a:blip r:embed="rId2"/>
+          <a:srcRect r="24202" b="5759"/>
+          <a:stretch>
+            <a:fillRect/>
+          </a:stretch>
+        </p:blipFill>
+        <p:spPr bwMode="auto">
+          <a:xfrm>
+            <a:off x="500034" y="928670"/>
+            <a:ext cx="8215370" cy="5742783"/>
+          </a:xfrm>
+          <a:prstGeom prst="rect">
+            <a:avLst/>
+          </a:prstGeom>
+          <a:noFill/>
+          <a:ln w="9525">
+            <a:noFill/>
+            <a:miter lim="800000"/>
+            <a:headEnd/>
+            <a:tailEnd/>
+          </a:ln>
+          <a:effectLst/>
+        </p:spPr>
+      </p:pic>
     </p:spTree>
   </p:cSld>
   <p:clrMapOvr>
     <a:masterClrMapping/>
   </p:clrMapOvr>
+  <p:transition/>
   <p:timing>
     <p:tnLst>
       <p:par>
@@ -13322,8 +13685,12 @@
           <a:lstStyle/>
           <a:p>
             <a:r>
+              <a:rPr lang="fr-FR" dirty="0" smtClean="0"/>
+              <a:t>R</a:t>
+            </a:r>
+            <a:r>
               <a:rPr smtClean="0"/>
-              <a:t>Requirements compliance (cont.)</a:t>
+              <a:t>equirements compliance</a:t>
             </a:r>
             <a:endParaRPr lang="fr-FR" dirty="0"/>
           </a:p>
@@ -13339,7 +13706,12 @@
             <p:ph type="body" sz="quarter" idx="10"/>
           </p:nvPr>
         </p:nvSpPr>
-        <p:spPr/>
+        <p:spPr>
+          <a:xfrm>
+            <a:off x="285750" y="1285860"/>
+            <a:ext cx="8643968" cy="5286390"/>
+          </a:xfrm>
+        </p:spPr>
         <p:txBody>
           <a:bodyPr/>
           <a:lstStyle/>
@@ -13349,10 +13721,10 @@
               <a:buChar char="q"/>
             </a:pPr>
             <a:r>
-              <a:rPr lang="en-US" altLang="ko-KR" dirty="0" smtClean="0">
+              <a:rPr altLang="ko-KR" smtClean="0">
                 <a:ea typeface="굴림" charset="-127"/>
               </a:rPr>
-              <a:t>FDIR system organization</a:t>
+              <a:t>Thanks to Publish/Subscribe pattern</a:t>
             </a:r>
           </a:p>
           <a:p>
@@ -13361,10 +13733,22 @@
               <a:buChar char="q"/>
             </a:pPr>
             <a:r>
-              <a:rPr lang="en-US" altLang="ko-KR" dirty="0" smtClean="0">
+              <a:rPr altLang="ko-KR" smtClean="0">
                 <a:ea typeface="굴림" charset="-127"/>
               </a:rPr>
-              <a:t>The layered fault analyzer and control system are better defined using a waterfall of publishers/subscribers</a:t>
+              <a:t>FDIR is a monitoring system involving several interaction between several componenets</a:t>
+            </a:r>
+          </a:p>
+          <a:p>
+            <a:pPr lvl="2" eaLnBrk="1" hangingPunct="1">
+              <a:buFont typeface="Arial" pitchFamily="34" charset="0"/>
+              <a:buChar char="•"/>
+            </a:pPr>
+            <a:r>
+              <a:rPr altLang="ko-KR" smtClean="0">
+                <a:ea typeface="굴림" charset="-127"/>
+              </a:rPr>
+              <a:t>Event-based architecture</a:t>
             </a:r>
           </a:p>
           <a:p>
@@ -13373,31 +13757,10 @@
               <a:buChar char="q"/>
             </a:pPr>
             <a:r>
-              <a:rPr lang="en-US" altLang="ko-KR" dirty="0" smtClean="0">
+              <a:rPr altLang="ko-KR" smtClean="0">
                 <a:ea typeface="굴림" charset="-127"/>
               </a:rPr>
-              <a:t>ACME studio allows us to clearly divide our architecture as we did with the overall model using representations</a:t>
-            </a:r>
-          </a:p>
-          <a:p>
-            <a:pPr eaLnBrk="1" hangingPunct="1">
-              <a:buFont typeface="Wingdings" charset="2"/>
-              <a:buChar char="q"/>
-            </a:pPr>
-            <a:endParaRPr lang="en-US" altLang="ko-KR" dirty="0" smtClean="0">
-              <a:ea typeface="굴림" charset="-127"/>
-            </a:endParaRPr>
-          </a:p>
-          <a:p>
-            <a:pPr eaLnBrk="1" hangingPunct="1">
-              <a:buFont typeface="Wingdings" charset="2"/>
-              <a:buChar char="q"/>
-            </a:pPr>
-            <a:r>
-              <a:rPr lang="en-US" altLang="ko-KR" dirty="0" smtClean="0">
-                <a:ea typeface="굴림" charset="-127"/>
-              </a:rPr>
-              <a:t>Utility tree</a:t>
+              <a:t>Publish/Suscribe architectural style meet the need of asynchronous communication</a:t>
             </a:r>
           </a:p>
           <a:p>
@@ -13406,16 +13769,82 @@
               <a:buChar char="q"/>
             </a:pPr>
             <a:r>
-              <a:rPr lang="en-US" altLang="ko-KR" b="1" dirty="0" smtClean="0">
+              <a:rPr altLang="ko-KR" smtClean="0">
                 <a:ea typeface="굴림" charset="-127"/>
               </a:rPr>
-              <a:t>Availability &amp; reliability </a:t>
-            </a:r>
-            <a:r>
-              <a:rPr lang="en-US" altLang="ko-KR" dirty="0" smtClean="0">
+              <a:t>The topic-based aspect allows us to focus on a limited number of kind of event </a:t>
+            </a:r>
+          </a:p>
+          <a:p>
+            <a:pPr lvl="2" eaLnBrk="1" hangingPunct="1">
+              <a:buFont typeface="Arial" pitchFamily="34" charset="0"/>
+              <a:buChar char="•"/>
+            </a:pPr>
+            <a:r>
+              <a:rPr altLang="ko-KR" smtClean="0">
                 <a:ea typeface="굴림" charset="-127"/>
               </a:rPr>
-              <a:t>are reached thanks to the loosed-coupling components in publish/subscribe architectural style</a:t>
+              <a:t>Control operation</a:t>
+            </a:r>
+          </a:p>
+          <a:p>
+            <a:pPr lvl="2" eaLnBrk="1" hangingPunct="1">
+              <a:buFont typeface="Arial" pitchFamily="34" charset="0"/>
+              <a:buChar char="•"/>
+            </a:pPr>
+            <a:r>
+              <a:rPr altLang="ko-KR" smtClean="0">
+                <a:ea typeface="굴림" charset="-127"/>
+              </a:rPr>
+              <a:t>Monitored values</a:t>
+            </a:r>
+          </a:p>
+          <a:p>
+            <a:pPr lvl="2" eaLnBrk="1" hangingPunct="1">
+              <a:buFont typeface="Arial" pitchFamily="34" charset="0"/>
+              <a:buChar char="•"/>
+            </a:pPr>
+            <a:r>
+              <a:rPr lang="fr-FR" altLang="ko-KR" dirty="0" smtClean="0">
+                <a:ea typeface="굴림" charset="-127"/>
+              </a:rPr>
+              <a:t>A</a:t>
+            </a:r>
+            <a:r>
+              <a:rPr altLang="ko-KR" smtClean="0">
+                <a:ea typeface="굴림" charset="-127"/>
+              </a:rPr>
+              <a:t>nalysis results</a:t>
+            </a:r>
+          </a:p>
+          <a:p>
+            <a:pPr lvl="2" eaLnBrk="1" hangingPunct="1">
+              <a:buFont typeface="Arial" pitchFamily="34" charset="0"/>
+              <a:buChar char="•"/>
+            </a:pPr>
+            <a:r>
+              <a:rPr lang="fr-FR" altLang="ko-KR" dirty="0" smtClean="0">
+                <a:ea typeface="굴림" charset="-127"/>
+              </a:rPr>
+              <a:t>R</a:t>
+            </a:r>
+            <a:r>
+              <a:rPr altLang="ko-KR" smtClean="0">
+                <a:ea typeface="굴림" charset="-127"/>
+              </a:rPr>
+              <a:t>eports</a:t>
+            </a:r>
+          </a:p>
+          <a:p>
+            <a:pPr lvl="2" eaLnBrk="1" hangingPunct="1">
+              <a:buFont typeface="Arial" pitchFamily="34" charset="0"/>
+              <a:buChar char="•"/>
+            </a:pPr>
+            <a:r>
+              <a:rPr altLang="ko-KR" smtClean="0">
+                <a:ea typeface="굴림" charset="-127"/>
+              </a:rPr>
+              <a:t>Etc.</a:t>
             </a:r>
           </a:p>
           <a:p>
@@ -13424,19 +13853,11 @@
               <a:buChar char="q"/>
             </a:pPr>
             <a:r>
-              <a:rPr lang="en-US" altLang="ko-KR" b="1" dirty="0" smtClean="0">
+              <a:rPr altLang="ko-KR" smtClean="0">
                 <a:ea typeface="굴림" charset="-127"/>
               </a:rPr>
-              <a:t>Recoverability &amp; reliability </a:t>
-            </a:r>
-            <a:r>
-              <a:rPr lang="en-US" altLang="ko-KR" dirty="0" smtClean="0">
-                <a:ea typeface="굴림" charset="-127"/>
-              </a:rPr>
-              <a:t>is respected thanks to the independence of entities (publishers &amp; subscribers) that can recover from failure while FDIR global system is still working</a:t>
-            </a:r>
-          </a:p>
-          <a:p>
+              <a:t>Publish and suscribe family is ready-to-be-used within ACME Studio tool</a:t>
+            </a:r>
             <a:endParaRPr lang="fr-FR" dirty="0"/>
           </a:p>
         </p:txBody>
@@ -13874,12 +14295,8 @@
           <a:lstStyle/>
           <a:p>
             <a:r>
-              <a:rPr lang="fr-FR" dirty="0" smtClean="0"/>
-              <a:t>A</a:t>
-            </a:r>
-            <a:r>
               <a:rPr smtClean="0"/>
-              <a:t>rchitectural design strenghs</a:t>
+              <a:t>Requirements compliance (cont.)</a:t>
             </a:r>
             <a:endParaRPr lang="fr-FR" dirty="0"/>
           </a:p>
@@ -13900,60 +14317,96 @@
           <a:bodyPr/>
           <a:lstStyle/>
           <a:p>
-            <a:r>
-              <a:rPr lang="en-US" dirty="0" smtClean="0"/>
-              <a:t>Loosely coupled</a:t>
-            </a:r>
-          </a:p>
-          <a:p>
-            <a:pPr lvl="1"/>
-            <a:r>
-              <a:rPr lang="en-US" dirty="0" smtClean="0"/>
-              <a:t>Publishers and Subscribers need not know of each other’s existence</a:t>
-            </a:r>
-          </a:p>
-          <a:p>
-            <a:pPr lvl="1"/>
-            <a:r>
-              <a:rPr lang="en-US" dirty="0" smtClean="0"/>
-              <a:t>They can also ignore system topology</a:t>
-            </a:r>
-          </a:p>
-          <a:p>
-            <a:pPr lvl="1"/>
-            <a:r>
-              <a:rPr lang="en-US" dirty="0" smtClean="0"/>
-              <a:t>Decoupling doesn’t work only location wise, but also temporally</a:t>
-            </a:r>
-          </a:p>
-          <a:p>
-            <a:pPr lvl="2"/>
-            <a:r>
-              <a:rPr lang="en-US" dirty="0" smtClean="0"/>
-              <a:t>Taking publishers down allows subscriber work through backlog for example</a:t>
-            </a:r>
-          </a:p>
-          <a:p>
-            <a:endParaRPr lang="en-US" dirty="0" smtClean="0"/>
-          </a:p>
-          <a:p>
-            <a:r>
-              <a:rPr lang="en-US" dirty="0" smtClean="0"/>
-              <a:t>Scalable</a:t>
-            </a:r>
-          </a:p>
-          <a:p>
-            <a:pPr lvl="1"/>
-            <a:r>
-              <a:rPr lang="en-US" dirty="0" smtClean="0"/>
-              <a:t>Provides better scalability then client-server architecture in smaller installations</a:t>
-            </a:r>
-          </a:p>
-          <a:p>
-            <a:pPr lvl="2"/>
-            <a:r>
-              <a:rPr lang="en-US" dirty="0" smtClean="0"/>
-              <a:t>Parallel operation, message caching, tree-based or network-based routing</a:t>
+            <a:pPr eaLnBrk="1" hangingPunct="1">
+              <a:buFont typeface="Wingdings" charset="2"/>
+              <a:buChar char="q"/>
+            </a:pPr>
+            <a:r>
+              <a:rPr lang="en-US" altLang="ko-KR" dirty="0" smtClean="0">
+                <a:ea typeface="굴림" charset="-127"/>
+              </a:rPr>
+              <a:t>FDIR system organization</a:t>
+            </a:r>
+          </a:p>
+          <a:p>
+            <a:pPr lvl="1" eaLnBrk="1" hangingPunct="1">
+              <a:buFont typeface="Wingdings" charset="2"/>
+              <a:buChar char="q"/>
+            </a:pPr>
+            <a:r>
+              <a:rPr lang="en-US" altLang="ko-KR" dirty="0" smtClean="0">
+                <a:ea typeface="굴림" charset="-127"/>
+              </a:rPr>
+              <a:t>The layered fault analyzer and control system are better defined using a waterfall of publishers/subscribers</a:t>
+            </a:r>
+          </a:p>
+          <a:p>
+            <a:pPr lvl="1" eaLnBrk="1" hangingPunct="1">
+              <a:buFont typeface="Wingdings" charset="2"/>
+              <a:buChar char="q"/>
+            </a:pPr>
+            <a:r>
+              <a:rPr lang="en-US" altLang="ko-KR" dirty="0" smtClean="0">
+                <a:ea typeface="굴림" charset="-127"/>
+              </a:rPr>
+              <a:t>ACME studio allows us to clearly divide our architecture as we did with the overall model using representations</a:t>
+            </a:r>
+          </a:p>
+          <a:p>
+            <a:pPr eaLnBrk="1" hangingPunct="1">
+              <a:buFont typeface="Wingdings" charset="2"/>
+              <a:buChar char="q"/>
+            </a:pPr>
+            <a:endParaRPr lang="en-US" altLang="ko-KR" dirty="0" smtClean="0">
+              <a:ea typeface="굴림" charset="-127"/>
+            </a:endParaRPr>
+          </a:p>
+          <a:p>
+            <a:pPr eaLnBrk="1" hangingPunct="1">
+              <a:buFont typeface="Wingdings" charset="2"/>
+              <a:buChar char="q"/>
+            </a:pPr>
+            <a:r>
+              <a:rPr lang="en-US" altLang="ko-KR" dirty="0" smtClean="0">
+                <a:ea typeface="굴림" charset="-127"/>
+              </a:rPr>
+              <a:t>Utility tree</a:t>
+            </a:r>
+          </a:p>
+          <a:p>
+            <a:pPr lvl="1" eaLnBrk="1" hangingPunct="1">
+              <a:buFont typeface="Wingdings" charset="2"/>
+              <a:buChar char="q"/>
+            </a:pPr>
+            <a:r>
+              <a:rPr lang="en-US" altLang="ko-KR" b="1" dirty="0" smtClean="0">
+                <a:ea typeface="굴림" charset="-127"/>
+              </a:rPr>
+              <a:t>Availability &amp; reliability </a:t>
+            </a:r>
+            <a:r>
+              <a:rPr lang="en-US" altLang="ko-KR" dirty="0" smtClean="0">
+                <a:ea typeface="굴림" charset="-127"/>
+              </a:rPr>
+              <a:t>are reached thanks to the loosed-coupling components in publish/subscribe architectural style</a:t>
+            </a:r>
+          </a:p>
+          <a:p>
+            <a:pPr lvl="1" eaLnBrk="1" hangingPunct="1">
+              <a:buFont typeface="Wingdings" charset="2"/>
+              <a:buChar char="q"/>
+            </a:pPr>
+            <a:r>
+              <a:rPr lang="en-US" altLang="ko-KR" b="1" dirty="0" smtClean="0">
+                <a:ea typeface="굴림" charset="-127"/>
+              </a:rPr>
+              <a:t>Recoverability &amp; reliability </a:t>
+            </a:r>
+            <a:r>
+              <a:rPr lang="en-US" altLang="ko-KR" dirty="0" smtClean="0">
+                <a:ea typeface="굴림" charset="-127"/>
+              </a:rPr>
+              <a:t>is respected thanks to the independence of entities (publishers &amp; subscribers) that can recover from failure while FDIR global system is still working</a:t>
             </a:r>
           </a:p>
           <a:p>
@@ -14388,19 +14841,18 @@
             <p:ph type="ctrTitle"/>
           </p:nvPr>
         </p:nvSpPr>
-        <p:spPr>
-          <a:xfrm>
-            <a:off x="300038" y="323832"/>
-            <a:ext cx="8843962" cy="533400"/>
-          </a:xfrm>
-        </p:spPr>
+        <p:spPr/>
         <p:txBody>
           <a:bodyPr/>
           <a:lstStyle/>
           <a:p>
             <a:r>
+              <a:rPr lang="fr-FR" dirty="0" smtClean="0"/>
+              <a:t>A</a:t>
+            </a:r>
+            <a:r>
               <a:rPr smtClean="0"/>
-              <a:t>Architectural design weaknesses</a:t>
+              <a:t>rchitectural design strenghs</a:t>
             </a:r>
             <a:endParaRPr lang="fr-FR" dirty="0"/>
           </a:p>
@@ -14421,74 +14873,64 @@
           <a:bodyPr/>
           <a:lstStyle/>
           <a:p>
-            <a:pPr lvl="0"/>
-            <a:r>
-              <a:rPr lang="en-US" dirty="0" smtClean="0">
-                <a:solidFill>
-                  <a:prstClr val="black"/>
-                </a:solidFill>
-              </a:rPr>
-              <a:t>Disadvantages also stem from decoupling of publishers from subscribers</a:t>
+            <a:r>
+              <a:rPr lang="en-US" dirty="0" smtClean="0"/>
+              <a:t>Loosely coupled</a:t>
             </a:r>
           </a:p>
           <a:p>
             <a:pPr lvl="1"/>
             <a:r>
-              <a:rPr lang="en-US" dirty="0" smtClean="0">
-                <a:solidFill>
-                  <a:prstClr val="black">
-                    <a:lumMod val="75000"/>
-                    <a:lumOff val="25000"/>
-                  </a:prstClr>
-                </a:solidFill>
-              </a:rPr>
-              <a:t>Stronger guarantees cannot be given that messages would always be delivered</a:t>
+              <a:rPr lang="en-US" dirty="0" smtClean="0"/>
+              <a:t>Publishers and Subscribers need not know of each other’s existence</a:t>
             </a:r>
           </a:p>
           <a:p>
             <a:pPr lvl="1"/>
             <a:r>
-              <a:rPr lang="en-US" dirty="0" smtClean="0">
-                <a:solidFill>
-                  <a:prstClr val="black">
-                    <a:lumMod val="75000"/>
-                    <a:lumOff val="25000"/>
-                  </a:prstClr>
-                </a:solidFill>
-              </a:rPr>
-              <a:t>Another problem can arise if publishers assume that subscribers are listening. For example if error messages are logged by the subscriber and the subscriber crashes message from the publishers will be lost</a:t>
-            </a:r>
-          </a:p>
-          <a:p>
-            <a:endParaRPr lang="en-US" dirty="0" smtClean="0">
-              <a:solidFill>
-                <a:prstClr val="black"/>
-              </a:solidFill>
-            </a:endParaRPr>
-          </a:p>
-          <a:p>
-            <a:r>
-              <a:rPr lang="en-US" dirty="0" smtClean="0">
-                <a:solidFill>
-                  <a:prstClr val="black"/>
-                </a:solidFill>
-              </a:rPr>
-              <a:t>The technology scales poorly when systems become extensively large</a:t>
+              <a:rPr lang="en-US" dirty="0" smtClean="0"/>
+              <a:t>They can also ignore system topology</a:t>
             </a:r>
           </a:p>
           <a:p>
             <a:pPr lvl="1"/>
             <a:r>
-              <a:rPr lang="en-US" dirty="0" smtClean="0">
-                <a:solidFill>
-                  <a:prstClr val="black">
-                    <a:lumMod val="75000"/>
-                    <a:lumOff val="25000"/>
-                  </a:prstClr>
-                </a:solidFill>
-              </a:rPr>
-              <a:t>Could manifest in instabilities in throughput, or slowdowns</a:t>
-            </a:r>
+              <a:rPr lang="en-US" dirty="0" smtClean="0"/>
+              <a:t>Decoupling doesn’t work only location wise, but also temporally</a:t>
+            </a:r>
+          </a:p>
+          <a:p>
+            <a:pPr lvl="2"/>
+            <a:r>
+              <a:rPr lang="en-US" dirty="0" smtClean="0"/>
+              <a:t>Taking publishers down allows subscriber work through backlog for example</a:t>
+            </a:r>
+          </a:p>
+          <a:p>
+            <a:endParaRPr lang="en-US" dirty="0" smtClean="0"/>
+          </a:p>
+          <a:p>
+            <a:r>
+              <a:rPr lang="en-US" dirty="0" smtClean="0"/>
+              <a:t>Scalable</a:t>
+            </a:r>
+          </a:p>
+          <a:p>
+            <a:pPr lvl="1"/>
+            <a:r>
+              <a:rPr lang="en-US" dirty="0" smtClean="0"/>
+              <a:t>Provides better scalability then client-server architecture in smaller installations</a:t>
+            </a:r>
+          </a:p>
+          <a:p>
+            <a:pPr lvl="2"/>
+            <a:r>
+              <a:rPr lang="en-US" dirty="0" smtClean="0"/>
+              <a:t>Parallel operation, message caching, tree-based or network-based routing</a:t>
+            </a:r>
+          </a:p>
+          <a:p>
+            <a:endParaRPr lang="fr-FR" dirty="0"/>
           </a:p>
         </p:txBody>
       </p:sp>
@@ -14882,6 +15324,13 @@
   <p:clrMapOvr>
     <a:masterClrMapping/>
   </p:clrMapOvr>
+  <p:timing>
+    <p:tnLst>
+      <p:par>
+        <p:cTn id="1" dur="indefinite" restart="never" nodeType="tmRoot"/>
+      </p:par>
+    </p:tnLst>
+  </p:timing>
 </p:sld>
 </file>
 
@@ -14912,18 +15361,19 @@
             <p:ph type="ctrTitle"/>
           </p:nvPr>
         </p:nvSpPr>
-        <p:spPr/>
+        <p:spPr>
+          <a:xfrm>
+            <a:off x="300038" y="323832"/>
+            <a:ext cx="8843962" cy="533400"/>
+          </a:xfrm>
+        </p:spPr>
         <p:txBody>
           <a:bodyPr/>
           <a:lstStyle/>
           <a:p>
             <a:r>
               <a:rPr smtClean="0"/>
-              <a:t>Architectural </a:t>
-            </a:r>
-            <a:r>
-              <a:rPr smtClean="0"/>
-              <a:t>type comparisons</a:t>
+              <a:t>Architectural design weaknesses</a:t>
             </a:r>
             <a:endParaRPr lang="fr-FR" dirty="0"/>
           </a:p>
@@ -14951,7 +15401,7 @@
                   <a:prstClr val="black"/>
                 </a:solidFill>
               </a:rPr>
-              <a:t>In-band message broadcasting can lead to security problems</a:t>
+              <a:t>Disadvantages also stem from decoupling of publishers from subscribers</a:t>
             </a:r>
           </a:p>
           <a:p>
@@ -14965,10 +15415,13 @@
                   </a:prstClr>
                 </a:solidFill>
               </a:rPr>
-              <a:t>Brokers might be fooled into sending notifications to the wrong client leading to potential </a:t>
-            </a:r>
-            <a:r>
-              <a:rPr lang="en-US" dirty="0" err="1" smtClean="0">
+              <a:t>Stronger guarantees cannot be given that messages would always be delivered</a:t>
+            </a:r>
+          </a:p>
+          <a:p>
+            <a:pPr lvl="1"/>
+            <a:r>
+              <a:rPr lang="en-US" dirty="0" smtClean="0">
                 <a:solidFill>
                   <a:prstClr val="black">
                     <a:lumMod val="75000"/>
@@ -14976,8 +15429,28 @@
                   </a:prstClr>
                 </a:solidFill>
               </a:rPr>
-              <a:t>DoS</a:t>
-            </a:r>
+              <a:t>Another problem can arise if publishers assume that subscribers are listening. For example if error messages are logged by the subscriber and the subscriber crashes message from the publishers will be lost</a:t>
+            </a:r>
+          </a:p>
+          <a:p>
+            <a:endParaRPr lang="en-US" dirty="0" smtClean="0">
+              <a:solidFill>
+                <a:prstClr val="black"/>
+              </a:solidFill>
+            </a:endParaRPr>
+          </a:p>
+          <a:p>
+            <a:r>
+              <a:rPr lang="en-US" dirty="0" smtClean="0">
+                <a:solidFill>
+                  <a:prstClr val="black"/>
+                </a:solidFill>
+              </a:rPr>
+              <a:t>The technology scales poorly when systems become extensively large</a:t>
+            </a:r>
+          </a:p>
+          <a:p>
+            <a:pPr lvl="1"/>
             <a:r>
               <a:rPr lang="en-US" dirty="0" smtClean="0">
                 <a:solidFill>
@@ -14987,7 +15460,478 @@
                   </a:prstClr>
                 </a:solidFill>
               </a:rPr>
-              <a:t> attacks</a:t>
+              <a:t>Could manifest in instabilities in throughput, or slowdowns</a:t>
+            </a:r>
+          </a:p>
+        </p:txBody>
+      </p:sp>
+      <p:sp>
+        <p:nvSpPr>
+          <p:cNvPr id="4" name="ZoneTexte 3"/>
+          <p:cNvSpPr txBox="1"/>
+          <p:nvPr/>
+        </p:nvSpPr>
+        <p:spPr>
+          <a:xfrm>
+            <a:off x="565503" y="0"/>
+            <a:ext cx="1077539" cy="276999"/>
+          </a:xfrm>
+          <a:prstGeom prst="rect">
+            <a:avLst/>
+          </a:prstGeom>
+          <a:noFill/>
+          <a:ln>
+            <a:noFill/>
+          </a:ln>
+        </p:spPr>
+        <p:txBody>
+          <a:bodyPr wrap="none" rtlCol="0">
+            <a:spAutoFit/>
+          </a:bodyPr>
+          <a:lstStyle/>
+          <a:p>
+            <a:pPr marL="0" marR="0" indent="0" algn="l" defTabSz="914400" rtl="0" eaLnBrk="1" fontAlgn="auto" latinLnBrk="0" hangingPunct="1">
+              <a:lnSpc>
+                <a:spcPct val="100000"/>
+              </a:lnSpc>
+              <a:spcBef>
+                <a:spcPct val="20000"/>
+              </a:spcBef>
+              <a:spcAft>
+                <a:spcPts val="0"/>
+              </a:spcAft>
+              <a:buClrTx/>
+              <a:buSzTx/>
+              <a:buFontTx/>
+              <a:buNone/>
+              <a:tabLst/>
+            </a:pPr>
+            <a:r>
+              <a:rPr kumimoji="0" lang="fr-FR" sz="1200" i="0" u="none" strike="noStrike" kern="0" cap="none" spc="0" normalizeH="0" baseline="0" noProof="0" dirty="0" smtClean="0">
+                <a:ln>
+                  <a:noFill/>
+                </a:ln>
+                <a:solidFill>
+                  <a:schemeClr val="tx1">
+                    <a:lumMod val="50000"/>
+                    <a:lumOff val="50000"/>
+                  </a:schemeClr>
+                </a:solidFill>
+                <a:effectLst/>
+                <a:uLnTx/>
+                <a:uFillTx/>
+                <a:latin typeface="+mn-lt"/>
+                <a:ea typeface="+mn-ea"/>
+                <a:cs typeface="+mn-cs"/>
+              </a:rPr>
+              <a:t>1. Background</a:t>
+            </a:r>
+          </a:p>
+        </p:txBody>
+      </p:sp>
+      <p:sp>
+        <p:nvSpPr>
+          <p:cNvPr id="5" name="ZoneTexte 4"/>
+          <p:cNvSpPr txBox="1"/>
+          <p:nvPr/>
+        </p:nvSpPr>
+        <p:spPr>
+          <a:xfrm>
+            <a:off x="2285984" y="0"/>
+            <a:ext cx="1588897" cy="276999"/>
+          </a:xfrm>
+          <a:prstGeom prst="rect">
+            <a:avLst/>
+          </a:prstGeom>
+          <a:noFill/>
+          <a:ln>
+            <a:noFill/>
+          </a:ln>
+        </p:spPr>
+        <p:txBody>
+          <a:bodyPr wrap="none" rtlCol="0">
+            <a:spAutoFit/>
+          </a:bodyPr>
+          <a:lstStyle/>
+          <a:p>
+            <a:pPr marL="0" marR="0" indent="0" algn="l" defTabSz="914400" rtl="0" eaLnBrk="1" fontAlgn="auto" latinLnBrk="0" hangingPunct="1">
+              <a:lnSpc>
+                <a:spcPct val="100000"/>
+              </a:lnSpc>
+              <a:spcBef>
+                <a:spcPct val="20000"/>
+              </a:spcBef>
+              <a:spcAft>
+                <a:spcPts val="0"/>
+              </a:spcAft>
+              <a:buClrTx/>
+              <a:buSzTx/>
+              <a:buFontTx/>
+              <a:buNone/>
+              <a:tabLst/>
+            </a:pPr>
+            <a:r>
+              <a:rPr lang="fr-FR" sz="1200" kern="0" dirty="0" smtClean="0">
+                <a:solidFill>
+                  <a:schemeClr val="tx1">
+                    <a:lumMod val="50000"/>
+                    <a:lumOff val="50000"/>
+                  </a:schemeClr>
+                </a:solidFill>
+                <a:latin typeface="+mn-lt"/>
+                <a:cs typeface="+mn-cs"/>
+              </a:rPr>
+              <a:t>2</a:t>
+            </a:r>
+            <a:r>
+              <a:rPr kumimoji="0" lang="fr-FR" sz="1200" i="0" u="none" strike="noStrike" kern="0" cap="none" spc="0" normalizeH="0" baseline="0" noProof="0" dirty="0" smtClean="0">
+                <a:ln>
+                  <a:noFill/>
+                </a:ln>
+                <a:solidFill>
+                  <a:schemeClr val="tx1">
+                    <a:lumMod val="50000"/>
+                    <a:lumOff val="50000"/>
+                  </a:schemeClr>
+                </a:solidFill>
+                <a:effectLst/>
+                <a:uLnTx/>
+                <a:uFillTx/>
+                <a:latin typeface="+mn-lt"/>
+                <a:ea typeface="+mn-ea"/>
+                <a:cs typeface="+mn-cs"/>
+              </a:rPr>
+              <a:t>. Architectural design</a:t>
+            </a:r>
+          </a:p>
+        </p:txBody>
+      </p:sp>
+      <p:sp>
+        <p:nvSpPr>
+          <p:cNvPr id="6" name="ZoneTexte 5"/>
+          <p:cNvSpPr txBox="1"/>
+          <p:nvPr/>
+        </p:nvSpPr>
+        <p:spPr>
+          <a:xfrm>
+            <a:off x="4429124" y="0"/>
+            <a:ext cx="1712328" cy="276999"/>
+          </a:xfrm>
+          <a:prstGeom prst="rect">
+            <a:avLst/>
+          </a:prstGeom>
+          <a:noFill/>
+          <a:ln>
+            <a:noFill/>
+          </a:ln>
+        </p:spPr>
+        <p:txBody>
+          <a:bodyPr wrap="none" rtlCol="0">
+            <a:spAutoFit/>
+          </a:bodyPr>
+          <a:lstStyle/>
+          <a:p>
+            <a:pPr marL="0" marR="0" indent="0" algn="l" defTabSz="914400" rtl="0" eaLnBrk="1" fontAlgn="auto" latinLnBrk="0" hangingPunct="1">
+              <a:lnSpc>
+                <a:spcPct val="100000"/>
+              </a:lnSpc>
+              <a:spcBef>
+                <a:spcPct val="20000"/>
+              </a:spcBef>
+              <a:spcAft>
+                <a:spcPts val="0"/>
+              </a:spcAft>
+              <a:buClrTx/>
+              <a:buSzTx/>
+              <a:buFontTx/>
+              <a:buNone/>
+              <a:tabLst/>
+            </a:pPr>
+            <a:r>
+              <a:rPr lang="fr-FR" sz="1200" b="1" u="sng" kern="0" dirty="0" smtClean="0">
+                <a:latin typeface="+mn-lt"/>
+                <a:cs typeface="+mn-cs"/>
+              </a:rPr>
+              <a:t>3</a:t>
+            </a:r>
+            <a:r>
+              <a:rPr kumimoji="0" lang="fr-FR" sz="1200" b="1" i="0" u="sng" strike="noStrike" kern="0" cap="none" spc="0" normalizeH="0" baseline="0" noProof="0" dirty="0" smtClean="0">
+                <a:ln>
+                  <a:noFill/>
+                </a:ln>
+                <a:effectLst/>
+                <a:uLnTx/>
+                <a:uFillTx/>
+                <a:latin typeface="+mn-lt"/>
+                <a:ea typeface="+mn-ea"/>
+                <a:cs typeface="+mn-cs"/>
+              </a:rPr>
+              <a:t>. Architectural </a:t>
+            </a:r>
+            <a:r>
+              <a:rPr kumimoji="0" lang="fr-FR" sz="1200" b="1" i="0" u="sng" strike="noStrike" kern="0" cap="none" spc="0" normalizeH="0" baseline="0" noProof="0" dirty="0" err="1" smtClean="0">
+                <a:ln>
+                  <a:noFill/>
+                </a:ln>
+                <a:effectLst/>
+                <a:uLnTx/>
+                <a:uFillTx/>
+                <a:latin typeface="+mn-lt"/>
+                <a:ea typeface="+mn-ea"/>
+                <a:cs typeface="+mn-cs"/>
+              </a:rPr>
+              <a:t>analysis</a:t>
+            </a:r>
+            <a:endParaRPr kumimoji="0" lang="fr-FR" sz="1200" b="1" i="0" u="sng" strike="noStrike" kern="0" cap="none" spc="0" normalizeH="0" baseline="0" noProof="0" dirty="0" smtClean="0">
+              <a:ln>
+                <a:noFill/>
+              </a:ln>
+              <a:effectLst/>
+              <a:uLnTx/>
+              <a:uFillTx/>
+              <a:latin typeface="+mn-lt"/>
+              <a:ea typeface="+mn-ea"/>
+              <a:cs typeface="+mn-cs"/>
+            </a:endParaRPr>
+          </a:p>
+        </p:txBody>
+      </p:sp>
+      <p:sp>
+        <p:nvSpPr>
+          <p:cNvPr id="7" name="ZoneTexte 6"/>
+          <p:cNvSpPr txBox="1"/>
+          <p:nvPr/>
+        </p:nvSpPr>
+        <p:spPr>
+          <a:xfrm>
+            <a:off x="6715140" y="0"/>
+            <a:ext cx="1348446" cy="276999"/>
+          </a:xfrm>
+          <a:prstGeom prst="rect">
+            <a:avLst/>
+          </a:prstGeom>
+          <a:noFill/>
+          <a:ln>
+            <a:noFill/>
+          </a:ln>
+        </p:spPr>
+        <p:txBody>
+          <a:bodyPr wrap="none" rtlCol="0">
+            <a:spAutoFit/>
+          </a:bodyPr>
+          <a:lstStyle/>
+          <a:p>
+            <a:pPr marL="0" marR="0" indent="0" algn="l" defTabSz="914400" rtl="0" eaLnBrk="1" fontAlgn="auto" latinLnBrk="0" hangingPunct="1">
+              <a:lnSpc>
+                <a:spcPct val="100000"/>
+              </a:lnSpc>
+              <a:spcBef>
+                <a:spcPct val="20000"/>
+              </a:spcBef>
+              <a:spcAft>
+                <a:spcPts val="0"/>
+              </a:spcAft>
+              <a:buClrTx/>
+              <a:buSzTx/>
+              <a:buFontTx/>
+              <a:buNone/>
+              <a:tabLst/>
+            </a:pPr>
+            <a:r>
+              <a:rPr lang="fr-FR" sz="1200" kern="0" dirty="0" smtClean="0">
+                <a:solidFill>
+                  <a:schemeClr val="tx1">
+                    <a:lumMod val="50000"/>
+                    <a:lumOff val="50000"/>
+                  </a:schemeClr>
+                </a:solidFill>
+                <a:latin typeface="+mn-lt"/>
+                <a:cs typeface="+mn-cs"/>
+              </a:rPr>
+              <a:t>4</a:t>
+            </a:r>
+            <a:r>
+              <a:rPr kumimoji="0" lang="fr-FR" sz="1200" i="0" u="none" strike="noStrike" kern="0" cap="none" spc="0" normalizeH="0" baseline="0" noProof="0" dirty="0" smtClean="0">
+                <a:ln>
+                  <a:noFill/>
+                </a:ln>
+                <a:solidFill>
+                  <a:schemeClr val="tx1">
+                    <a:lumMod val="50000"/>
+                    <a:lumOff val="50000"/>
+                  </a:schemeClr>
+                </a:solidFill>
+                <a:effectLst/>
+                <a:uLnTx/>
+                <a:uFillTx/>
+                <a:latin typeface="+mn-lt"/>
+                <a:ea typeface="+mn-ea"/>
+                <a:cs typeface="+mn-cs"/>
+              </a:rPr>
+              <a:t>. </a:t>
+            </a:r>
+            <a:r>
+              <a:rPr kumimoji="0" lang="fr-FR" sz="1200" i="0" u="none" strike="noStrike" kern="0" cap="none" spc="0" normalizeH="0" baseline="0" noProof="0" dirty="0" err="1" smtClean="0">
+                <a:ln>
+                  <a:noFill/>
+                </a:ln>
+                <a:solidFill>
+                  <a:schemeClr val="tx1">
+                    <a:lumMod val="50000"/>
+                    <a:lumOff val="50000"/>
+                  </a:schemeClr>
+                </a:solidFill>
+                <a:effectLst/>
+                <a:uLnTx/>
+                <a:uFillTx/>
+                <a:latin typeface="+mn-lt"/>
+                <a:ea typeface="+mn-ea"/>
+                <a:cs typeface="+mn-cs"/>
+              </a:rPr>
+              <a:t>Remaining</a:t>
+            </a:r>
+            <a:r>
+              <a:rPr kumimoji="0" lang="fr-FR" sz="1200" i="0" u="none" strike="noStrike" kern="0" cap="none" spc="0" normalizeH="0" baseline="0" noProof="0" dirty="0" smtClean="0">
+                <a:ln>
+                  <a:noFill/>
+                </a:ln>
+                <a:solidFill>
+                  <a:schemeClr val="tx1">
+                    <a:lumMod val="50000"/>
+                    <a:lumOff val="50000"/>
+                  </a:schemeClr>
+                </a:solidFill>
+                <a:effectLst/>
+                <a:uLnTx/>
+                <a:uFillTx/>
+                <a:latin typeface="+mn-lt"/>
+                <a:ea typeface="+mn-ea"/>
+                <a:cs typeface="+mn-cs"/>
+              </a:rPr>
+              <a:t> </a:t>
+            </a:r>
+            <a:r>
+              <a:rPr kumimoji="0" lang="fr-FR" sz="1200" i="0" u="none" strike="noStrike" kern="0" cap="none" spc="0" normalizeH="0" baseline="0" noProof="0" dirty="0" err="1" smtClean="0">
+                <a:ln>
+                  <a:noFill/>
+                </a:ln>
+                <a:solidFill>
+                  <a:schemeClr val="tx1">
+                    <a:lumMod val="50000"/>
+                    <a:lumOff val="50000"/>
+                  </a:schemeClr>
+                </a:solidFill>
+                <a:effectLst/>
+                <a:uLnTx/>
+                <a:uFillTx/>
+                <a:latin typeface="+mn-lt"/>
+                <a:ea typeface="+mn-ea"/>
+                <a:cs typeface="+mn-cs"/>
+              </a:rPr>
+              <a:t>work</a:t>
+            </a:r>
+            <a:endParaRPr kumimoji="0" lang="fr-FR" sz="1200" i="0" u="none" strike="noStrike" kern="0" cap="none" spc="0" normalizeH="0" baseline="0" noProof="0" dirty="0" smtClean="0">
+              <a:ln>
+                <a:noFill/>
+              </a:ln>
+              <a:solidFill>
+                <a:schemeClr val="tx1">
+                  <a:lumMod val="50000"/>
+                  <a:lumOff val="50000"/>
+                </a:schemeClr>
+              </a:solidFill>
+              <a:effectLst/>
+              <a:uLnTx/>
+              <a:uFillTx/>
+              <a:latin typeface="+mn-lt"/>
+              <a:ea typeface="+mn-ea"/>
+              <a:cs typeface="+mn-cs"/>
+            </a:endParaRPr>
+          </a:p>
+        </p:txBody>
+      </p:sp>
+    </p:spTree>
+  </p:cSld>
+  <p:clrMapOvr>
+    <a:masterClrMapping/>
+  </p:clrMapOvr>
+  <p:timing>
+    <p:tnLst>
+      <p:par>
+        <p:cTn id="1" dur="indefinite" restart="never" nodeType="tmRoot"/>
+      </p:par>
+    </p:tnLst>
+  </p:timing>
+</p:sld>
+</file>
+
+<file path=ppt/slides/slide24.xml><?xml version="1.0" encoding="utf-8"?>
+<p:sld xmlns:a="http://schemas.openxmlformats.org/drawingml/2006/main" xmlns:r="http://schemas.openxmlformats.org/officeDocument/2006/relationships" xmlns:p="http://schemas.openxmlformats.org/presentationml/2006/main">
+  <p:cSld>
+    <p:spTree>
+      <p:nvGrpSpPr>
+        <p:cNvPr id="1" name=""/>
+        <p:cNvGrpSpPr/>
+        <p:nvPr/>
+      </p:nvGrpSpPr>
+      <p:grpSpPr>
+        <a:xfrm>
+          <a:off x="0" y="0"/>
+          <a:ext cx="0" cy="0"/>
+          <a:chOff x="0" y="0"/>
+          <a:chExt cx="0" cy="0"/>
+        </a:xfrm>
+      </p:grpSpPr>
+      <p:sp>
+        <p:nvSpPr>
+          <p:cNvPr id="2" name="Titre 1"/>
+          <p:cNvSpPr>
+            <a:spLocks noGrp="1"/>
+          </p:cNvSpPr>
+          <p:nvPr>
+            <p:ph type="ctrTitle"/>
+          </p:nvPr>
+        </p:nvSpPr>
+        <p:spPr/>
+        <p:txBody>
+          <a:bodyPr/>
+          <a:lstStyle/>
+          <a:p>
+            <a:r>
+              <a:rPr smtClean="0"/>
+              <a:t>Architectural type </a:t>
+            </a:r>
+            <a:r>
+              <a:rPr smtClean="0"/>
+              <a:t>WEAKNESSES (CONT.)</a:t>
+            </a:r>
+            <a:endParaRPr lang="fr-FR" dirty="0"/>
+          </a:p>
+        </p:txBody>
+      </p:sp>
+      <p:sp>
+        <p:nvSpPr>
+          <p:cNvPr id="3" name="Espace réservé du texte 2"/>
+          <p:cNvSpPr>
+            <a:spLocks noGrp="1"/>
+          </p:cNvSpPr>
+          <p:nvPr>
+            <p:ph type="body" sz="quarter" idx="10"/>
+          </p:nvPr>
+        </p:nvSpPr>
+        <p:spPr/>
+        <p:txBody>
+          <a:bodyPr/>
+          <a:lstStyle/>
+          <a:p>
+            <a:pPr lvl="0"/>
+            <a:r>
+              <a:rPr lang="en-US" dirty="0" smtClean="0">
+                <a:solidFill>
+                  <a:prstClr val="black"/>
+                </a:solidFill>
+              </a:rPr>
+              <a:t>In-band message broadcasting can lead to security problems</a:t>
             </a:r>
           </a:p>
           <a:p>
@@ -15001,13 +15945,10 @@
                   </a:prstClr>
                 </a:solidFill>
               </a:rPr>
-              <a:t>Brokers could be overloaded as well</a:t>
-            </a:r>
-          </a:p>
-          <a:p>
-            <a:pPr lvl="1"/>
-            <a:r>
-              <a:rPr lang="en-US" dirty="0" smtClean="0">
+              <a:t>Brokers might be fooled into sending notifications to the wrong client leading to potential </a:t>
+            </a:r>
+            <a:r>
+              <a:rPr lang="en-US" dirty="0" err="1" smtClean="0">
                 <a:solidFill>
                   <a:prstClr val="black">
                     <a:lumMod val="75000"/>
@@ -15015,10 +15956,10 @@
                   </a:prstClr>
                 </a:solidFill>
               </a:rPr>
-              <a:t>Subscriber might be able to receive data that is </a:t>
-            </a:r>
-            <a:r>
-              <a:rPr lang="en-US" dirty="0" err="1" smtClean="0">
+              <a:t>DoS</a:t>
+            </a:r>
+            <a:r>
+              <a:rPr lang="en-US" dirty="0" smtClean="0">
                 <a:solidFill>
                   <a:prstClr val="black">
                     <a:lumMod val="75000"/>
@@ -15026,8 +15967,11 @@
                   </a:prstClr>
                 </a:solidFill>
               </a:rPr>
-              <a:t>is</a:t>
-            </a:r>
+              <a:t> attacks</a:t>
+            </a:r>
+          </a:p>
+          <a:p>
+            <a:pPr lvl="1"/>
             <a:r>
               <a:rPr lang="en-US" dirty="0" smtClean="0">
                 <a:solidFill>
@@ -15037,7 +15981,7 @@
                   </a:prstClr>
                 </a:solidFill>
               </a:rPr>
-              <a:t> not authorized to receive.</a:t>
+              <a:t>Brokers could be overloaded as well</a:t>
             </a:r>
           </a:p>
           <a:p>
@@ -15051,10 +15995,505 @@
                   </a:prstClr>
                 </a:solidFill>
               </a:rPr>
+              <a:t>Subscriber might be able to receive data that is </a:t>
+            </a:r>
+            <a:r>
+              <a:rPr lang="en-US" dirty="0" err="1" smtClean="0">
+                <a:solidFill>
+                  <a:prstClr val="black">
+                    <a:lumMod val="75000"/>
+                    <a:lumOff val="25000"/>
+                  </a:prstClr>
+                </a:solidFill>
+              </a:rPr>
+              <a:t>is</a:t>
+            </a:r>
+            <a:r>
+              <a:rPr lang="en-US" dirty="0" smtClean="0">
+                <a:solidFill>
+                  <a:prstClr val="black">
+                    <a:lumMod val="75000"/>
+                    <a:lumOff val="25000"/>
+                  </a:prstClr>
+                </a:solidFill>
+              </a:rPr>
+              <a:t> not authorized to receive.</a:t>
+            </a:r>
+          </a:p>
+          <a:p>
+            <a:pPr lvl="1"/>
+            <a:r>
+              <a:rPr lang="en-US" dirty="0" smtClean="0">
+                <a:solidFill>
+                  <a:prstClr val="black">
+                    <a:lumMod val="75000"/>
+                    <a:lumOff val="25000"/>
+                  </a:prstClr>
+                </a:solidFill>
+              </a:rPr>
               <a:t>An unauthorized publisher may be able to introduce incorrect or damaging messages into the system</a:t>
             </a:r>
             <a:endParaRPr smtClean="0"/>
           </a:p>
+          <a:p>
+            <a:endParaRPr lang="fr-FR" dirty="0"/>
+          </a:p>
+        </p:txBody>
+      </p:sp>
+      <p:sp>
+        <p:nvSpPr>
+          <p:cNvPr id="4" name="ZoneTexte 3"/>
+          <p:cNvSpPr txBox="1"/>
+          <p:nvPr/>
+        </p:nvSpPr>
+        <p:spPr>
+          <a:xfrm>
+            <a:off x="565503" y="0"/>
+            <a:ext cx="1077539" cy="276999"/>
+          </a:xfrm>
+          <a:prstGeom prst="rect">
+            <a:avLst/>
+          </a:prstGeom>
+          <a:noFill/>
+          <a:ln>
+            <a:noFill/>
+          </a:ln>
+        </p:spPr>
+        <p:txBody>
+          <a:bodyPr wrap="none" rtlCol="0">
+            <a:spAutoFit/>
+          </a:bodyPr>
+          <a:lstStyle/>
+          <a:p>
+            <a:pPr marL="0" marR="0" indent="0" algn="l" defTabSz="914400" rtl="0" eaLnBrk="1" fontAlgn="auto" latinLnBrk="0" hangingPunct="1">
+              <a:lnSpc>
+                <a:spcPct val="100000"/>
+              </a:lnSpc>
+              <a:spcBef>
+                <a:spcPct val="20000"/>
+              </a:spcBef>
+              <a:spcAft>
+                <a:spcPts val="0"/>
+              </a:spcAft>
+              <a:buClrTx/>
+              <a:buSzTx/>
+              <a:buFontTx/>
+              <a:buNone/>
+              <a:tabLst/>
+            </a:pPr>
+            <a:r>
+              <a:rPr kumimoji="0" lang="fr-FR" sz="1200" i="0" u="none" strike="noStrike" kern="0" cap="none" spc="0" normalizeH="0" baseline="0" noProof="0" dirty="0" smtClean="0">
+                <a:ln>
+                  <a:noFill/>
+                </a:ln>
+                <a:solidFill>
+                  <a:schemeClr val="tx1">
+                    <a:lumMod val="50000"/>
+                    <a:lumOff val="50000"/>
+                  </a:schemeClr>
+                </a:solidFill>
+                <a:effectLst/>
+                <a:uLnTx/>
+                <a:uFillTx/>
+                <a:latin typeface="+mn-lt"/>
+                <a:ea typeface="+mn-ea"/>
+                <a:cs typeface="+mn-cs"/>
+              </a:rPr>
+              <a:t>1. Background</a:t>
+            </a:r>
+          </a:p>
+        </p:txBody>
+      </p:sp>
+      <p:sp>
+        <p:nvSpPr>
+          <p:cNvPr id="5" name="ZoneTexte 4"/>
+          <p:cNvSpPr txBox="1"/>
+          <p:nvPr/>
+        </p:nvSpPr>
+        <p:spPr>
+          <a:xfrm>
+            <a:off x="2285984" y="0"/>
+            <a:ext cx="1588897" cy="276999"/>
+          </a:xfrm>
+          <a:prstGeom prst="rect">
+            <a:avLst/>
+          </a:prstGeom>
+          <a:noFill/>
+          <a:ln>
+            <a:noFill/>
+          </a:ln>
+        </p:spPr>
+        <p:txBody>
+          <a:bodyPr wrap="none" rtlCol="0">
+            <a:spAutoFit/>
+          </a:bodyPr>
+          <a:lstStyle/>
+          <a:p>
+            <a:pPr marL="0" marR="0" indent="0" algn="l" defTabSz="914400" rtl="0" eaLnBrk="1" fontAlgn="auto" latinLnBrk="0" hangingPunct="1">
+              <a:lnSpc>
+                <a:spcPct val="100000"/>
+              </a:lnSpc>
+              <a:spcBef>
+                <a:spcPct val="20000"/>
+              </a:spcBef>
+              <a:spcAft>
+                <a:spcPts val="0"/>
+              </a:spcAft>
+              <a:buClrTx/>
+              <a:buSzTx/>
+              <a:buFontTx/>
+              <a:buNone/>
+              <a:tabLst/>
+            </a:pPr>
+            <a:r>
+              <a:rPr lang="fr-FR" sz="1200" kern="0" dirty="0" smtClean="0">
+                <a:solidFill>
+                  <a:schemeClr val="tx1">
+                    <a:lumMod val="50000"/>
+                    <a:lumOff val="50000"/>
+                  </a:schemeClr>
+                </a:solidFill>
+                <a:latin typeface="+mn-lt"/>
+                <a:cs typeface="+mn-cs"/>
+              </a:rPr>
+              <a:t>2</a:t>
+            </a:r>
+            <a:r>
+              <a:rPr kumimoji="0" lang="fr-FR" sz="1200" i="0" u="none" strike="noStrike" kern="0" cap="none" spc="0" normalizeH="0" baseline="0" noProof="0" dirty="0" smtClean="0">
+                <a:ln>
+                  <a:noFill/>
+                </a:ln>
+                <a:solidFill>
+                  <a:schemeClr val="tx1">
+                    <a:lumMod val="50000"/>
+                    <a:lumOff val="50000"/>
+                  </a:schemeClr>
+                </a:solidFill>
+                <a:effectLst/>
+                <a:uLnTx/>
+                <a:uFillTx/>
+                <a:latin typeface="+mn-lt"/>
+                <a:ea typeface="+mn-ea"/>
+                <a:cs typeface="+mn-cs"/>
+              </a:rPr>
+              <a:t>. Architectural design</a:t>
+            </a:r>
+          </a:p>
+        </p:txBody>
+      </p:sp>
+      <p:sp>
+        <p:nvSpPr>
+          <p:cNvPr id="6" name="ZoneTexte 5"/>
+          <p:cNvSpPr txBox="1"/>
+          <p:nvPr/>
+        </p:nvSpPr>
+        <p:spPr>
+          <a:xfrm>
+            <a:off x="4429124" y="0"/>
+            <a:ext cx="1712328" cy="276999"/>
+          </a:xfrm>
+          <a:prstGeom prst="rect">
+            <a:avLst/>
+          </a:prstGeom>
+          <a:noFill/>
+          <a:ln>
+            <a:noFill/>
+          </a:ln>
+        </p:spPr>
+        <p:txBody>
+          <a:bodyPr wrap="none" rtlCol="0">
+            <a:spAutoFit/>
+          </a:bodyPr>
+          <a:lstStyle/>
+          <a:p>
+            <a:pPr marL="0" marR="0" indent="0" algn="l" defTabSz="914400" rtl="0" eaLnBrk="1" fontAlgn="auto" latinLnBrk="0" hangingPunct="1">
+              <a:lnSpc>
+                <a:spcPct val="100000"/>
+              </a:lnSpc>
+              <a:spcBef>
+                <a:spcPct val="20000"/>
+              </a:spcBef>
+              <a:spcAft>
+                <a:spcPts val="0"/>
+              </a:spcAft>
+              <a:buClrTx/>
+              <a:buSzTx/>
+              <a:buFontTx/>
+              <a:buNone/>
+              <a:tabLst/>
+            </a:pPr>
+            <a:r>
+              <a:rPr lang="fr-FR" sz="1200" b="1" u="sng" kern="0" dirty="0" smtClean="0">
+                <a:latin typeface="+mn-lt"/>
+                <a:cs typeface="+mn-cs"/>
+              </a:rPr>
+              <a:t>3</a:t>
+            </a:r>
+            <a:r>
+              <a:rPr kumimoji="0" lang="fr-FR" sz="1200" b="1" i="0" u="sng" strike="noStrike" kern="0" cap="none" spc="0" normalizeH="0" baseline="0" noProof="0" dirty="0" smtClean="0">
+                <a:ln>
+                  <a:noFill/>
+                </a:ln>
+                <a:effectLst/>
+                <a:uLnTx/>
+                <a:uFillTx/>
+                <a:latin typeface="+mn-lt"/>
+                <a:ea typeface="+mn-ea"/>
+                <a:cs typeface="+mn-cs"/>
+              </a:rPr>
+              <a:t>. Architectural </a:t>
+            </a:r>
+            <a:r>
+              <a:rPr kumimoji="0" lang="fr-FR" sz="1200" b="1" i="0" u="sng" strike="noStrike" kern="0" cap="none" spc="0" normalizeH="0" baseline="0" noProof="0" dirty="0" err="1" smtClean="0">
+                <a:ln>
+                  <a:noFill/>
+                </a:ln>
+                <a:effectLst/>
+                <a:uLnTx/>
+                <a:uFillTx/>
+                <a:latin typeface="+mn-lt"/>
+                <a:ea typeface="+mn-ea"/>
+                <a:cs typeface="+mn-cs"/>
+              </a:rPr>
+              <a:t>analysis</a:t>
+            </a:r>
+            <a:endParaRPr kumimoji="0" lang="fr-FR" sz="1200" b="1" i="0" u="sng" strike="noStrike" kern="0" cap="none" spc="0" normalizeH="0" baseline="0" noProof="0" dirty="0" smtClean="0">
+              <a:ln>
+                <a:noFill/>
+              </a:ln>
+              <a:effectLst/>
+              <a:uLnTx/>
+              <a:uFillTx/>
+              <a:latin typeface="+mn-lt"/>
+              <a:ea typeface="+mn-ea"/>
+              <a:cs typeface="+mn-cs"/>
+            </a:endParaRPr>
+          </a:p>
+        </p:txBody>
+      </p:sp>
+      <p:sp>
+        <p:nvSpPr>
+          <p:cNvPr id="7" name="ZoneTexte 6"/>
+          <p:cNvSpPr txBox="1"/>
+          <p:nvPr/>
+        </p:nvSpPr>
+        <p:spPr>
+          <a:xfrm>
+            <a:off x="6715140" y="0"/>
+            <a:ext cx="1348446" cy="276999"/>
+          </a:xfrm>
+          <a:prstGeom prst="rect">
+            <a:avLst/>
+          </a:prstGeom>
+          <a:noFill/>
+          <a:ln>
+            <a:noFill/>
+          </a:ln>
+        </p:spPr>
+        <p:txBody>
+          <a:bodyPr wrap="none" rtlCol="0">
+            <a:spAutoFit/>
+          </a:bodyPr>
+          <a:lstStyle/>
+          <a:p>
+            <a:pPr marL="0" marR="0" indent="0" algn="l" defTabSz="914400" rtl="0" eaLnBrk="1" fontAlgn="auto" latinLnBrk="0" hangingPunct="1">
+              <a:lnSpc>
+                <a:spcPct val="100000"/>
+              </a:lnSpc>
+              <a:spcBef>
+                <a:spcPct val="20000"/>
+              </a:spcBef>
+              <a:spcAft>
+                <a:spcPts val="0"/>
+              </a:spcAft>
+              <a:buClrTx/>
+              <a:buSzTx/>
+              <a:buFontTx/>
+              <a:buNone/>
+              <a:tabLst/>
+            </a:pPr>
+            <a:r>
+              <a:rPr lang="fr-FR" sz="1200" kern="0" dirty="0" smtClean="0">
+                <a:solidFill>
+                  <a:schemeClr val="tx1">
+                    <a:lumMod val="50000"/>
+                    <a:lumOff val="50000"/>
+                  </a:schemeClr>
+                </a:solidFill>
+                <a:latin typeface="+mn-lt"/>
+                <a:cs typeface="+mn-cs"/>
+              </a:rPr>
+              <a:t>4</a:t>
+            </a:r>
+            <a:r>
+              <a:rPr kumimoji="0" lang="fr-FR" sz="1200" i="0" u="none" strike="noStrike" kern="0" cap="none" spc="0" normalizeH="0" baseline="0" noProof="0" dirty="0" smtClean="0">
+                <a:ln>
+                  <a:noFill/>
+                </a:ln>
+                <a:solidFill>
+                  <a:schemeClr val="tx1">
+                    <a:lumMod val="50000"/>
+                    <a:lumOff val="50000"/>
+                  </a:schemeClr>
+                </a:solidFill>
+                <a:effectLst/>
+                <a:uLnTx/>
+                <a:uFillTx/>
+                <a:latin typeface="+mn-lt"/>
+                <a:ea typeface="+mn-ea"/>
+                <a:cs typeface="+mn-cs"/>
+              </a:rPr>
+              <a:t>. </a:t>
+            </a:r>
+            <a:r>
+              <a:rPr kumimoji="0" lang="fr-FR" sz="1200" i="0" u="none" strike="noStrike" kern="0" cap="none" spc="0" normalizeH="0" baseline="0" noProof="0" dirty="0" err="1" smtClean="0">
+                <a:ln>
+                  <a:noFill/>
+                </a:ln>
+                <a:solidFill>
+                  <a:schemeClr val="tx1">
+                    <a:lumMod val="50000"/>
+                    <a:lumOff val="50000"/>
+                  </a:schemeClr>
+                </a:solidFill>
+                <a:effectLst/>
+                <a:uLnTx/>
+                <a:uFillTx/>
+                <a:latin typeface="+mn-lt"/>
+                <a:ea typeface="+mn-ea"/>
+                <a:cs typeface="+mn-cs"/>
+              </a:rPr>
+              <a:t>Remaining</a:t>
+            </a:r>
+            <a:r>
+              <a:rPr kumimoji="0" lang="fr-FR" sz="1200" i="0" u="none" strike="noStrike" kern="0" cap="none" spc="0" normalizeH="0" baseline="0" noProof="0" dirty="0" smtClean="0">
+                <a:ln>
+                  <a:noFill/>
+                </a:ln>
+                <a:solidFill>
+                  <a:schemeClr val="tx1">
+                    <a:lumMod val="50000"/>
+                    <a:lumOff val="50000"/>
+                  </a:schemeClr>
+                </a:solidFill>
+                <a:effectLst/>
+                <a:uLnTx/>
+                <a:uFillTx/>
+                <a:latin typeface="+mn-lt"/>
+                <a:ea typeface="+mn-ea"/>
+                <a:cs typeface="+mn-cs"/>
+              </a:rPr>
+              <a:t> </a:t>
+            </a:r>
+            <a:r>
+              <a:rPr kumimoji="0" lang="fr-FR" sz="1200" i="0" u="none" strike="noStrike" kern="0" cap="none" spc="0" normalizeH="0" baseline="0" noProof="0" dirty="0" err="1" smtClean="0">
+                <a:ln>
+                  <a:noFill/>
+                </a:ln>
+                <a:solidFill>
+                  <a:schemeClr val="tx1">
+                    <a:lumMod val="50000"/>
+                    <a:lumOff val="50000"/>
+                  </a:schemeClr>
+                </a:solidFill>
+                <a:effectLst/>
+                <a:uLnTx/>
+                <a:uFillTx/>
+                <a:latin typeface="+mn-lt"/>
+                <a:ea typeface="+mn-ea"/>
+                <a:cs typeface="+mn-cs"/>
+              </a:rPr>
+              <a:t>work</a:t>
+            </a:r>
+            <a:endParaRPr kumimoji="0" lang="fr-FR" sz="1200" i="0" u="none" strike="noStrike" kern="0" cap="none" spc="0" normalizeH="0" baseline="0" noProof="0" dirty="0" smtClean="0">
+              <a:ln>
+                <a:noFill/>
+              </a:ln>
+              <a:solidFill>
+                <a:schemeClr val="tx1">
+                  <a:lumMod val="50000"/>
+                  <a:lumOff val="50000"/>
+                </a:schemeClr>
+              </a:solidFill>
+              <a:effectLst/>
+              <a:uLnTx/>
+              <a:uFillTx/>
+              <a:latin typeface="+mn-lt"/>
+              <a:ea typeface="+mn-ea"/>
+              <a:cs typeface="+mn-cs"/>
+            </a:endParaRPr>
+          </a:p>
+        </p:txBody>
+      </p:sp>
+    </p:spTree>
+  </p:cSld>
+  <p:clrMapOvr>
+    <a:masterClrMapping/>
+  </p:clrMapOvr>
+  <p:timing>
+    <p:tnLst>
+      <p:par>
+        <p:cTn id="1" dur="indefinite" restart="never" nodeType="tmRoot"/>
+      </p:par>
+    </p:tnLst>
+  </p:timing>
+</p:sld>
+</file>
+
+<file path=ppt/slides/slide25.xml><?xml version="1.0" encoding="utf-8"?>
+<p:sld xmlns:a="http://schemas.openxmlformats.org/drawingml/2006/main" xmlns:r="http://schemas.openxmlformats.org/officeDocument/2006/relationships" xmlns:p="http://schemas.openxmlformats.org/presentationml/2006/main">
+  <p:cSld>
+    <p:spTree>
+      <p:nvGrpSpPr>
+        <p:cNvPr id="1" name=""/>
+        <p:cNvGrpSpPr/>
+        <p:nvPr/>
+      </p:nvGrpSpPr>
+      <p:grpSpPr>
+        <a:xfrm>
+          <a:off x="0" y="0"/>
+          <a:ext cx="0" cy="0"/>
+          <a:chOff x="0" y="0"/>
+          <a:chExt cx="0" cy="0"/>
+        </a:xfrm>
+      </p:grpSpPr>
+      <p:sp>
+        <p:nvSpPr>
+          <p:cNvPr id="2" name="Titre 1"/>
+          <p:cNvSpPr>
+            <a:spLocks noGrp="1"/>
+          </p:cNvSpPr>
+          <p:nvPr>
+            <p:ph type="ctrTitle"/>
+          </p:nvPr>
+        </p:nvSpPr>
+        <p:spPr/>
+        <p:txBody>
+          <a:bodyPr/>
+          <a:lstStyle/>
+          <a:p>
+            <a:r>
+              <a:rPr smtClean="0"/>
+              <a:t>Architectural type comparisons</a:t>
+            </a:r>
+            <a:endParaRPr lang="fr-FR" dirty="0"/>
+          </a:p>
+        </p:txBody>
+      </p:sp>
+      <p:sp>
+        <p:nvSpPr>
+          <p:cNvPr id="3" name="Espace réservé du texte 2"/>
+          <p:cNvSpPr>
+            <a:spLocks noGrp="1"/>
+          </p:cNvSpPr>
+          <p:nvPr>
+            <p:ph type="body" sz="quarter" idx="10"/>
+          </p:nvPr>
+        </p:nvSpPr>
+        <p:spPr/>
+        <p:txBody>
+          <a:bodyPr/>
+          <a:lstStyle/>
           <a:p>
             <a:endParaRPr lang="fr-FR" dirty="0"/>
           </a:p>
@@ -15773,7 +17212,7 @@
 </p:sld>
 </file>
 
-<file path=ppt/slides/slide24.xml><?xml version="1.0" encoding="utf-8"?>
+<file path=ppt/slides/slide26.xml><?xml version="1.0" encoding="utf-8"?>
 <p:sld xmlns:a="http://schemas.openxmlformats.org/drawingml/2006/main" xmlns:r="http://schemas.openxmlformats.org/officeDocument/2006/relationships" xmlns:p="http://schemas.openxmlformats.org/presentationml/2006/main">
   <p:cSld>
     <p:spTree>
@@ -16305,7 +17744,7 @@
 </p:sld>
 </file>
 
-<file path=ppt/slides/slide25.xml><?xml version="1.0" encoding="utf-8"?>
+<file path=ppt/slides/slide27.xml><?xml version="1.0" encoding="utf-8"?>
 <p:sld xmlns:a="http://schemas.openxmlformats.org/drawingml/2006/main" xmlns:r="http://schemas.openxmlformats.org/officeDocument/2006/relationships" xmlns:p="http://schemas.openxmlformats.org/presentationml/2006/main">
   <p:cSld>
     <p:spTree>
@@ -16868,7 +18307,7 @@
 </p:sld>
 </file>
 
-<file path=ppt/slides/slide26.xml><?xml version="1.0" encoding="utf-8"?>
+<file path=ppt/slides/slide28.xml><?xml version="1.0" encoding="utf-8"?>
 <p:sld xmlns:a="http://schemas.openxmlformats.org/drawingml/2006/main" xmlns:r="http://schemas.openxmlformats.org/officeDocument/2006/relationships" xmlns:p="http://schemas.openxmlformats.org/presentationml/2006/main">
   <p:cSld>
     <p:spTree>
@@ -21163,6 +22602,403 @@
           <a:p>
             <a:pPr lvl="1"/>
             <a:endParaRPr smtClean="0"/>
+          </a:p>
+        </p:txBody>
+      </p:sp>
+      <p:sp>
+        <p:nvSpPr>
+          <p:cNvPr id="6" name="ZoneTexte 5"/>
+          <p:cNvSpPr txBox="1"/>
+          <p:nvPr/>
+        </p:nvSpPr>
+        <p:spPr>
+          <a:xfrm>
+            <a:off x="565503" y="0"/>
+            <a:ext cx="1077539" cy="276999"/>
+          </a:xfrm>
+          <a:prstGeom prst="rect">
+            <a:avLst/>
+          </a:prstGeom>
+          <a:noFill/>
+          <a:ln>
+            <a:noFill/>
+          </a:ln>
+        </p:spPr>
+        <p:txBody>
+          <a:bodyPr wrap="none" rtlCol="0">
+            <a:spAutoFit/>
+          </a:bodyPr>
+          <a:lstStyle/>
+          <a:p>
+            <a:pPr marL="0" marR="0" indent="0" algn="l" defTabSz="914400" rtl="0" eaLnBrk="1" fontAlgn="auto" latinLnBrk="0" hangingPunct="1">
+              <a:lnSpc>
+                <a:spcPct val="100000"/>
+              </a:lnSpc>
+              <a:spcBef>
+                <a:spcPct val="20000"/>
+              </a:spcBef>
+              <a:spcAft>
+                <a:spcPts val="0"/>
+              </a:spcAft>
+              <a:buClrTx/>
+              <a:buSzTx/>
+              <a:buFontTx/>
+              <a:buNone/>
+              <a:tabLst/>
+            </a:pPr>
+            <a:r>
+              <a:rPr kumimoji="0" lang="fr-FR" sz="1200" i="0" u="none" strike="noStrike" kern="0" cap="none" spc="0" normalizeH="0" baseline="0" noProof="0" dirty="0" smtClean="0">
+                <a:ln>
+                  <a:noFill/>
+                </a:ln>
+                <a:solidFill>
+                  <a:schemeClr val="tx1">
+                    <a:lumMod val="50000"/>
+                    <a:lumOff val="50000"/>
+                  </a:schemeClr>
+                </a:solidFill>
+                <a:effectLst/>
+                <a:uLnTx/>
+                <a:uFillTx/>
+                <a:latin typeface="+mn-lt"/>
+                <a:ea typeface="+mn-ea"/>
+                <a:cs typeface="+mn-cs"/>
+              </a:rPr>
+              <a:t>1. Background</a:t>
+            </a:r>
+          </a:p>
+        </p:txBody>
+      </p:sp>
+      <p:sp>
+        <p:nvSpPr>
+          <p:cNvPr id="7" name="ZoneTexte 6"/>
+          <p:cNvSpPr txBox="1"/>
+          <p:nvPr/>
+        </p:nvSpPr>
+        <p:spPr>
+          <a:xfrm>
+            <a:off x="2285984" y="0"/>
+            <a:ext cx="1624163" cy="276999"/>
+          </a:xfrm>
+          <a:prstGeom prst="rect">
+            <a:avLst/>
+          </a:prstGeom>
+          <a:noFill/>
+          <a:ln>
+            <a:noFill/>
+          </a:ln>
+        </p:spPr>
+        <p:txBody>
+          <a:bodyPr wrap="none" rtlCol="0">
+            <a:spAutoFit/>
+          </a:bodyPr>
+          <a:lstStyle/>
+          <a:p>
+            <a:pPr marL="0" marR="0" indent="0" algn="l" defTabSz="914400" rtl="0" eaLnBrk="1" fontAlgn="auto" latinLnBrk="0" hangingPunct="1">
+              <a:lnSpc>
+                <a:spcPct val="100000"/>
+              </a:lnSpc>
+              <a:spcBef>
+                <a:spcPct val="20000"/>
+              </a:spcBef>
+              <a:spcAft>
+                <a:spcPts val="0"/>
+              </a:spcAft>
+              <a:buClrTx/>
+              <a:buSzTx/>
+              <a:buFontTx/>
+              <a:buNone/>
+              <a:tabLst/>
+            </a:pPr>
+            <a:r>
+              <a:rPr lang="fr-FR" sz="1200" b="1" u="sng" kern="0" dirty="0" smtClean="0">
+                <a:latin typeface="+mn-lt"/>
+                <a:cs typeface="+mn-cs"/>
+              </a:rPr>
+              <a:t>2</a:t>
+            </a:r>
+            <a:r>
+              <a:rPr kumimoji="0" lang="fr-FR" sz="1200" b="1" i="0" u="sng" strike="noStrike" kern="0" cap="none" spc="0" normalizeH="0" baseline="0" noProof="0" dirty="0" smtClean="0">
+                <a:ln>
+                  <a:noFill/>
+                </a:ln>
+                <a:effectLst/>
+                <a:uLnTx/>
+                <a:uFillTx/>
+                <a:latin typeface="+mn-lt"/>
+                <a:ea typeface="+mn-ea"/>
+                <a:cs typeface="+mn-cs"/>
+              </a:rPr>
+              <a:t>. Architectural design</a:t>
+            </a:r>
+          </a:p>
+        </p:txBody>
+      </p:sp>
+      <p:sp>
+        <p:nvSpPr>
+          <p:cNvPr id="8" name="ZoneTexte 7"/>
+          <p:cNvSpPr txBox="1"/>
+          <p:nvPr/>
+        </p:nvSpPr>
+        <p:spPr>
+          <a:xfrm>
+            <a:off x="4429124" y="0"/>
+            <a:ext cx="1672253" cy="276999"/>
+          </a:xfrm>
+          <a:prstGeom prst="rect">
+            <a:avLst/>
+          </a:prstGeom>
+          <a:noFill/>
+          <a:ln>
+            <a:noFill/>
+          </a:ln>
+        </p:spPr>
+        <p:txBody>
+          <a:bodyPr wrap="none" rtlCol="0">
+            <a:spAutoFit/>
+          </a:bodyPr>
+          <a:lstStyle/>
+          <a:p>
+            <a:pPr marL="0" marR="0" indent="0" algn="l" defTabSz="914400" rtl="0" eaLnBrk="1" fontAlgn="auto" latinLnBrk="0" hangingPunct="1">
+              <a:lnSpc>
+                <a:spcPct val="100000"/>
+              </a:lnSpc>
+              <a:spcBef>
+                <a:spcPct val="20000"/>
+              </a:spcBef>
+              <a:spcAft>
+                <a:spcPts val="0"/>
+              </a:spcAft>
+              <a:buClrTx/>
+              <a:buSzTx/>
+              <a:buFontTx/>
+              <a:buNone/>
+              <a:tabLst/>
+            </a:pPr>
+            <a:r>
+              <a:rPr lang="fr-FR" sz="1200" kern="0" dirty="0" smtClean="0">
+                <a:solidFill>
+                  <a:schemeClr val="tx1">
+                    <a:lumMod val="50000"/>
+                    <a:lumOff val="50000"/>
+                  </a:schemeClr>
+                </a:solidFill>
+                <a:latin typeface="+mn-lt"/>
+                <a:cs typeface="+mn-cs"/>
+              </a:rPr>
+              <a:t>3</a:t>
+            </a:r>
+            <a:r>
+              <a:rPr kumimoji="0" lang="fr-FR" sz="1200" i="0" u="none" strike="noStrike" kern="0" cap="none" spc="0" normalizeH="0" baseline="0" noProof="0" dirty="0" smtClean="0">
+                <a:ln>
+                  <a:noFill/>
+                </a:ln>
+                <a:solidFill>
+                  <a:schemeClr val="tx1">
+                    <a:lumMod val="50000"/>
+                    <a:lumOff val="50000"/>
+                  </a:schemeClr>
+                </a:solidFill>
+                <a:effectLst/>
+                <a:uLnTx/>
+                <a:uFillTx/>
+                <a:latin typeface="+mn-lt"/>
+                <a:ea typeface="+mn-ea"/>
+                <a:cs typeface="+mn-cs"/>
+              </a:rPr>
+              <a:t>. Architectural </a:t>
+            </a:r>
+            <a:r>
+              <a:rPr kumimoji="0" lang="fr-FR" sz="1200" i="0" u="none" strike="noStrike" kern="0" cap="none" spc="0" normalizeH="0" baseline="0" noProof="0" dirty="0" err="1" smtClean="0">
+                <a:ln>
+                  <a:noFill/>
+                </a:ln>
+                <a:solidFill>
+                  <a:schemeClr val="tx1">
+                    <a:lumMod val="50000"/>
+                    <a:lumOff val="50000"/>
+                  </a:schemeClr>
+                </a:solidFill>
+                <a:effectLst/>
+                <a:uLnTx/>
+                <a:uFillTx/>
+                <a:latin typeface="+mn-lt"/>
+                <a:ea typeface="+mn-ea"/>
+                <a:cs typeface="+mn-cs"/>
+              </a:rPr>
+              <a:t>analysis</a:t>
+            </a:r>
+            <a:endParaRPr kumimoji="0" lang="fr-FR" sz="1200" i="0" u="none" strike="noStrike" kern="0" cap="none" spc="0" normalizeH="0" baseline="0" noProof="0" dirty="0" smtClean="0">
+              <a:ln>
+                <a:noFill/>
+              </a:ln>
+              <a:solidFill>
+                <a:schemeClr val="tx1">
+                  <a:lumMod val="50000"/>
+                  <a:lumOff val="50000"/>
+                </a:schemeClr>
+              </a:solidFill>
+              <a:effectLst/>
+              <a:uLnTx/>
+              <a:uFillTx/>
+              <a:latin typeface="+mn-lt"/>
+              <a:ea typeface="+mn-ea"/>
+              <a:cs typeface="+mn-cs"/>
+            </a:endParaRPr>
+          </a:p>
+        </p:txBody>
+      </p:sp>
+      <p:sp>
+        <p:nvSpPr>
+          <p:cNvPr id="9" name="ZoneTexte 8"/>
+          <p:cNvSpPr txBox="1"/>
+          <p:nvPr/>
+        </p:nvSpPr>
+        <p:spPr>
+          <a:xfrm>
+            <a:off x="6715140" y="0"/>
+            <a:ext cx="1348446" cy="276999"/>
+          </a:xfrm>
+          <a:prstGeom prst="rect">
+            <a:avLst/>
+          </a:prstGeom>
+          <a:noFill/>
+          <a:ln>
+            <a:noFill/>
+          </a:ln>
+        </p:spPr>
+        <p:txBody>
+          <a:bodyPr wrap="none" rtlCol="0">
+            <a:spAutoFit/>
+          </a:bodyPr>
+          <a:lstStyle/>
+          <a:p>
+            <a:pPr marL="0" marR="0" indent="0" algn="l" defTabSz="914400" rtl="0" eaLnBrk="1" fontAlgn="auto" latinLnBrk="0" hangingPunct="1">
+              <a:lnSpc>
+                <a:spcPct val="100000"/>
+              </a:lnSpc>
+              <a:spcBef>
+                <a:spcPct val="20000"/>
+              </a:spcBef>
+              <a:spcAft>
+                <a:spcPts val="0"/>
+              </a:spcAft>
+              <a:buClrTx/>
+              <a:buSzTx/>
+              <a:buFontTx/>
+              <a:buNone/>
+              <a:tabLst/>
+            </a:pPr>
+            <a:r>
+              <a:rPr lang="fr-FR" sz="1200" kern="0" dirty="0" smtClean="0">
+                <a:solidFill>
+                  <a:schemeClr val="tx1">
+                    <a:lumMod val="50000"/>
+                    <a:lumOff val="50000"/>
+                  </a:schemeClr>
+                </a:solidFill>
+                <a:latin typeface="+mn-lt"/>
+                <a:cs typeface="+mn-cs"/>
+              </a:rPr>
+              <a:t>4</a:t>
+            </a:r>
+            <a:r>
+              <a:rPr kumimoji="0" lang="fr-FR" sz="1200" i="0" u="none" strike="noStrike" kern="0" cap="none" spc="0" normalizeH="0" baseline="0" noProof="0" dirty="0" smtClean="0">
+                <a:ln>
+                  <a:noFill/>
+                </a:ln>
+                <a:solidFill>
+                  <a:schemeClr val="tx1">
+                    <a:lumMod val="50000"/>
+                    <a:lumOff val="50000"/>
+                  </a:schemeClr>
+                </a:solidFill>
+                <a:effectLst/>
+                <a:uLnTx/>
+                <a:uFillTx/>
+                <a:latin typeface="+mn-lt"/>
+                <a:ea typeface="+mn-ea"/>
+                <a:cs typeface="+mn-cs"/>
+              </a:rPr>
+              <a:t>. </a:t>
+            </a:r>
+            <a:r>
+              <a:rPr kumimoji="0" lang="fr-FR" sz="1200" i="0" u="none" strike="noStrike" kern="0" cap="none" spc="0" normalizeH="0" baseline="0" noProof="0" dirty="0" err="1" smtClean="0">
+                <a:ln>
+                  <a:noFill/>
+                </a:ln>
+                <a:solidFill>
+                  <a:schemeClr val="tx1">
+                    <a:lumMod val="50000"/>
+                    <a:lumOff val="50000"/>
+                  </a:schemeClr>
+                </a:solidFill>
+                <a:effectLst/>
+                <a:uLnTx/>
+                <a:uFillTx/>
+                <a:latin typeface="+mn-lt"/>
+                <a:ea typeface="+mn-ea"/>
+                <a:cs typeface="+mn-cs"/>
+              </a:rPr>
+              <a:t>Remaining</a:t>
+            </a:r>
+            <a:r>
+              <a:rPr kumimoji="0" lang="fr-FR" sz="1200" i="0" u="none" strike="noStrike" kern="0" cap="none" spc="0" normalizeH="0" baseline="0" noProof="0" dirty="0" smtClean="0">
+                <a:ln>
+                  <a:noFill/>
+                </a:ln>
+                <a:solidFill>
+                  <a:schemeClr val="tx1">
+                    <a:lumMod val="50000"/>
+                    <a:lumOff val="50000"/>
+                  </a:schemeClr>
+                </a:solidFill>
+                <a:effectLst/>
+                <a:uLnTx/>
+                <a:uFillTx/>
+                <a:latin typeface="+mn-lt"/>
+                <a:ea typeface="+mn-ea"/>
+                <a:cs typeface="+mn-cs"/>
+              </a:rPr>
+              <a:t> </a:t>
+            </a:r>
+            <a:r>
+              <a:rPr kumimoji="0" lang="fr-FR" sz="1200" i="0" u="none" strike="noStrike" kern="0" cap="none" spc="0" normalizeH="0" baseline="0" noProof="0" dirty="0" err="1" smtClean="0">
+                <a:ln>
+                  <a:noFill/>
+                </a:ln>
+                <a:solidFill>
+                  <a:schemeClr val="tx1">
+                    <a:lumMod val="50000"/>
+                    <a:lumOff val="50000"/>
+                  </a:schemeClr>
+                </a:solidFill>
+                <a:effectLst/>
+                <a:uLnTx/>
+                <a:uFillTx/>
+                <a:latin typeface="+mn-lt"/>
+                <a:ea typeface="+mn-ea"/>
+                <a:cs typeface="+mn-cs"/>
+              </a:rPr>
+              <a:t>work</a:t>
+            </a:r>
+            <a:endParaRPr kumimoji="0" lang="fr-FR" sz="1200" i="0" u="none" strike="noStrike" kern="0" cap="none" spc="0" normalizeH="0" baseline="0" noProof="0" dirty="0" smtClean="0">
+              <a:ln>
+                <a:noFill/>
+              </a:ln>
+              <a:solidFill>
+                <a:schemeClr val="tx1">
+                  <a:lumMod val="50000"/>
+                  <a:lumOff val="50000"/>
+                </a:schemeClr>
+              </a:solidFill>
+              <a:effectLst/>
+              <a:uLnTx/>
+              <a:uFillTx/>
+              <a:latin typeface="+mn-lt"/>
+              <a:ea typeface="+mn-ea"/>
+              <a:cs typeface="+mn-cs"/>
+            </a:endParaRPr>
           </a:p>
         </p:txBody>
       </p:sp>

--- a/Project 2/Part3/CS554_EuroTeam_Project2_OP6.pptx
+++ b/Project 2/Part3/CS554_EuroTeam_Project2_OP6.pptx
@@ -3790,7 +3790,7 @@
     </p:spTree>
     <p:extLst>
       <p:ext uri="{BB962C8B-B14F-4D97-AF65-F5344CB8AC3E}">
-        <p14:creationId xmlns:p14="http://schemas.microsoft.com/office/powerpoint/2007/7/12/main" xmlns="" xmlns:mv="urn:schemas-microsoft-com:mac:vml" xmlns:mc="http://schemas.openxmlformats.org/markup-compatibility/2006" val="3216856891"/>
+        <p14:creationId xmlns:mc="http://schemas.openxmlformats.org/markup-compatibility/2006" xmlns:mv="urn:schemas-microsoft-com:mac:vml" xmlns="" xmlns:p14="http://schemas.microsoft.com/office/powerpoint/2007/7/12/main" val="3216856891"/>
       </p:ext>
     </p:extLst>
   </p:cSld>
@@ -4095,7 +4095,7 @@
     </p:spTree>
     <p:extLst>
       <p:ext uri="{BB962C8B-B14F-4D97-AF65-F5344CB8AC3E}">
-        <p14:creationId xmlns:p14="http://schemas.microsoft.com/office/powerpoint/2007/7/12/main" xmlns="" xmlns:mv="urn:schemas-microsoft-com:mac:vml" xmlns:mc="http://schemas.openxmlformats.org/markup-compatibility/2006" val="3483236166"/>
+        <p14:creationId xmlns:mc="http://schemas.openxmlformats.org/markup-compatibility/2006" xmlns:mv="urn:schemas-microsoft-com:mac:vml" xmlns="" xmlns:p14="http://schemas.microsoft.com/office/powerpoint/2007/7/12/main" val="3483236166"/>
       </p:ext>
     </p:extLst>
   </p:cSld>
@@ -5967,7 +5967,7 @@
           <a:blip r:embed="rId4">
             <a:extLst>
               <a:ext uri="28A0092B-C50C-407e-A947-70E740481C1C">
-                <a14:useLocalDpi xmlns:a14="http://schemas.microsoft.com/office/drawing/2007/7/7/main" xmlns="" xmlns:mv="urn:schemas-microsoft-com:mac:vml" xmlns:mc="http://schemas.openxmlformats.org/markup-compatibility/2006" val="0"/>
+                <a14:useLocalDpi xmlns:mc="http://schemas.openxmlformats.org/markup-compatibility/2006" xmlns:mv="urn:schemas-microsoft-com:mac:vml" xmlns="" xmlns:a14="http://schemas.microsoft.com/office/drawing/2007/7/7/main" val="0"/>
               </a:ext>
             </a:extLst>
           </a:blip>
@@ -5987,14 +5987,14 @@
           <a:noFill/>
           <a:extLst>
             <a:ext uri="{909E8E84-426E-40dd-AFC4-6F175D3DCCD1}">
-              <a14:hiddenFill xmlns:a14="http://schemas.microsoft.com/office/drawing/2007/7/7/main" xmlns="" xmlns:mv="urn:schemas-microsoft-com:mac:vml" xmlns:mc="http://schemas.openxmlformats.org/markup-compatibility/2006">
+              <a14:hiddenFill xmlns:mc="http://schemas.openxmlformats.org/markup-compatibility/2006" xmlns:mv="urn:schemas-microsoft-com:mac:vml" xmlns="" xmlns:a14="http://schemas.microsoft.com/office/drawing/2007/7/7/main">
                 <a:solidFill>
                   <a:schemeClr val="accent1"/>
                 </a:solidFill>
               </a14:hiddenFill>
             </a:ext>
             <a:ext uri="{91240B29-F687-4f45-9708-019B960494DF}">
-              <a14:hiddenLine xmlns:a14="http://schemas.microsoft.com/office/drawing/2007/7/7/main" xmlns="" xmlns:mv="urn:schemas-microsoft-com:mac:vml" xmlns:mc="http://schemas.openxmlformats.org/markup-compatibility/2006" w="9525">
+              <a14:hiddenLine xmlns:mc="http://schemas.openxmlformats.org/markup-compatibility/2006" xmlns:mv="urn:schemas-microsoft-com:mac:vml" xmlns="" xmlns:a14="http://schemas.microsoft.com/office/drawing/2007/7/7/main" w="9525">
                 <a:solidFill>
                   <a:schemeClr val="tx1"/>
                 </a:solidFill>
@@ -6004,7 +6004,7 @@
               </a14:hiddenLine>
             </a:ext>
             <a:ext uri="{AF507438-7753-43e0-B8FC-AC1667EBCBE1}">
-              <a14:hiddenEffects xmlns:a14="http://schemas.microsoft.com/office/drawing/2007/7/7/main" xmlns="" xmlns:mv="urn:schemas-microsoft-com:mac:vml" xmlns:mc="http://schemas.openxmlformats.org/markup-compatibility/2006">
+              <a14:hiddenEffects xmlns:mc="http://schemas.openxmlformats.org/markup-compatibility/2006" xmlns:mv="urn:schemas-microsoft-com:mac:vml" xmlns="" xmlns:a14="http://schemas.microsoft.com/office/drawing/2007/7/7/main">
                 <a:effectLst>
                   <a:outerShdw dist="35921" dir="2700000" algn="ctr" rotWithShape="0">
                     <a:schemeClr val="bg2"/>
@@ -6018,7 +6018,7 @@
     </p:spTree>
     <p:extLst>
       <p:ext uri="{BB962C8B-B14F-4D97-AF65-F5344CB8AC3E}">
-        <p14:creationId xmlns:p14="http://schemas.microsoft.com/office/powerpoint/2007/7/12/main" xmlns="" xmlns:mv="urn:schemas-microsoft-com:mac:vml" xmlns:mc="http://schemas.openxmlformats.org/markup-compatibility/2006" val="1066328049"/>
+        <p14:creationId xmlns:mc="http://schemas.openxmlformats.org/markup-compatibility/2006" xmlns:mv="urn:schemas-microsoft-com:mac:vml" xmlns="" xmlns:p14="http://schemas.microsoft.com/office/powerpoint/2007/7/12/main" val="1066328049"/>
       </p:ext>
     </p:extLst>
   </p:cSld>
@@ -13686,7 +13686,7 @@
           <a:p>
             <a:r>
               <a:rPr lang="fr-FR" dirty="0" smtClean="0"/>
-              <a:t>R</a:t>
+              <a:t>FDIR &amp; ADL R</a:t>
             </a:r>
             <a:r>
               <a:rPr smtClean="0"/>
@@ -13736,8 +13736,17 @@
               <a:rPr altLang="ko-KR" smtClean="0">
                 <a:ea typeface="굴림" charset="-127"/>
               </a:rPr>
-              <a:t>FDIR is a monitoring system involving several interaction between several componenets</a:t>
-            </a:r>
+              <a:t>FDIR is a monitoring system involving several interaction between several </a:t>
+            </a:r>
+            <a:r>
+              <a:rPr altLang="ko-KR" smtClean="0">
+                <a:ea typeface="굴림" charset="-127"/>
+              </a:rPr>
+              <a:t>components</a:t>
+            </a:r>
+            <a:endParaRPr altLang="ko-KR" smtClean="0">
+              <a:ea typeface="굴림" charset="-127"/>
+            </a:endParaRPr>
           </a:p>
           <a:p>
             <a:pPr lvl="2" eaLnBrk="1" hangingPunct="1">
@@ -14289,14 +14298,35 @@
             <p:ph type="ctrTitle"/>
           </p:nvPr>
         </p:nvSpPr>
-        <p:spPr/>
+        <p:spPr>
+          <a:xfrm>
+            <a:off x="300038" y="323832"/>
+            <a:ext cx="8843962" cy="533400"/>
+          </a:xfrm>
+        </p:spPr>
         <p:txBody>
           <a:bodyPr/>
           <a:lstStyle/>
           <a:p>
             <a:r>
               <a:rPr smtClean="0"/>
-              <a:t>Requirements compliance (cont.)</a:t>
+              <a:t>FDIR &amp; ADL </a:t>
+            </a:r>
+            <a:r>
+              <a:rPr smtClean="0"/>
+              <a:t>Requirements </a:t>
+            </a:r>
+            <a:r>
+              <a:rPr smtClean="0"/>
+              <a:t>compliance </a:t>
+            </a:r>
+            <a:r>
+              <a:rPr smtClean="0"/>
+              <a:t>(cont</a:t>
+            </a:r>
+            <a:r>
+              <a:rPr smtClean="0"/>
+              <a:t>.)</a:t>
             </a:r>
             <a:endParaRPr lang="fr-FR" dirty="0"/>
           </a:p>
@@ -14325,8 +14355,17 @@
               <a:rPr lang="en-US" altLang="ko-KR" dirty="0" smtClean="0">
                 <a:ea typeface="굴림" charset="-127"/>
               </a:rPr>
-              <a:t>FDIR system organization</a:t>
-            </a:r>
+              <a:t>FDIR system </a:t>
+            </a:r>
+            <a:r>
+              <a:rPr lang="en-US" altLang="ko-KR" dirty="0" smtClean="0">
+                <a:ea typeface="굴림" charset="-127"/>
+              </a:rPr>
+              <a:t>organization </a:t>
+            </a:r>
+            <a:endParaRPr lang="en-US" altLang="ko-KR" dirty="0" smtClean="0">
+              <a:ea typeface="굴림" charset="-127"/>
+            </a:endParaRPr>
           </a:p>
           <a:p>
             <a:pPr lvl="1" eaLnBrk="1" hangingPunct="1">
@@ -14400,13 +14439,25 @@
               <a:rPr lang="en-US" altLang="ko-KR" b="1" dirty="0" smtClean="0">
                 <a:ea typeface="굴림" charset="-127"/>
               </a:rPr>
-              <a:t>Recoverability &amp; reliability </a:t>
+              <a:t>Recoverability </a:t>
+            </a:r>
+            <a:r>
+              <a:rPr lang="en-US" altLang="ko-KR" b="1" dirty="0" smtClean="0">
+                <a:ea typeface="굴림" charset="-127"/>
+              </a:rPr>
+              <a:t> </a:t>
             </a:r>
             <a:r>
               <a:rPr lang="en-US" altLang="ko-KR" dirty="0" smtClean="0">
                 <a:ea typeface="굴림" charset="-127"/>
               </a:rPr>
-              <a:t>is respected thanks to the independence of entities (publishers &amp; subscribers) that can recover from failure while FDIR global system is still working</a:t>
+              <a:t>is </a:t>
+            </a:r>
+            <a:r>
+              <a:rPr lang="en-US" altLang="ko-KR" dirty="0" smtClean="0">
+                <a:ea typeface="굴림" charset="-127"/>
+              </a:rPr>
+              <a:t>respected thanks to the independence of entities (publishers &amp; subscribers) that can recover from failure while FDIR global system is still working</a:t>
             </a:r>
           </a:p>
           <a:p>
@@ -15373,7 +15424,11 @@
           <a:p>
             <a:r>
               <a:rPr smtClean="0"/>
-              <a:t>Architectural design weaknesses</a:t>
+              <a:t>Architectural </a:t>
+            </a:r>
+            <a:r>
+              <a:rPr smtClean="0"/>
+              <a:t>design weaknesses</a:t>
             </a:r>
             <a:endParaRPr lang="fr-FR" dirty="0"/>
           </a:p>
@@ -15899,11 +15954,19 @@
           <a:p>
             <a:r>
               <a:rPr smtClean="0"/>
-              <a:t>Architectural type </a:t>
+              <a:t>Architectural </a:t>
             </a:r>
             <a:r>
               <a:rPr smtClean="0"/>
-              <a:t>WEAKNESSES (CONT.)</a:t>
+              <a:t>design </a:t>
+            </a:r>
+            <a:r>
+              <a:rPr smtClean="0"/>
+              <a:t>WEAKNESSES </a:t>
+            </a:r>
+            <a:r>
+              <a:rPr smtClean="0"/>
+              <a:t>(CONT.)</a:t>
             </a:r>
             <a:endParaRPr lang="fr-FR" dirty="0"/>
           </a:p>
